--- a/Final Powerpoint-2.pptx
+++ b/Final Powerpoint-2.pptx
@@ -1,39 +1,39 @@
 
 <file path=ppt/presentation.xml><?xml version="1.0" encoding="utf-8"?>
-<p:presentation xmlns:a="http://schemas.openxmlformats.org/drawingml/2006/main" xmlns:r="http://schemas.openxmlformats.org/officeDocument/2006/relationships" xmlns:mc="http://schemas.openxmlformats.org/markup-compatibility/2006" xmlns:mv="urn:schemas-microsoft-com:mac:vml" xmlns:p="http://schemas.openxmlformats.org/presentationml/2006/main" xmlns:c="http://schemas.openxmlformats.org/drawingml/2006/chart" xmlns:dgm="http://schemas.openxmlformats.org/drawingml/2006/diagram" xmlns:o="urn:schemas-microsoft-com:office:office" xmlns:v="urn:schemas-microsoft-com:vml" xmlns:pvml="urn:schemas-microsoft-com:office:powerpoint" xmlns:com="http://schemas.openxmlformats.org/drawingml/2006/compatibility" xmlns:p14="http://schemas.microsoft.com/office/powerpoint/2010/main" xmlns:p15="http://schemas.microsoft.com/office/powerpoint/2012/main" autoCompressPictures="0" embedTrueTypeFonts="1" strictFirstAndLastChars="0" saveSubsetFonts="1">
+<p:presentation xmlns:a="http://schemas.openxmlformats.org/drawingml/2006/main" xmlns:r="http://schemas.openxmlformats.org/officeDocument/2006/relationships" xmlns:p="http://schemas.openxmlformats.org/presentationml/2006/main" strictFirstAndLastChars="0" embedTrueTypeFonts="1" saveSubsetFonts="1" autoCompressPictures="0">
   <p:sldMasterIdLst>
-    <p:sldMasterId id="2147483659" r:id="rId4"/>
+    <p:sldMasterId id="2147483659" r:id="rId1"/>
   </p:sldMasterIdLst>
   <p:notesMasterIdLst>
-    <p:notesMasterId r:id="rId5"/>
+    <p:notesMasterId r:id="rId9"/>
   </p:notesMasterIdLst>
   <p:sldIdLst>
-    <p:sldId id="256" r:id="rId6"/>
-    <p:sldId id="257" r:id="rId7"/>
-    <p:sldId id="258" r:id="rId8"/>
-    <p:sldId id="259" r:id="rId9"/>
-    <p:sldId id="260" r:id="rId10"/>
-    <p:sldId id="261" r:id="rId11"/>
-    <p:sldId id="262" r:id="rId12"/>
+    <p:sldId id="256" r:id="rId2"/>
+    <p:sldId id="257" r:id="rId3"/>
+    <p:sldId id="258" r:id="rId4"/>
+    <p:sldId id="259" r:id="rId5"/>
+    <p:sldId id="260" r:id="rId6"/>
+    <p:sldId id="261" r:id="rId7"/>
+    <p:sldId id="262" r:id="rId8"/>
   </p:sldIdLst>
-  <p:sldSz cy="5143500" cx="9144000"/>
+  <p:sldSz cx="9144000" cy="5143500" type="screen16x9"/>
   <p:notesSz cx="6858000" cy="9144000"/>
   <p:embeddedFontLst>
     <p:embeddedFont>
-      <p:font typeface="PT Sans Narrow"/>
-      <p:regular r:id="rId13"/>
-      <p:bold r:id="rId14"/>
+      <p:font typeface="PT Sans Narrow" panose="020B0604020202020204" charset="0"/>
+      <p:regular r:id="rId10"/>
+      <p:bold r:id="rId11"/>
     </p:embeddedFont>
     <p:embeddedFont>
-      <p:font typeface="Open Sans"/>
-      <p:regular r:id="rId15"/>
-      <p:bold r:id="rId16"/>
-      <p:italic r:id="rId17"/>
-      <p:boldItalic r:id="rId18"/>
+      <p:font typeface="Open Sans" panose="020B0604020202020204" charset="0"/>
+      <p:regular r:id="rId12"/>
+      <p:bold r:id="rId13"/>
+      <p:italic r:id="rId14"/>
+      <p:boldItalic r:id="rId15"/>
     </p:embeddedFont>
   </p:embeddedFontLst>
   <p:defaultTextStyle>
-    <a:defPPr lvl="0" marR="0" rtl="0" algn="l">
+    <a:defPPr marR="0" lvl="0" algn="l" rtl="0">
       <a:lnSpc>
         <a:spcPct val="100000"/>
       </a:lnSpc>
@@ -44,7 +44,7 @@
         <a:spcPts val="0"/>
       </a:spcAft>
     </a:defPPr>
-    <a:lvl1pPr lvl="0" marR="0" rtl="0" algn="l">
+    <a:lvl1pPr marR="0" lvl="0" algn="l" rtl="0">
       <a:lnSpc>
         <a:spcPct val="100000"/>
       </a:lnSpc>
@@ -58,7 +58,7 @@
         <a:srgbClr val="000000"/>
       </a:buClr>
       <a:buFont typeface="Arial"/>
-      <a:defRPr b="0" i="0" sz="1400" u="none" cap="none" strike="noStrike">
+      <a:defRPr sz="1400" b="0" i="0" u="none" strike="noStrike" cap="none">
         <a:solidFill>
           <a:srgbClr val="000000"/>
         </a:solidFill>
@@ -68,7 +68,7 @@
         <a:sym typeface="Arial"/>
       </a:defRPr>
     </a:lvl1pPr>
-    <a:lvl2pPr lvl="1" marR="0" rtl="0" algn="l">
+    <a:lvl2pPr marR="0" lvl="1" algn="l" rtl="0">
       <a:lnSpc>
         <a:spcPct val="100000"/>
       </a:lnSpc>
@@ -82,7 +82,7 @@
         <a:srgbClr val="000000"/>
       </a:buClr>
       <a:buFont typeface="Arial"/>
-      <a:defRPr b="0" i="0" sz="1400" u="none" cap="none" strike="noStrike">
+      <a:defRPr sz="1400" b="0" i="0" u="none" strike="noStrike" cap="none">
         <a:solidFill>
           <a:srgbClr val="000000"/>
         </a:solidFill>
@@ -92,7 +92,7 @@
         <a:sym typeface="Arial"/>
       </a:defRPr>
     </a:lvl2pPr>
-    <a:lvl3pPr lvl="2" marR="0" rtl="0" algn="l">
+    <a:lvl3pPr marR="0" lvl="2" algn="l" rtl="0">
       <a:lnSpc>
         <a:spcPct val="100000"/>
       </a:lnSpc>
@@ -106,7 +106,7 @@
         <a:srgbClr val="000000"/>
       </a:buClr>
       <a:buFont typeface="Arial"/>
-      <a:defRPr b="0" i="0" sz="1400" u="none" cap="none" strike="noStrike">
+      <a:defRPr sz="1400" b="0" i="0" u="none" strike="noStrike" cap="none">
         <a:solidFill>
           <a:srgbClr val="000000"/>
         </a:solidFill>
@@ -116,7 +116,7 @@
         <a:sym typeface="Arial"/>
       </a:defRPr>
     </a:lvl3pPr>
-    <a:lvl4pPr lvl="3" marR="0" rtl="0" algn="l">
+    <a:lvl4pPr marR="0" lvl="3" algn="l" rtl="0">
       <a:lnSpc>
         <a:spcPct val="100000"/>
       </a:lnSpc>
@@ -130,7 +130,7 @@
         <a:srgbClr val="000000"/>
       </a:buClr>
       <a:buFont typeface="Arial"/>
-      <a:defRPr b="0" i="0" sz="1400" u="none" cap="none" strike="noStrike">
+      <a:defRPr sz="1400" b="0" i="0" u="none" strike="noStrike" cap="none">
         <a:solidFill>
           <a:srgbClr val="000000"/>
         </a:solidFill>
@@ -140,7 +140,7 @@
         <a:sym typeface="Arial"/>
       </a:defRPr>
     </a:lvl4pPr>
-    <a:lvl5pPr lvl="4" marR="0" rtl="0" algn="l">
+    <a:lvl5pPr marR="0" lvl="4" algn="l" rtl="0">
       <a:lnSpc>
         <a:spcPct val="100000"/>
       </a:lnSpc>
@@ -154,7 +154,7 @@
         <a:srgbClr val="000000"/>
       </a:buClr>
       <a:buFont typeface="Arial"/>
-      <a:defRPr b="0" i="0" sz="1400" u="none" cap="none" strike="noStrike">
+      <a:defRPr sz="1400" b="0" i="0" u="none" strike="noStrike" cap="none">
         <a:solidFill>
           <a:srgbClr val="000000"/>
         </a:solidFill>
@@ -164,7 +164,7 @@
         <a:sym typeface="Arial"/>
       </a:defRPr>
     </a:lvl5pPr>
-    <a:lvl6pPr lvl="5" marR="0" rtl="0" algn="l">
+    <a:lvl6pPr marR="0" lvl="5" algn="l" rtl="0">
       <a:lnSpc>
         <a:spcPct val="100000"/>
       </a:lnSpc>
@@ -178,7 +178,7 @@
         <a:srgbClr val="000000"/>
       </a:buClr>
       <a:buFont typeface="Arial"/>
-      <a:defRPr b="0" i="0" sz="1400" u="none" cap="none" strike="noStrike">
+      <a:defRPr sz="1400" b="0" i="0" u="none" strike="noStrike" cap="none">
         <a:solidFill>
           <a:srgbClr val="000000"/>
         </a:solidFill>
@@ -188,7 +188,7 @@
         <a:sym typeface="Arial"/>
       </a:defRPr>
     </a:lvl6pPr>
-    <a:lvl7pPr lvl="6" marR="0" rtl="0" algn="l">
+    <a:lvl7pPr marR="0" lvl="6" algn="l" rtl="0">
       <a:lnSpc>
         <a:spcPct val="100000"/>
       </a:lnSpc>
@@ -202,7 +202,7 @@
         <a:srgbClr val="000000"/>
       </a:buClr>
       <a:buFont typeface="Arial"/>
-      <a:defRPr b="0" i="0" sz="1400" u="none" cap="none" strike="noStrike">
+      <a:defRPr sz="1400" b="0" i="0" u="none" strike="noStrike" cap="none">
         <a:solidFill>
           <a:srgbClr val="000000"/>
         </a:solidFill>
@@ -212,7 +212,7 @@
         <a:sym typeface="Arial"/>
       </a:defRPr>
     </a:lvl7pPr>
-    <a:lvl8pPr lvl="7" marR="0" rtl="0" algn="l">
+    <a:lvl8pPr marR="0" lvl="7" algn="l" rtl="0">
       <a:lnSpc>
         <a:spcPct val="100000"/>
       </a:lnSpc>
@@ -226,7 +226,7 @@
         <a:srgbClr val="000000"/>
       </a:buClr>
       <a:buFont typeface="Arial"/>
-      <a:defRPr b="0" i="0" sz="1400" u="none" cap="none" strike="noStrike">
+      <a:defRPr sz="1400" b="0" i="0" u="none" strike="noStrike" cap="none">
         <a:solidFill>
           <a:srgbClr val="000000"/>
         </a:solidFill>
@@ -236,7 +236,7 @@
         <a:sym typeface="Arial"/>
       </a:defRPr>
     </a:lvl8pPr>
-    <a:lvl9pPr lvl="8" marR="0" rtl="0" algn="l">
+    <a:lvl9pPr marR="0" lvl="8" algn="l" rtl="0">
       <a:lnSpc>
         <a:spcPct val="100000"/>
       </a:lnSpc>
@@ -250,7 +250,7 @@
         <a:srgbClr val="000000"/>
       </a:buClr>
       <a:buFont typeface="Arial"/>
-      <a:defRPr b="0" i="0" sz="1400" u="none" cap="none" strike="noStrike">
+      <a:defRPr sz="1400" b="0" i="0" u="none" strike="noStrike" cap="none">
         <a:solidFill>
           <a:srgbClr val="000000"/>
         </a:solidFill>
@@ -263,7 +263,7 @@
   </p:defaultTextStyle>
   <p:extLst>
     <p:ext uri="{EFAFB233-063F-42B5-8137-9DF3F51BA10A}">
-      <p15:sldGuideLst>
+      <p15:sldGuideLst xmlns:p15="http://schemas.microsoft.com/office/powerpoint/2012/main">
         <p15:guide id="1" orient="horz" pos="1620">
           <p15:clr>
             <a:srgbClr val="A4A3A4"/>
@@ -281,11 +281,16 @@
 </file>
 
 <file path=ppt/notesMasters/notesMaster1.xml><?xml version="1.0" encoding="utf-8"?>
-<p:notesMaster xmlns:a="http://schemas.openxmlformats.org/drawingml/2006/main" xmlns:r="http://schemas.openxmlformats.org/officeDocument/2006/relationships" xmlns:mc="http://schemas.openxmlformats.org/markup-compatibility/2006" xmlns:mv="urn:schemas-microsoft-com:mac:vml" xmlns:p="http://schemas.openxmlformats.org/presentationml/2006/main" xmlns:c="http://schemas.openxmlformats.org/drawingml/2006/chart" xmlns:dgm="http://schemas.openxmlformats.org/drawingml/2006/diagram" xmlns:o="urn:schemas-microsoft-com:office:office" xmlns:v="urn:schemas-microsoft-com:vml" xmlns:pvml="urn:schemas-microsoft-com:office:powerpoint" xmlns:com="http://schemas.openxmlformats.org/drawingml/2006/compatibility" xmlns:p14="http://schemas.microsoft.com/office/powerpoint/2010/main" xmlns:p15="http://schemas.microsoft.com/office/powerpoint/2012/main">
+<p:notesMaster xmlns:a="http://schemas.openxmlformats.org/drawingml/2006/main" xmlns:r="http://schemas.openxmlformats.org/officeDocument/2006/relationships" xmlns:p="http://schemas.openxmlformats.org/presentationml/2006/main">
   <p:cSld>
+    <p:bg>
+      <p:bgRef idx="1001">
+        <a:schemeClr val="bg1"/>
+      </p:bgRef>
+    </p:bg>
     <p:spTree>
       <p:nvGrpSpPr>
-        <p:cNvPr id="2" name="Shape 2"/>
+        <p:cNvPr id="1" name="Shape 2"/>
         <p:cNvGrpSpPr/>
         <p:nvPr/>
       </p:nvGrpSpPr>
@@ -300,9 +305,11 @@
       <p:sp>
         <p:nvSpPr>
           <p:cNvPr id="3" name="Shape 3"/>
-          <p:cNvSpPr/>
+          <p:cNvSpPr>
+            <a:spLocks noGrp="1" noRot="1" noChangeAspect="1"/>
+          </p:cNvSpPr>
           <p:nvPr>
-            <p:ph idx="2" type="sldImg"/>
+            <p:ph type="sldImg" idx="2"/>
           </p:nvPr>
         </p:nvSpPr>
         <p:spPr>
@@ -311,8 +318,13 @@
             <a:ext cx="6096075" cy="3429000"/>
           </a:xfrm>
           <a:custGeom>
+            <a:avLst/>
+            <a:gdLst/>
+            <a:ahLst/>
+            <a:cxnLst/>
+            <a:rect l="0" t="0" r="0" b="0"/>
             <a:pathLst>
-              <a:path extrusionOk="0" h="120000" w="120000">
+              <a:path w="120000" h="120000" extrusionOk="0">
                 <a:moveTo>
                   <a:pt x="0" y="0"/>
                 </a:moveTo>
@@ -330,23 +342,25 @@
             </a:pathLst>
           </a:custGeom>
           <a:noFill/>
-          <a:ln cap="flat" cmpd="sng" w="9525">
+          <a:ln w="9525" cap="flat" cmpd="sng">
             <a:solidFill>
               <a:srgbClr val="000000"/>
             </a:solidFill>
             <a:prstDash val="solid"/>
             <a:round/>
-            <a:headEnd len="sm" w="sm" type="none"/>
-            <a:tailEnd len="sm" w="sm" type="none"/>
+            <a:headEnd type="none" w="sm" len="sm"/>
+            <a:tailEnd type="none" w="sm" len="sm"/>
           </a:ln>
         </p:spPr>
       </p:sp>
       <p:sp>
         <p:nvSpPr>
           <p:cNvPr id="4" name="Shape 4"/>
-          <p:cNvSpPr txBox="1"/>
+          <p:cNvSpPr txBox="1">
+            <a:spLocks noGrp="1"/>
+          </p:cNvSpPr>
           <p:nvPr>
-            <p:ph idx="1" type="body"/>
+            <p:ph type="body" idx="1"/>
           </p:nvPr>
         </p:nvSpPr>
         <p:spPr>
@@ -363,9 +377,9 @@
           </a:ln>
         </p:spPr>
         <p:txBody>
-          <a:bodyPr anchorCtr="0" anchor="t" bIns="91425" lIns="91425" spcFirstLastPara="1" rIns="91425" wrap="square" tIns="91425"/>
+          <a:bodyPr spcFirstLastPara="1" wrap="square" lIns="91425" tIns="91425" rIns="91425" bIns="91425" anchor="t" anchorCtr="0"/>
           <a:lstStyle>
-            <a:lvl1pPr indent="-317500" lvl="0" marL="457200">
+            <a:lvl1pPr marL="457200" lvl="0" indent="-317500">
               <a:spcBef>
                 <a:spcPts val="0"/>
               </a:spcBef>
@@ -376,7 +390,7 @@
               <a:buChar char="●"/>
               <a:defRPr sz="1100"/>
             </a:lvl1pPr>
-            <a:lvl2pPr indent="-317500" lvl="1" marL="914400">
+            <a:lvl2pPr marL="914400" lvl="1" indent="-317500">
               <a:spcBef>
                 <a:spcPts val="0"/>
               </a:spcBef>
@@ -387,7 +401,7 @@
               <a:buChar char="○"/>
               <a:defRPr sz="1100"/>
             </a:lvl2pPr>
-            <a:lvl3pPr indent="-317500" lvl="2" marL="1371600">
+            <a:lvl3pPr marL="1371600" lvl="2" indent="-317500">
               <a:spcBef>
                 <a:spcPts val="0"/>
               </a:spcBef>
@@ -398,7 +412,7 @@
               <a:buChar char="■"/>
               <a:defRPr sz="1100"/>
             </a:lvl3pPr>
-            <a:lvl4pPr indent="-317500" lvl="3" marL="1828800">
+            <a:lvl4pPr marL="1828800" lvl="3" indent="-317500">
               <a:spcBef>
                 <a:spcPts val="0"/>
               </a:spcBef>
@@ -409,7 +423,7 @@
               <a:buChar char="●"/>
               <a:defRPr sz="1100"/>
             </a:lvl4pPr>
-            <a:lvl5pPr indent="-317500" lvl="4" marL="2286000">
+            <a:lvl5pPr marL="2286000" lvl="4" indent="-317500">
               <a:spcBef>
                 <a:spcPts val="0"/>
               </a:spcBef>
@@ -420,7 +434,7 @@
               <a:buChar char="○"/>
               <a:defRPr sz="1100"/>
             </a:lvl5pPr>
-            <a:lvl6pPr indent="-317500" lvl="5" marL="2743200">
+            <a:lvl6pPr marL="2743200" lvl="5" indent="-317500">
               <a:spcBef>
                 <a:spcPts val="0"/>
               </a:spcBef>
@@ -431,7 +445,7 @@
               <a:buChar char="■"/>
               <a:defRPr sz="1100"/>
             </a:lvl6pPr>
-            <a:lvl7pPr indent="-317500" lvl="6" marL="3200400">
+            <a:lvl7pPr marL="3200400" lvl="6" indent="-317500">
               <a:spcBef>
                 <a:spcPts val="0"/>
               </a:spcBef>
@@ -442,7 +456,7 @@
               <a:buChar char="●"/>
               <a:defRPr sz="1100"/>
             </a:lvl7pPr>
-            <a:lvl8pPr indent="-317500" lvl="7" marL="3657600">
+            <a:lvl8pPr marL="3657600" lvl="7" indent="-317500">
               <a:spcBef>
                 <a:spcPts val="0"/>
               </a:spcBef>
@@ -453,7 +467,7 @@
               <a:buChar char="○"/>
               <a:defRPr sz="1100"/>
             </a:lvl8pPr>
-            <a:lvl9pPr indent="-317500" lvl="8" marL="4114800">
+            <a:lvl9pPr marL="4114800" lvl="8" indent="-317500">
               <a:spcBef>
                 <a:spcPts val="0"/>
               </a:spcBef>
@@ -465,14 +479,16 @@
               <a:defRPr sz="1100"/>
             </a:lvl9pPr>
           </a:lstStyle>
-          <a:p/>
+          <a:p>
+            <a:endParaRPr/>
+          </a:p>
         </p:txBody>
       </p:sp>
     </p:spTree>
   </p:cSld>
-  <p:clrMap accent1="accent1" accent2="accent2" accent3="accent3" accent4="accent4" accent5="accent5" accent6="accent6" bg1="lt1" bg2="dk2" tx1="dk1" tx2="lt2" folHlink="folHlink" hlink="hlink"/>
+  <p:clrMap bg1="lt1" tx1="dk1" bg2="dk2" tx2="lt2" accent1="accent1" accent2="accent2" accent3="accent3" accent4="accent4" accent5="accent5" accent6="accent6" hlink="hlink" folHlink="folHlink"/>
   <p:notesStyle>
-    <a:defPPr lvl="0" marR="0" rtl="0" algn="l">
+    <a:defPPr marR="0" lvl="0" algn="l" rtl="0">
       <a:lnSpc>
         <a:spcPct val="100000"/>
       </a:lnSpc>
@@ -483,7 +499,7 @@
         <a:spcPts val="0"/>
       </a:spcAft>
     </a:defPPr>
-    <a:lvl1pPr lvl="0" marR="0" rtl="0" algn="l">
+    <a:lvl1pPr marR="0" lvl="0" algn="l" rtl="0">
       <a:lnSpc>
         <a:spcPct val="100000"/>
       </a:lnSpc>
@@ -497,7 +513,7 @@
         <a:srgbClr val="000000"/>
       </a:buClr>
       <a:buFont typeface="Arial"/>
-      <a:defRPr b="0" i="0" sz="1400" u="none" cap="none" strike="noStrike">
+      <a:defRPr sz="1400" b="0" i="0" u="none" strike="noStrike" cap="none">
         <a:solidFill>
           <a:srgbClr val="000000"/>
         </a:solidFill>
@@ -507,7 +523,7 @@
         <a:sym typeface="Arial"/>
       </a:defRPr>
     </a:lvl1pPr>
-    <a:lvl2pPr lvl="1" marR="0" rtl="0" algn="l">
+    <a:lvl2pPr marR="0" lvl="1" algn="l" rtl="0">
       <a:lnSpc>
         <a:spcPct val="100000"/>
       </a:lnSpc>
@@ -521,7 +537,7 @@
         <a:srgbClr val="000000"/>
       </a:buClr>
       <a:buFont typeface="Arial"/>
-      <a:defRPr b="0" i="0" sz="1400" u="none" cap="none" strike="noStrike">
+      <a:defRPr sz="1400" b="0" i="0" u="none" strike="noStrike" cap="none">
         <a:solidFill>
           <a:srgbClr val="000000"/>
         </a:solidFill>
@@ -531,7 +547,7 @@
         <a:sym typeface="Arial"/>
       </a:defRPr>
     </a:lvl2pPr>
-    <a:lvl3pPr lvl="2" marR="0" rtl="0" algn="l">
+    <a:lvl3pPr marR="0" lvl="2" algn="l" rtl="0">
       <a:lnSpc>
         <a:spcPct val="100000"/>
       </a:lnSpc>
@@ -545,7 +561,7 @@
         <a:srgbClr val="000000"/>
       </a:buClr>
       <a:buFont typeface="Arial"/>
-      <a:defRPr b="0" i="0" sz="1400" u="none" cap="none" strike="noStrike">
+      <a:defRPr sz="1400" b="0" i="0" u="none" strike="noStrike" cap="none">
         <a:solidFill>
           <a:srgbClr val="000000"/>
         </a:solidFill>
@@ -555,7 +571,7 @@
         <a:sym typeface="Arial"/>
       </a:defRPr>
     </a:lvl3pPr>
-    <a:lvl4pPr lvl="3" marR="0" rtl="0" algn="l">
+    <a:lvl4pPr marR="0" lvl="3" algn="l" rtl="0">
       <a:lnSpc>
         <a:spcPct val="100000"/>
       </a:lnSpc>
@@ -569,7 +585,7 @@
         <a:srgbClr val="000000"/>
       </a:buClr>
       <a:buFont typeface="Arial"/>
-      <a:defRPr b="0" i="0" sz="1400" u="none" cap="none" strike="noStrike">
+      <a:defRPr sz="1400" b="0" i="0" u="none" strike="noStrike" cap="none">
         <a:solidFill>
           <a:srgbClr val="000000"/>
         </a:solidFill>
@@ -579,7 +595,7 @@
         <a:sym typeface="Arial"/>
       </a:defRPr>
     </a:lvl4pPr>
-    <a:lvl5pPr lvl="4" marR="0" rtl="0" algn="l">
+    <a:lvl5pPr marR="0" lvl="4" algn="l" rtl="0">
       <a:lnSpc>
         <a:spcPct val="100000"/>
       </a:lnSpc>
@@ -593,7 +609,7 @@
         <a:srgbClr val="000000"/>
       </a:buClr>
       <a:buFont typeface="Arial"/>
-      <a:defRPr b="0" i="0" sz="1400" u="none" cap="none" strike="noStrike">
+      <a:defRPr sz="1400" b="0" i="0" u="none" strike="noStrike" cap="none">
         <a:solidFill>
           <a:srgbClr val="000000"/>
         </a:solidFill>
@@ -603,7 +619,7 @@
         <a:sym typeface="Arial"/>
       </a:defRPr>
     </a:lvl5pPr>
-    <a:lvl6pPr lvl="5" marR="0" rtl="0" algn="l">
+    <a:lvl6pPr marR="0" lvl="5" algn="l" rtl="0">
       <a:lnSpc>
         <a:spcPct val="100000"/>
       </a:lnSpc>
@@ -617,7 +633,7 @@
         <a:srgbClr val="000000"/>
       </a:buClr>
       <a:buFont typeface="Arial"/>
-      <a:defRPr b="0" i="0" sz="1400" u="none" cap="none" strike="noStrike">
+      <a:defRPr sz="1400" b="0" i="0" u="none" strike="noStrike" cap="none">
         <a:solidFill>
           <a:srgbClr val="000000"/>
         </a:solidFill>
@@ -627,7 +643,7 @@
         <a:sym typeface="Arial"/>
       </a:defRPr>
     </a:lvl6pPr>
-    <a:lvl7pPr lvl="6" marR="0" rtl="0" algn="l">
+    <a:lvl7pPr marR="0" lvl="6" algn="l" rtl="0">
       <a:lnSpc>
         <a:spcPct val="100000"/>
       </a:lnSpc>
@@ -641,7 +657,7 @@
         <a:srgbClr val="000000"/>
       </a:buClr>
       <a:buFont typeface="Arial"/>
-      <a:defRPr b="0" i="0" sz="1400" u="none" cap="none" strike="noStrike">
+      <a:defRPr sz="1400" b="0" i="0" u="none" strike="noStrike" cap="none">
         <a:solidFill>
           <a:srgbClr val="000000"/>
         </a:solidFill>
@@ -651,7 +667,7 @@
         <a:sym typeface="Arial"/>
       </a:defRPr>
     </a:lvl7pPr>
-    <a:lvl8pPr lvl="7" marR="0" rtl="0" algn="l">
+    <a:lvl8pPr marR="0" lvl="7" algn="l" rtl="0">
       <a:lnSpc>
         <a:spcPct val="100000"/>
       </a:lnSpc>
@@ -665,7 +681,7 @@
         <a:srgbClr val="000000"/>
       </a:buClr>
       <a:buFont typeface="Arial"/>
-      <a:defRPr b="0" i="0" sz="1400" u="none" cap="none" strike="noStrike">
+      <a:defRPr sz="1400" b="0" i="0" u="none" strike="noStrike" cap="none">
         <a:solidFill>
           <a:srgbClr val="000000"/>
         </a:solidFill>
@@ -675,7 +691,7 @@
         <a:sym typeface="Arial"/>
       </a:defRPr>
     </a:lvl8pPr>
-    <a:lvl9pPr lvl="8" marR="0" rtl="0" algn="l">
+    <a:lvl9pPr marR="0" lvl="8" algn="l" rtl="0">
       <a:lnSpc>
         <a:spcPct val="100000"/>
       </a:lnSpc>
@@ -689,7 +705,7 @@
         <a:srgbClr val="000000"/>
       </a:buClr>
       <a:buFont typeface="Arial"/>
-      <a:defRPr b="0" i="0" sz="1400" u="none" cap="none" strike="noStrike">
+      <a:defRPr sz="1400" b="0" i="0" u="none" strike="noStrike" cap="none">
         <a:solidFill>
           <a:srgbClr val="000000"/>
         </a:solidFill>
@@ -704,11 +720,11 @@
 </file>
 
 <file path=ppt/notesSlides/notesSlide1.xml><?xml version="1.0" encoding="utf-8"?>
-<p:notes xmlns:a="http://schemas.openxmlformats.org/drawingml/2006/main" xmlns:r="http://schemas.openxmlformats.org/officeDocument/2006/relationships" xmlns:mc="http://schemas.openxmlformats.org/markup-compatibility/2006" xmlns:mv="urn:schemas-microsoft-com:mac:vml" xmlns:p="http://schemas.openxmlformats.org/presentationml/2006/main" xmlns:c="http://schemas.openxmlformats.org/drawingml/2006/chart" xmlns:dgm="http://schemas.openxmlformats.org/drawingml/2006/diagram" xmlns:o="urn:schemas-microsoft-com:office:office" xmlns:v="urn:schemas-microsoft-com:vml" xmlns:pvml="urn:schemas-microsoft-com:office:powerpoint" xmlns:com="http://schemas.openxmlformats.org/drawingml/2006/compatibility" xmlns:p14="http://schemas.microsoft.com/office/powerpoint/2010/main" xmlns:p15="http://schemas.microsoft.com/office/powerpoint/2012/main" showMasterPhAnim="0" showMasterSp="0">
+<p:notes xmlns:a="http://schemas.openxmlformats.org/drawingml/2006/main" xmlns:r="http://schemas.openxmlformats.org/officeDocument/2006/relationships" xmlns:p="http://schemas.openxmlformats.org/presentationml/2006/main" showMasterSp="0" showMasterPhAnim="0">
   <p:cSld>
     <p:spTree>
       <p:nvGrpSpPr>
-        <p:cNvPr id="62" name="Shape 62"/>
+        <p:cNvPr id="1" name="Shape 62"/>
         <p:cNvGrpSpPr/>
         <p:nvPr/>
       </p:nvGrpSpPr>
@@ -723,19 +739,26 @@
       <p:sp>
         <p:nvSpPr>
           <p:cNvPr id="63" name="Shape 63"/>
-          <p:cNvSpPr/>
+          <p:cNvSpPr>
+            <a:spLocks noGrp="1" noRot="1" noChangeAspect="1"/>
+          </p:cNvSpPr>
           <p:nvPr>
-            <p:ph idx="2" type="sldImg"/>
+            <p:ph type="sldImg" idx="2"/>
           </p:nvPr>
         </p:nvSpPr>
         <p:spPr>
           <a:xfrm>
-            <a:off x="381188" y="685800"/>
-            <a:ext cx="6096300" cy="3429000"/>
+            <a:off x="381000" y="685800"/>
+            <a:ext cx="6096000" cy="3429000"/>
           </a:xfrm>
           <a:custGeom>
+            <a:avLst/>
+            <a:gdLst/>
+            <a:ahLst/>
+            <a:cxnLst/>
+            <a:rect l="0" t="0" r="0" b="0"/>
             <a:pathLst>
-              <a:path extrusionOk="0" h="120000" w="120000">
+              <a:path w="120000" h="120000" extrusionOk="0">
                 <a:moveTo>
                   <a:pt x="0" y="0"/>
                 </a:moveTo>
@@ -757,9 +780,11 @@
       <p:sp>
         <p:nvSpPr>
           <p:cNvPr id="64" name="Shape 64"/>
-          <p:cNvSpPr txBox="1"/>
+          <p:cNvSpPr txBox="1">
+            <a:spLocks noGrp="1"/>
+          </p:cNvSpPr>
           <p:nvPr>
-            <p:ph idx="1" type="body"/>
+            <p:ph type="body" idx="1"/>
           </p:nvPr>
         </p:nvSpPr>
         <p:spPr>
@@ -772,12 +797,12 @@
           </a:prstGeom>
         </p:spPr>
         <p:txBody>
-          <a:bodyPr anchorCtr="0" anchor="t" bIns="91425" lIns="91425" spcFirstLastPara="1" rIns="91425" wrap="square" tIns="91425">
+          <a:bodyPr spcFirstLastPara="1" wrap="square" lIns="91425" tIns="91425" rIns="91425" bIns="91425" anchor="t" anchorCtr="0">
             <a:noAutofit/>
           </a:bodyPr>
           <a:lstStyle/>
           <a:p>
-            <a:pPr indent="0" lvl="0" marL="0">
+            <a:pPr marL="0" lvl="0" indent="0">
               <a:spcBef>
                 <a:spcPts val="0"/>
               </a:spcBef>
@@ -786,9 +811,6 @@
               </a:spcAft>
               <a:buNone/>
             </a:pPr>
-            <a:r>
-              <a:t/>
-            </a:r>
             <a:endParaRPr/>
           </a:p>
         </p:txBody>
@@ -802,11 +824,11 @@
 </file>
 
 <file path=ppt/notesSlides/notesSlide2.xml><?xml version="1.0" encoding="utf-8"?>
-<p:notes xmlns:a="http://schemas.openxmlformats.org/drawingml/2006/main" xmlns:r="http://schemas.openxmlformats.org/officeDocument/2006/relationships" xmlns:mc="http://schemas.openxmlformats.org/markup-compatibility/2006" xmlns:mv="urn:schemas-microsoft-com:mac:vml" xmlns:p="http://schemas.openxmlformats.org/presentationml/2006/main" xmlns:c="http://schemas.openxmlformats.org/drawingml/2006/chart" xmlns:dgm="http://schemas.openxmlformats.org/drawingml/2006/diagram" xmlns:o="urn:schemas-microsoft-com:office:office" xmlns:v="urn:schemas-microsoft-com:vml" xmlns:pvml="urn:schemas-microsoft-com:office:powerpoint" xmlns:com="http://schemas.openxmlformats.org/drawingml/2006/compatibility" xmlns:p14="http://schemas.microsoft.com/office/powerpoint/2010/main" xmlns:p15="http://schemas.microsoft.com/office/powerpoint/2012/main" showMasterPhAnim="0" showMasterSp="0">
+<p:notes xmlns:a="http://schemas.openxmlformats.org/drawingml/2006/main" xmlns:r="http://schemas.openxmlformats.org/officeDocument/2006/relationships" xmlns:p="http://schemas.openxmlformats.org/presentationml/2006/main" showMasterSp="0" showMasterPhAnim="0">
   <p:cSld>
     <p:spTree>
       <p:nvGrpSpPr>
-        <p:cNvPr id="68" name="Shape 68"/>
+        <p:cNvPr id="1" name="Shape 68"/>
         <p:cNvGrpSpPr/>
         <p:nvPr/>
       </p:nvGrpSpPr>
@@ -821,9 +843,11 @@
       <p:sp>
         <p:nvSpPr>
           <p:cNvPr id="69" name="Shape 69"/>
-          <p:cNvSpPr/>
+          <p:cNvSpPr>
+            <a:spLocks noGrp="1" noRot="1" noChangeAspect="1"/>
+          </p:cNvSpPr>
           <p:nvPr>
-            <p:ph idx="2" type="sldImg"/>
+            <p:ph type="sldImg" idx="2"/>
           </p:nvPr>
         </p:nvSpPr>
         <p:spPr>
@@ -832,8 +856,13 @@
             <a:ext cx="6096000" cy="3429000"/>
           </a:xfrm>
           <a:custGeom>
+            <a:avLst/>
+            <a:gdLst/>
+            <a:ahLst/>
+            <a:cxnLst/>
+            <a:rect l="0" t="0" r="0" b="0"/>
             <a:pathLst>
-              <a:path extrusionOk="0" h="120000" w="120000">
+              <a:path w="120000" h="120000" extrusionOk="0">
                 <a:moveTo>
                   <a:pt x="0" y="0"/>
                 </a:moveTo>
@@ -855,9 +884,11 @@
       <p:sp>
         <p:nvSpPr>
           <p:cNvPr id="70" name="Shape 70"/>
-          <p:cNvSpPr txBox="1"/>
+          <p:cNvSpPr txBox="1">
+            <a:spLocks noGrp="1"/>
+          </p:cNvSpPr>
           <p:nvPr>
-            <p:ph idx="1" type="body"/>
+            <p:ph type="body" idx="1"/>
           </p:nvPr>
         </p:nvSpPr>
         <p:spPr>
@@ -870,12 +901,12 @@
           </a:prstGeom>
         </p:spPr>
         <p:txBody>
-          <a:bodyPr anchorCtr="0" anchor="t" bIns="91425" lIns="91425" spcFirstLastPara="1" rIns="91425" wrap="square" tIns="91425">
+          <a:bodyPr spcFirstLastPara="1" wrap="square" lIns="91425" tIns="91425" rIns="91425" bIns="91425" anchor="t" anchorCtr="0">
             <a:noAutofit/>
           </a:bodyPr>
           <a:lstStyle/>
           <a:p>
-            <a:pPr indent="0" lvl="0" marL="0">
+            <a:pPr marL="0" lvl="0" indent="0">
               <a:spcBef>
                 <a:spcPts val="0"/>
               </a:spcBef>
@@ -884,9 +915,6 @@
               </a:spcAft>
               <a:buNone/>
             </a:pPr>
-            <a:r>
-              <a:t/>
-            </a:r>
             <a:endParaRPr/>
           </a:p>
         </p:txBody>
@@ -900,11 +928,11 @@
 </file>
 
 <file path=ppt/notesSlides/notesSlide3.xml><?xml version="1.0" encoding="utf-8"?>
-<p:notes xmlns:a="http://schemas.openxmlformats.org/drawingml/2006/main" xmlns:r="http://schemas.openxmlformats.org/officeDocument/2006/relationships" xmlns:mc="http://schemas.openxmlformats.org/markup-compatibility/2006" xmlns:mv="urn:schemas-microsoft-com:mac:vml" xmlns:p="http://schemas.openxmlformats.org/presentationml/2006/main" xmlns:c="http://schemas.openxmlformats.org/drawingml/2006/chart" xmlns:dgm="http://schemas.openxmlformats.org/drawingml/2006/diagram" xmlns:o="urn:schemas-microsoft-com:office:office" xmlns:v="urn:schemas-microsoft-com:vml" xmlns:pvml="urn:schemas-microsoft-com:office:powerpoint" xmlns:com="http://schemas.openxmlformats.org/drawingml/2006/compatibility" xmlns:p14="http://schemas.microsoft.com/office/powerpoint/2010/main" xmlns:p15="http://schemas.microsoft.com/office/powerpoint/2012/main" showMasterPhAnim="0" showMasterSp="0">
+<p:notes xmlns:a="http://schemas.openxmlformats.org/drawingml/2006/main" xmlns:r="http://schemas.openxmlformats.org/officeDocument/2006/relationships" xmlns:p="http://schemas.openxmlformats.org/presentationml/2006/main" showMasterSp="0" showMasterPhAnim="0">
   <p:cSld>
     <p:spTree>
       <p:nvGrpSpPr>
-        <p:cNvPr id="74" name="Shape 74"/>
+        <p:cNvPr id="1" name="Shape 74"/>
         <p:cNvGrpSpPr/>
         <p:nvPr/>
       </p:nvGrpSpPr>
@@ -919,9 +947,11 @@
       <p:sp>
         <p:nvSpPr>
           <p:cNvPr id="75" name="Shape 75"/>
-          <p:cNvSpPr/>
+          <p:cNvSpPr>
+            <a:spLocks noGrp="1" noRot="1" noChangeAspect="1"/>
+          </p:cNvSpPr>
           <p:nvPr>
-            <p:ph idx="2" type="sldImg"/>
+            <p:ph type="sldImg" idx="2"/>
           </p:nvPr>
         </p:nvSpPr>
         <p:spPr>
@@ -930,8 +960,13 @@
             <a:ext cx="6096300" cy="3429000"/>
           </a:xfrm>
           <a:custGeom>
+            <a:avLst/>
+            <a:gdLst/>
+            <a:ahLst/>
+            <a:cxnLst/>
+            <a:rect l="0" t="0" r="0" b="0"/>
             <a:pathLst>
-              <a:path extrusionOk="0" h="120000" w="120000">
+              <a:path w="120000" h="120000" extrusionOk="0">
                 <a:moveTo>
                   <a:pt x="0" y="0"/>
                 </a:moveTo>
@@ -953,9 +988,11 @@
       <p:sp>
         <p:nvSpPr>
           <p:cNvPr id="76" name="Shape 76"/>
-          <p:cNvSpPr txBox="1"/>
+          <p:cNvSpPr txBox="1">
+            <a:spLocks noGrp="1"/>
+          </p:cNvSpPr>
           <p:nvPr>
-            <p:ph idx="1" type="body"/>
+            <p:ph type="body" idx="1"/>
           </p:nvPr>
         </p:nvSpPr>
         <p:spPr>
@@ -968,12 +1005,12 @@
           </a:prstGeom>
         </p:spPr>
         <p:txBody>
-          <a:bodyPr anchorCtr="0" anchor="t" bIns="91425" lIns="91425" spcFirstLastPara="1" rIns="91425" wrap="square" tIns="91425">
+          <a:bodyPr spcFirstLastPara="1" wrap="square" lIns="91425" tIns="91425" rIns="91425" bIns="91425" anchor="t" anchorCtr="0">
             <a:noAutofit/>
           </a:bodyPr>
           <a:lstStyle/>
           <a:p>
-            <a:pPr indent="0" lvl="0" marL="0">
+            <a:pPr marL="0" lvl="0" indent="0">
               <a:spcBef>
                 <a:spcPts val="0"/>
               </a:spcBef>
@@ -982,9 +1019,6 @@
               </a:spcAft>
               <a:buNone/>
             </a:pPr>
-            <a:r>
-              <a:t/>
-            </a:r>
             <a:endParaRPr/>
           </a:p>
         </p:txBody>
@@ -998,11 +1032,11 @@
 </file>
 
 <file path=ppt/notesSlides/notesSlide4.xml><?xml version="1.0" encoding="utf-8"?>
-<p:notes xmlns:a="http://schemas.openxmlformats.org/drawingml/2006/main" xmlns:r="http://schemas.openxmlformats.org/officeDocument/2006/relationships" xmlns:mc="http://schemas.openxmlformats.org/markup-compatibility/2006" xmlns:mv="urn:schemas-microsoft-com:mac:vml" xmlns:p="http://schemas.openxmlformats.org/presentationml/2006/main" xmlns:c="http://schemas.openxmlformats.org/drawingml/2006/chart" xmlns:dgm="http://schemas.openxmlformats.org/drawingml/2006/diagram" xmlns:o="urn:schemas-microsoft-com:office:office" xmlns:v="urn:schemas-microsoft-com:vml" xmlns:pvml="urn:schemas-microsoft-com:office:powerpoint" xmlns:com="http://schemas.openxmlformats.org/drawingml/2006/compatibility" xmlns:p14="http://schemas.microsoft.com/office/powerpoint/2010/main" xmlns:p15="http://schemas.microsoft.com/office/powerpoint/2012/main" showMasterPhAnim="0" showMasterSp="0">
+<p:notes xmlns:a="http://schemas.openxmlformats.org/drawingml/2006/main" xmlns:r="http://schemas.openxmlformats.org/officeDocument/2006/relationships" xmlns:p="http://schemas.openxmlformats.org/presentationml/2006/main" showMasterSp="0" showMasterPhAnim="0">
   <p:cSld>
     <p:spTree>
       <p:nvGrpSpPr>
-        <p:cNvPr id="80" name="Shape 80"/>
+        <p:cNvPr id="1" name="Shape 80"/>
         <p:cNvGrpSpPr/>
         <p:nvPr/>
       </p:nvGrpSpPr>
@@ -1017,9 +1051,11 @@
       <p:sp>
         <p:nvSpPr>
           <p:cNvPr id="81" name="Shape 81"/>
-          <p:cNvSpPr/>
+          <p:cNvSpPr>
+            <a:spLocks noGrp="1" noRot="1" noChangeAspect="1"/>
+          </p:cNvSpPr>
           <p:nvPr>
-            <p:ph idx="2" type="sldImg"/>
+            <p:ph type="sldImg" idx="2"/>
           </p:nvPr>
         </p:nvSpPr>
         <p:spPr>
@@ -1028,8 +1064,13 @@
             <a:ext cx="6096000" cy="3429000"/>
           </a:xfrm>
           <a:custGeom>
+            <a:avLst/>
+            <a:gdLst/>
+            <a:ahLst/>
+            <a:cxnLst/>
+            <a:rect l="0" t="0" r="0" b="0"/>
             <a:pathLst>
-              <a:path extrusionOk="0" h="120000" w="120000">
+              <a:path w="120000" h="120000" extrusionOk="0">
                 <a:moveTo>
                   <a:pt x="0" y="0"/>
                 </a:moveTo>
@@ -1051,9 +1092,11 @@
       <p:sp>
         <p:nvSpPr>
           <p:cNvPr id="82" name="Shape 82"/>
-          <p:cNvSpPr txBox="1"/>
+          <p:cNvSpPr txBox="1">
+            <a:spLocks noGrp="1"/>
+          </p:cNvSpPr>
           <p:nvPr>
-            <p:ph idx="1" type="body"/>
+            <p:ph type="body" idx="1"/>
           </p:nvPr>
         </p:nvSpPr>
         <p:spPr>
@@ -1066,12 +1109,12 @@
           </a:prstGeom>
         </p:spPr>
         <p:txBody>
-          <a:bodyPr anchorCtr="0" anchor="t" bIns="91425" lIns="91425" spcFirstLastPara="1" rIns="91425" wrap="square" tIns="91425">
+          <a:bodyPr spcFirstLastPara="1" wrap="square" lIns="91425" tIns="91425" rIns="91425" bIns="91425" anchor="t" anchorCtr="0">
             <a:noAutofit/>
           </a:bodyPr>
           <a:lstStyle/>
           <a:p>
-            <a:pPr indent="0" lvl="0" marL="0">
+            <a:pPr marL="0" lvl="0" indent="0">
               <a:spcBef>
                 <a:spcPts val="0"/>
               </a:spcBef>
@@ -1080,9 +1123,6 @@
               </a:spcAft>
               <a:buNone/>
             </a:pPr>
-            <a:r>
-              <a:t/>
-            </a:r>
             <a:endParaRPr/>
           </a:p>
         </p:txBody>
@@ -1096,11 +1136,11 @@
 </file>
 
 <file path=ppt/notesSlides/notesSlide5.xml><?xml version="1.0" encoding="utf-8"?>
-<p:notes xmlns:a="http://schemas.openxmlformats.org/drawingml/2006/main" xmlns:r="http://schemas.openxmlformats.org/officeDocument/2006/relationships" xmlns:mc="http://schemas.openxmlformats.org/markup-compatibility/2006" xmlns:mv="urn:schemas-microsoft-com:mac:vml" xmlns:p="http://schemas.openxmlformats.org/presentationml/2006/main" xmlns:c="http://schemas.openxmlformats.org/drawingml/2006/chart" xmlns:dgm="http://schemas.openxmlformats.org/drawingml/2006/diagram" xmlns:o="urn:schemas-microsoft-com:office:office" xmlns:v="urn:schemas-microsoft-com:vml" xmlns:pvml="urn:schemas-microsoft-com:office:powerpoint" xmlns:com="http://schemas.openxmlformats.org/drawingml/2006/compatibility" xmlns:p14="http://schemas.microsoft.com/office/powerpoint/2010/main" xmlns:p15="http://schemas.microsoft.com/office/powerpoint/2012/main" showMasterPhAnim="0" showMasterSp="0">
+<p:notes xmlns:a="http://schemas.openxmlformats.org/drawingml/2006/main" xmlns:r="http://schemas.openxmlformats.org/officeDocument/2006/relationships" xmlns:p="http://schemas.openxmlformats.org/presentationml/2006/main" showMasterSp="0" showMasterPhAnim="0">
   <p:cSld>
     <p:spTree>
       <p:nvGrpSpPr>
-        <p:cNvPr id="86" name="Shape 86"/>
+        <p:cNvPr id="1" name="Shape 86"/>
         <p:cNvGrpSpPr/>
         <p:nvPr/>
       </p:nvGrpSpPr>
@@ -1115,9 +1155,11 @@
       <p:sp>
         <p:nvSpPr>
           <p:cNvPr id="87" name="Shape 87"/>
-          <p:cNvSpPr/>
+          <p:cNvSpPr>
+            <a:spLocks noGrp="1" noRot="1" noChangeAspect="1"/>
+          </p:cNvSpPr>
           <p:nvPr>
-            <p:ph idx="2" type="sldImg"/>
+            <p:ph type="sldImg" idx="2"/>
           </p:nvPr>
         </p:nvSpPr>
         <p:spPr>
@@ -1126,8 +1168,13 @@
             <a:ext cx="6096000" cy="3429000"/>
           </a:xfrm>
           <a:custGeom>
+            <a:avLst/>
+            <a:gdLst/>
+            <a:ahLst/>
+            <a:cxnLst/>
+            <a:rect l="0" t="0" r="0" b="0"/>
             <a:pathLst>
-              <a:path extrusionOk="0" h="120000" w="120000">
+              <a:path w="120000" h="120000" extrusionOk="0">
                 <a:moveTo>
                   <a:pt x="0" y="0"/>
                 </a:moveTo>
@@ -1149,9 +1196,11 @@
       <p:sp>
         <p:nvSpPr>
           <p:cNvPr id="88" name="Shape 88"/>
-          <p:cNvSpPr txBox="1"/>
+          <p:cNvSpPr txBox="1">
+            <a:spLocks noGrp="1"/>
+          </p:cNvSpPr>
           <p:nvPr>
-            <p:ph idx="1" type="body"/>
+            <p:ph type="body" idx="1"/>
           </p:nvPr>
         </p:nvSpPr>
         <p:spPr>
@@ -1164,12 +1213,12 @@
           </a:prstGeom>
         </p:spPr>
         <p:txBody>
-          <a:bodyPr anchorCtr="0" anchor="t" bIns="91425" lIns="91425" spcFirstLastPara="1" rIns="91425" wrap="square" tIns="91425">
+          <a:bodyPr spcFirstLastPara="1" wrap="square" lIns="91425" tIns="91425" rIns="91425" bIns="91425" anchor="t" anchorCtr="0">
             <a:noAutofit/>
           </a:bodyPr>
           <a:lstStyle/>
           <a:p>
-            <a:pPr indent="0" lvl="0" marL="0">
+            <a:pPr marL="0" lvl="0" indent="0">
               <a:spcBef>
                 <a:spcPts val="0"/>
               </a:spcBef>
@@ -1178,9 +1227,6 @@
               </a:spcAft>
               <a:buNone/>
             </a:pPr>
-            <a:r>
-              <a:t/>
-            </a:r>
             <a:endParaRPr/>
           </a:p>
         </p:txBody>
@@ -1194,11 +1240,11 @@
 </file>
 
 <file path=ppt/notesSlides/notesSlide6.xml><?xml version="1.0" encoding="utf-8"?>
-<p:notes xmlns:a="http://schemas.openxmlformats.org/drawingml/2006/main" xmlns:r="http://schemas.openxmlformats.org/officeDocument/2006/relationships" xmlns:mc="http://schemas.openxmlformats.org/markup-compatibility/2006" xmlns:mv="urn:schemas-microsoft-com:mac:vml" xmlns:p="http://schemas.openxmlformats.org/presentationml/2006/main" xmlns:c="http://schemas.openxmlformats.org/drawingml/2006/chart" xmlns:dgm="http://schemas.openxmlformats.org/drawingml/2006/diagram" xmlns:o="urn:schemas-microsoft-com:office:office" xmlns:v="urn:schemas-microsoft-com:vml" xmlns:pvml="urn:schemas-microsoft-com:office:powerpoint" xmlns:com="http://schemas.openxmlformats.org/drawingml/2006/compatibility" xmlns:p14="http://schemas.microsoft.com/office/powerpoint/2010/main" xmlns:p15="http://schemas.microsoft.com/office/powerpoint/2012/main" showMasterPhAnim="0" showMasterSp="0">
+<p:notes xmlns:a="http://schemas.openxmlformats.org/drawingml/2006/main" xmlns:r="http://schemas.openxmlformats.org/officeDocument/2006/relationships" xmlns:p="http://schemas.openxmlformats.org/presentationml/2006/main" showMasterSp="0" showMasterPhAnim="0">
   <p:cSld>
     <p:spTree>
       <p:nvGrpSpPr>
-        <p:cNvPr id="92" name="Shape 92"/>
+        <p:cNvPr id="1" name="Shape 92"/>
         <p:cNvGrpSpPr/>
         <p:nvPr/>
       </p:nvGrpSpPr>
@@ -1213,9 +1259,11 @@
       <p:sp>
         <p:nvSpPr>
           <p:cNvPr id="93" name="Shape 93"/>
-          <p:cNvSpPr/>
+          <p:cNvSpPr>
+            <a:spLocks noGrp="1" noRot="1" noChangeAspect="1"/>
+          </p:cNvSpPr>
           <p:nvPr>
-            <p:ph idx="2" type="sldImg"/>
+            <p:ph type="sldImg" idx="2"/>
           </p:nvPr>
         </p:nvSpPr>
         <p:spPr>
@@ -1224,8 +1272,13 @@
             <a:ext cx="6096000" cy="3429000"/>
           </a:xfrm>
           <a:custGeom>
+            <a:avLst/>
+            <a:gdLst/>
+            <a:ahLst/>
+            <a:cxnLst/>
+            <a:rect l="0" t="0" r="0" b="0"/>
             <a:pathLst>
-              <a:path extrusionOk="0" h="120000" w="120000">
+              <a:path w="120000" h="120000" extrusionOk="0">
                 <a:moveTo>
                   <a:pt x="0" y="0"/>
                 </a:moveTo>
@@ -1247,9 +1300,11 @@
       <p:sp>
         <p:nvSpPr>
           <p:cNvPr id="94" name="Shape 94"/>
-          <p:cNvSpPr txBox="1"/>
+          <p:cNvSpPr txBox="1">
+            <a:spLocks noGrp="1"/>
+          </p:cNvSpPr>
           <p:nvPr>
-            <p:ph idx="1" type="body"/>
+            <p:ph type="body" idx="1"/>
           </p:nvPr>
         </p:nvSpPr>
         <p:spPr>
@@ -1262,12 +1317,12 @@
           </a:prstGeom>
         </p:spPr>
         <p:txBody>
-          <a:bodyPr anchorCtr="0" anchor="t" bIns="91425" lIns="91425" spcFirstLastPara="1" rIns="91425" wrap="square" tIns="91425">
+          <a:bodyPr spcFirstLastPara="1" wrap="square" lIns="91425" tIns="91425" rIns="91425" bIns="91425" anchor="t" anchorCtr="0">
             <a:noAutofit/>
           </a:bodyPr>
           <a:lstStyle/>
           <a:p>
-            <a:pPr indent="0" lvl="0" marL="0">
+            <a:pPr marL="0" lvl="0" indent="0">
               <a:spcBef>
                 <a:spcPts val="0"/>
               </a:spcBef>
@@ -1276,9 +1331,6 @@
               </a:spcAft>
               <a:buNone/>
             </a:pPr>
-            <a:r>
-              <a:t/>
-            </a:r>
             <a:endParaRPr/>
           </a:p>
         </p:txBody>
@@ -1292,11 +1344,11 @@
 </file>
 
 <file path=ppt/notesSlides/notesSlide7.xml><?xml version="1.0" encoding="utf-8"?>
-<p:notes xmlns:a="http://schemas.openxmlformats.org/drawingml/2006/main" xmlns:r="http://schemas.openxmlformats.org/officeDocument/2006/relationships" xmlns:mc="http://schemas.openxmlformats.org/markup-compatibility/2006" xmlns:mv="urn:schemas-microsoft-com:mac:vml" xmlns:p="http://schemas.openxmlformats.org/presentationml/2006/main" xmlns:c="http://schemas.openxmlformats.org/drawingml/2006/chart" xmlns:dgm="http://schemas.openxmlformats.org/drawingml/2006/diagram" xmlns:o="urn:schemas-microsoft-com:office:office" xmlns:v="urn:schemas-microsoft-com:vml" xmlns:pvml="urn:schemas-microsoft-com:office:powerpoint" xmlns:com="http://schemas.openxmlformats.org/drawingml/2006/compatibility" xmlns:p14="http://schemas.microsoft.com/office/powerpoint/2010/main" xmlns:p15="http://schemas.microsoft.com/office/powerpoint/2012/main" showMasterPhAnim="0" showMasterSp="0">
+<p:notes xmlns:a="http://schemas.openxmlformats.org/drawingml/2006/main" xmlns:r="http://schemas.openxmlformats.org/officeDocument/2006/relationships" xmlns:p="http://schemas.openxmlformats.org/presentationml/2006/main" showMasterSp="0" showMasterPhAnim="0">
   <p:cSld>
     <p:spTree>
       <p:nvGrpSpPr>
-        <p:cNvPr id="98" name="Shape 98"/>
+        <p:cNvPr id="1" name="Shape 98"/>
         <p:cNvGrpSpPr/>
         <p:nvPr/>
       </p:nvGrpSpPr>
@@ -1311,9 +1363,11 @@
       <p:sp>
         <p:nvSpPr>
           <p:cNvPr id="99" name="Shape 99"/>
-          <p:cNvSpPr/>
+          <p:cNvSpPr>
+            <a:spLocks noGrp="1" noRot="1" noChangeAspect="1"/>
+          </p:cNvSpPr>
           <p:nvPr>
-            <p:ph idx="2" type="sldImg"/>
+            <p:ph type="sldImg" idx="2"/>
           </p:nvPr>
         </p:nvSpPr>
         <p:spPr>
@@ -1322,8 +1376,13 @@
             <a:ext cx="6096000" cy="3429000"/>
           </a:xfrm>
           <a:custGeom>
+            <a:avLst/>
+            <a:gdLst/>
+            <a:ahLst/>
+            <a:cxnLst/>
+            <a:rect l="0" t="0" r="0" b="0"/>
             <a:pathLst>
-              <a:path extrusionOk="0" h="120000" w="120000">
+              <a:path w="120000" h="120000" extrusionOk="0">
                 <a:moveTo>
                   <a:pt x="0" y="0"/>
                 </a:moveTo>
@@ -1345,9 +1404,11 @@
       <p:sp>
         <p:nvSpPr>
           <p:cNvPr id="100" name="Shape 100"/>
-          <p:cNvSpPr txBox="1"/>
+          <p:cNvSpPr txBox="1">
+            <a:spLocks noGrp="1"/>
+          </p:cNvSpPr>
           <p:nvPr>
-            <p:ph idx="1" type="body"/>
+            <p:ph type="body" idx="1"/>
           </p:nvPr>
         </p:nvSpPr>
         <p:spPr>
@@ -1360,12 +1421,12 @@
           </a:prstGeom>
         </p:spPr>
         <p:txBody>
-          <a:bodyPr anchorCtr="0" anchor="t" bIns="91425" lIns="91425" spcFirstLastPara="1" rIns="91425" wrap="square" tIns="91425">
+          <a:bodyPr spcFirstLastPara="1" wrap="square" lIns="91425" tIns="91425" rIns="91425" bIns="91425" anchor="t" anchorCtr="0">
             <a:noAutofit/>
           </a:bodyPr>
           <a:lstStyle/>
           <a:p>
-            <a:pPr indent="0" lvl="0" marL="0">
+            <a:pPr marL="0" lvl="0" indent="0">
               <a:spcBef>
                 <a:spcPts val="0"/>
               </a:spcBef>
@@ -1374,9 +1435,6 @@
               </a:spcAft>
               <a:buNone/>
             </a:pPr>
-            <a:r>
-              <a:t/>
-            </a:r>
             <a:endParaRPr/>
           </a:p>
         </p:txBody>
@@ -1390,11 +1448,11 @@
 </file>
 
 <file path=ppt/slideLayouts/slideLayout1.xml><?xml version="1.0" encoding="utf-8"?>
-<p:sldLayout xmlns:a="http://schemas.openxmlformats.org/drawingml/2006/main" xmlns:r="http://schemas.openxmlformats.org/officeDocument/2006/relationships" xmlns:mc="http://schemas.openxmlformats.org/markup-compatibility/2006" xmlns:mv="urn:schemas-microsoft-com:mac:vml" xmlns:p="http://schemas.openxmlformats.org/presentationml/2006/main" xmlns:c="http://schemas.openxmlformats.org/drawingml/2006/chart" xmlns:dgm="http://schemas.openxmlformats.org/drawingml/2006/diagram" xmlns:o="urn:schemas-microsoft-com:office:office" xmlns:v="urn:schemas-microsoft-com:vml" xmlns:pvml="urn:schemas-microsoft-com:office:powerpoint" xmlns:com="http://schemas.openxmlformats.org/drawingml/2006/compatibility" xmlns:p14="http://schemas.microsoft.com/office/powerpoint/2010/main" xmlns:p15="http://schemas.microsoft.com/office/powerpoint/2012/main" matchingName="Title slide" type="title">
+<p:sldLayout xmlns:a="http://schemas.openxmlformats.org/drawingml/2006/main" xmlns:r="http://schemas.openxmlformats.org/officeDocument/2006/relationships" xmlns:p="http://schemas.openxmlformats.org/presentationml/2006/main" matchingName="Title slide" type="title">
   <p:cSld name="TITLE">
     <p:spTree>
       <p:nvGrpSpPr>
-        <p:cNvPr id="9" name="Shape 9"/>
+        <p:cNvPr id="1" name="Shape 9"/>
         <p:cNvGrpSpPr/>
         <p:nvPr/>
       </p:nvGrpSpPr>
@@ -1421,14 +1479,14 @@
             <a:avLst/>
           </a:prstGeom>
           <a:noFill/>
-          <a:ln cap="flat" cmpd="sng" w="76200">
+          <a:ln w="76200" cap="flat" cmpd="sng">
             <a:solidFill>
               <a:schemeClr val="lt2"/>
             </a:solidFill>
             <a:prstDash val="solid"/>
             <a:round/>
-            <a:headEnd len="sm" w="sm" type="none"/>
-            <a:tailEnd len="sm" w="sm" type="none"/>
+            <a:headEnd type="none" w="sm" len="sm"/>
+            <a:tailEnd type="none" w="sm" len="sm"/>
           </a:ln>
         </p:spPr>
       </p:cxnSp>
@@ -1447,14 +1505,14 @@
             <a:avLst/>
           </a:prstGeom>
           <a:noFill/>
-          <a:ln cap="flat" cmpd="sng" w="76200">
+          <a:ln w="76200" cap="flat" cmpd="sng">
             <a:solidFill>
               <a:schemeClr val="lt2"/>
             </a:solidFill>
             <a:prstDash val="solid"/>
             <a:round/>
-            <a:headEnd len="sm" w="sm" type="none"/>
-            <a:tailEnd len="sm" w="sm" type="none"/>
+            <a:headEnd type="none" w="sm" len="sm"/>
+            <a:tailEnd type="none" w="sm" len="sm"/>
           </a:ln>
         </p:spPr>
       </p:cxnSp>
@@ -1487,14 +1545,14 @@
               <a:avLst/>
             </a:prstGeom>
             <a:noFill/>
-            <a:ln cap="flat" cmpd="sng" w="76200">
+            <a:ln w="76200" cap="flat" cmpd="sng">
               <a:solidFill>
                 <a:schemeClr val="accent3"/>
               </a:solidFill>
               <a:prstDash val="solid"/>
               <a:round/>
-              <a:headEnd len="sm" w="sm" type="none"/>
-              <a:tailEnd len="sm" w="sm" type="none"/>
+              <a:headEnd type="none" w="sm" len="sm"/>
+              <a:tailEnd type="none" w="sm" len="sm"/>
             </a:ln>
           </p:spPr>
         </p:cxnSp>
@@ -1513,14 +1571,14 @@
               <a:avLst/>
             </a:prstGeom>
             <a:noFill/>
-            <a:ln cap="flat" cmpd="sng" w="9525">
+            <a:ln w="9525" cap="flat" cmpd="sng">
               <a:solidFill>
                 <a:schemeClr val="accent3"/>
               </a:solidFill>
               <a:prstDash val="solid"/>
               <a:round/>
-              <a:headEnd len="sm" w="sm" type="none"/>
-              <a:tailEnd len="sm" w="sm" type="none"/>
+              <a:headEnd type="none" w="sm" len="sm"/>
+              <a:tailEnd type="none" w="sm" len="sm"/>
             </a:ln>
           </p:spPr>
         </p:cxnSp>
@@ -1554,14 +1612,14 @@
               <a:avLst/>
             </a:prstGeom>
             <a:noFill/>
-            <a:ln cap="flat" cmpd="sng" w="76200">
+            <a:ln w="76200" cap="flat" cmpd="sng">
               <a:solidFill>
                 <a:schemeClr val="accent3"/>
               </a:solidFill>
               <a:prstDash val="solid"/>
               <a:round/>
-              <a:headEnd len="sm" w="sm" type="none"/>
-              <a:tailEnd len="sm" w="sm" type="none"/>
+              <a:headEnd type="none" w="sm" len="sm"/>
+              <a:tailEnd type="none" w="sm" len="sm"/>
             </a:ln>
           </p:spPr>
         </p:cxnSp>
@@ -1580,14 +1638,14 @@
               <a:avLst/>
             </a:prstGeom>
             <a:noFill/>
-            <a:ln cap="flat" cmpd="sng" w="9525">
+            <a:ln w="9525" cap="flat" cmpd="sng">
               <a:solidFill>
                 <a:schemeClr val="accent3"/>
               </a:solidFill>
               <a:prstDash val="solid"/>
               <a:round/>
-              <a:headEnd len="sm" w="sm" type="none"/>
-              <a:tailEnd len="sm" w="sm" type="none"/>
+              <a:headEnd type="none" w="sm" len="sm"/>
+              <a:tailEnd type="none" w="sm" len="sm"/>
             </a:ln>
           </p:spPr>
         </p:cxnSp>
@@ -1595,7 +1653,9 @@
       <p:sp>
         <p:nvSpPr>
           <p:cNvPr id="18" name="Shape 18"/>
-          <p:cNvSpPr txBox="1"/>
+          <p:cNvSpPr txBox="1">
+            <a:spLocks noGrp="1"/>
+          </p:cNvSpPr>
           <p:nvPr>
             <p:ph type="ctrTitle"/>
           </p:nvPr>
@@ -1610,7 +1670,7 @@
           </a:prstGeom>
         </p:spPr>
         <p:txBody>
-          <a:bodyPr anchorCtr="0" anchor="b" bIns="91425" lIns="91425" spcFirstLastPara="1" rIns="91425" wrap="square" tIns="91425"/>
+          <a:bodyPr spcFirstLastPara="1" wrap="square" lIns="91425" tIns="91425" rIns="91425" bIns="91425" anchor="b" anchorCtr="0"/>
           <a:lstStyle>
             <a:lvl1pPr lvl="0" algn="ctr">
               <a:spcBef>
@@ -1712,15 +1772,19 @@
               <a:defRPr sz="5400"/>
             </a:lvl9pPr>
           </a:lstStyle>
-          <a:p/>
+          <a:p>
+            <a:endParaRPr/>
+          </a:p>
         </p:txBody>
       </p:sp>
       <p:sp>
         <p:nvSpPr>
           <p:cNvPr id="19" name="Shape 19"/>
-          <p:cNvSpPr txBox="1"/>
+          <p:cNvSpPr txBox="1">
+            <a:spLocks noGrp="1"/>
+          </p:cNvSpPr>
           <p:nvPr>
-            <p:ph idx="1" type="subTitle"/>
+            <p:ph type="subTitle" idx="1"/>
           </p:nvPr>
         </p:nvSpPr>
         <p:spPr>
@@ -1733,7 +1797,7 @@
           </a:prstGeom>
         </p:spPr>
         <p:txBody>
-          <a:bodyPr anchorCtr="0" anchor="t" bIns="91425" lIns="91425" spcFirstLastPara="1" rIns="91425" wrap="square" tIns="91425"/>
+          <a:bodyPr spcFirstLastPara="1" wrap="square" lIns="91425" tIns="91425" rIns="91425" bIns="91425" anchor="t" anchorCtr="0"/>
           <a:lstStyle>
             <a:lvl1pPr lvl="0" algn="ctr">
               <a:lnSpc>
@@ -1862,15 +1926,19 @@
               <a:defRPr sz="2400"/>
             </a:lvl9pPr>
           </a:lstStyle>
-          <a:p/>
+          <a:p>
+            <a:endParaRPr/>
+          </a:p>
         </p:txBody>
       </p:sp>
       <p:sp>
         <p:nvSpPr>
           <p:cNvPr id="20" name="Shape 20"/>
-          <p:cNvSpPr txBox="1"/>
+          <p:cNvSpPr txBox="1">
+            <a:spLocks noGrp="1"/>
+          </p:cNvSpPr>
           <p:nvPr>
-            <p:ph idx="12" type="sldNum"/>
+            <p:ph type="sldNum" idx="12"/>
           </p:nvPr>
         </p:nvSpPr>
         <p:spPr>
@@ -1883,7 +1951,7 @@
           </a:prstGeom>
         </p:spPr>
         <p:txBody>
-          <a:bodyPr anchorCtr="0" anchor="ctr" bIns="91425" lIns="91425" spcFirstLastPara="1" rIns="91425" wrap="square" tIns="91425">
+          <a:bodyPr spcFirstLastPara="1" wrap="square" lIns="91425" tIns="91425" rIns="91425" bIns="91425" anchor="ctr" anchorCtr="0">
             <a:noAutofit/>
           </a:bodyPr>
           <a:lstStyle>
@@ -1925,7 +1993,7 @@
             </a:lvl9pPr>
           </a:lstStyle>
           <a:p>
-            <a:pPr indent="0" lvl="0" marL="0">
+            <a:pPr marL="0" lvl="0" indent="0">
               <a:spcBef>
                 <a:spcPts val="0"/>
               </a:spcBef>
@@ -1951,11 +2019,11 @@
 </file>
 
 <file path=ppt/slideLayouts/slideLayout10.xml><?xml version="1.0" encoding="utf-8"?>
-<p:sldLayout xmlns:a="http://schemas.openxmlformats.org/drawingml/2006/main" xmlns:r="http://schemas.openxmlformats.org/officeDocument/2006/relationships" xmlns:mc="http://schemas.openxmlformats.org/markup-compatibility/2006" xmlns:mv="urn:schemas-microsoft-com:mac:vml" xmlns:p="http://schemas.openxmlformats.org/presentationml/2006/main" xmlns:c="http://schemas.openxmlformats.org/drawingml/2006/chart" xmlns:dgm="http://schemas.openxmlformats.org/drawingml/2006/diagram" xmlns:o="urn:schemas-microsoft-com:office:office" xmlns:v="urn:schemas-microsoft-com:vml" xmlns:pvml="urn:schemas-microsoft-com:office:powerpoint" xmlns:com="http://schemas.openxmlformats.org/drawingml/2006/compatibility" xmlns:p14="http://schemas.microsoft.com/office/powerpoint/2010/main" xmlns:p15="http://schemas.microsoft.com/office/powerpoint/2012/main" matchingName="Big number">
+<p:sldLayout xmlns:a="http://schemas.openxmlformats.org/drawingml/2006/main" xmlns:r="http://schemas.openxmlformats.org/officeDocument/2006/relationships" xmlns:p="http://schemas.openxmlformats.org/presentationml/2006/main" matchingName="Big number">
   <p:cSld name="BIG_NUMBER">
     <p:spTree>
       <p:nvGrpSpPr>
-        <p:cNvPr id="55" name="Shape 55"/>
+        <p:cNvPr id="1" name="Shape 55"/>
         <p:cNvGrpSpPr/>
         <p:nvPr/>
       </p:nvGrpSpPr>
@@ -1989,12 +2057,12 @@
           </a:ln>
         </p:spPr>
         <p:txBody>
-          <a:bodyPr anchorCtr="0" anchor="ctr" bIns="91425" lIns="91425" spcFirstLastPara="1" rIns="91425" wrap="square" tIns="91425">
+          <a:bodyPr spcFirstLastPara="1" wrap="square" lIns="91425" tIns="91425" rIns="91425" bIns="91425" anchor="ctr" anchorCtr="0">
             <a:noAutofit/>
           </a:bodyPr>
           <a:lstStyle/>
           <a:p>
-            <a:pPr indent="0" lvl="0" marL="0">
+            <a:pPr marL="0" lvl="0" indent="0">
               <a:spcBef>
                 <a:spcPts val="0"/>
               </a:spcBef>
@@ -2003,9 +2071,6 @@
               </a:spcAft>
               <a:buNone/>
             </a:pPr>
-            <a:r>
-              <a:t/>
-            </a:r>
             <a:endParaRPr/>
           </a:p>
         </p:txBody>
@@ -2013,9 +2078,11 @@
       <p:sp>
         <p:nvSpPr>
           <p:cNvPr id="57" name="Shape 57"/>
-          <p:cNvSpPr txBox="1"/>
+          <p:cNvSpPr txBox="1">
+            <a:spLocks noGrp="1"/>
+          </p:cNvSpPr>
           <p:nvPr>
-            <p:ph hasCustomPrompt="1" type="title"/>
+            <p:ph type="title" hasCustomPrompt="1"/>
           </p:nvPr>
         </p:nvSpPr>
         <p:spPr>
@@ -2028,7 +2095,7 @@
           </a:prstGeom>
         </p:spPr>
         <p:txBody>
-          <a:bodyPr anchorCtr="0" anchor="ctr" bIns="91425" lIns="91425" spcFirstLastPara="1" rIns="91425" wrap="square" tIns="91425"/>
+          <a:bodyPr spcFirstLastPara="1" wrap="square" lIns="91425" tIns="91425" rIns="91425" bIns="91425" anchor="ctr" anchorCtr="0"/>
           <a:lstStyle>
             <a:lvl1pPr lvl="0" algn="ctr">
               <a:spcBef>
@@ -2203,9 +2270,11 @@
       <p:sp>
         <p:nvSpPr>
           <p:cNvPr id="58" name="Shape 58"/>
-          <p:cNvSpPr txBox="1"/>
+          <p:cNvSpPr txBox="1">
+            <a:spLocks noGrp="1"/>
+          </p:cNvSpPr>
           <p:nvPr>
-            <p:ph idx="1" type="body"/>
+            <p:ph type="body" idx="1"/>
           </p:nvPr>
         </p:nvSpPr>
         <p:spPr>
@@ -2218,9 +2287,9 @@
           </a:prstGeom>
         </p:spPr>
         <p:txBody>
-          <a:bodyPr anchorCtr="0" anchor="t" bIns="91425" lIns="91425" spcFirstLastPara="1" rIns="91425" wrap="square" tIns="91425"/>
+          <a:bodyPr spcFirstLastPara="1" wrap="square" lIns="91425" tIns="91425" rIns="91425" bIns="91425" anchor="t" anchorCtr="0"/>
           <a:lstStyle>
-            <a:lvl1pPr indent="-342900" lvl="0" marL="457200" algn="ctr">
+            <a:lvl1pPr marL="457200" lvl="0" indent="-342900" algn="ctr">
               <a:spcBef>
                 <a:spcPts val="0"/>
               </a:spcBef>
@@ -2231,7 +2300,7 @@
               <a:buChar char="●"/>
               <a:defRPr/>
             </a:lvl1pPr>
-            <a:lvl2pPr indent="-317500" lvl="1" marL="914400" algn="ctr">
+            <a:lvl2pPr marL="914400" lvl="1" indent="-317500" algn="ctr">
               <a:spcBef>
                 <a:spcPts val="1600"/>
               </a:spcBef>
@@ -2242,7 +2311,7 @@
               <a:buChar char="○"/>
               <a:defRPr/>
             </a:lvl2pPr>
-            <a:lvl3pPr indent="-317500" lvl="2" marL="1371600" algn="ctr">
+            <a:lvl3pPr marL="1371600" lvl="2" indent="-317500" algn="ctr">
               <a:spcBef>
                 <a:spcPts val="1600"/>
               </a:spcBef>
@@ -2253,7 +2322,7 @@
               <a:buChar char="■"/>
               <a:defRPr/>
             </a:lvl3pPr>
-            <a:lvl4pPr indent="-317500" lvl="3" marL="1828800" algn="ctr">
+            <a:lvl4pPr marL="1828800" lvl="3" indent="-317500" algn="ctr">
               <a:spcBef>
                 <a:spcPts val="1600"/>
               </a:spcBef>
@@ -2264,7 +2333,7 @@
               <a:buChar char="●"/>
               <a:defRPr/>
             </a:lvl4pPr>
-            <a:lvl5pPr indent="-317500" lvl="4" marL="2286000" algn="ctr">
+            <a:lvl5pPr marL="2286000" lvl="4" indent="-317500" algn="ctr">
               <a:spcBef>
                 <a:spcPts val="1600"/>
               </a:spcBef>
@@ -2275,7 +2344,7 @@
               <a:buChar char="○"/>
               <a:defRPr/>
             </a:lvl5pPr>
-            <a:lvl6pPr indent="-317500" lvl="5" marL="2743200" algn="ctr">
+            <a:lvl6pPr marL="2743200" lvl="5" indent="-317500" algn="ctr">
               <a:spcBef>
                 <a:spcPts val="1600"/>
               </a:spcBef>
@@ -2286,7 +2355,7 @@
               <a:buChar char="■"/>
               <a:defRPr/>
             </a:lvl6pPr>
-            <a:lvl7pPr indent="-317500" lvl="6" marL="3200400" algn="ctr">
+            <a:lvl7pPr marL="3200400" lvl="6" indent="-317500" algn="ctr">
               <a:spcBef>
                 <a:spcPts val="1600"/>
               </a:spcBef>
@@ -2297,7 +2366,7 @@
               <a:buChar char="●"/>
               <a:defRPr/>
             </a:lvl7pPr>
-            <a:lvl8pPr indent="-317500" lvl="7" marL="3657600" algn="ctr">
+            <a:lvl8pPr marL="3657600" lvl="7" indent="-317500" algn="ctr">
               <a:spcBef>
                 <a:spcPts val="1600"/>
               </a:spcBef>
@@ -2308,7 +2377,7 @@
               <a:buChar char="○"/>
               <a:defRPr/>
             </a:lvl8pPr>
-            <a:lvl9pPr indent="-317500" lvl="8" marL="4114800" algn="ctr">
+            <a:lvl9pPr marL="4114800" lvl="8" indent="-317500" algn="ctr">
               <a:spcBef>
                 <a:spcPts val="1600"/>
               </a:spcBef>
@@ -2320,15 +2389,19 @@
               <a:defRPr/>
             </a:lvl9pPr>
           </a:lstStyle>
-          <a:p/>
+          <a:p>
+            <a:endParaRPr/>
+          </a:p>
         </p:txBody>
       </p:sp>
       <p:sp>
         <p:nvSpPr>
           <p:cNvPr id="59" name="Shape 59"/>
-          <p:cNvSpPr txBox="1"/>
+          <p:cNvSpPr txBox="1">
+            <a:spLocks noGrp="1"/>
+          </p:cNvSpPr>
           <p:nvPr>
-            <p:ph idx="12" type="sldNum"/>
+            <p:ph type="sldNum" idx="12"/>
           </p:nvPr>
         </p:nvSpPr>
         <p:spPr>
@@ -2341,7 +2414,7 @@
           </a:prstGeom>
         </p:spPr>
         <p:txBody>
-          <a:bodyPr anchorCtr="0" anchor="ctr" bIns="91425" lIns="91425" spcFirstLastPara="1" rIns="91425" wrap="square" tIns="91425">
+          <a:bodyPr spcFirstLastPara="1" wrap="square" lIns="91425" tIns="91425" rIns="91425" bIns="91425" anchor="ctr" anchorCtr="0">
             <a:noAutofit/>
           </a:bodyPr>
           <a:lstStyle>
@@ -2383,7 +2456,7 @@
             </a:lvl9pPr>
           </a:lstStyle>
           <a:p>
-            <a:pPr indent="0" lvl="0" marL="0">
+            <a:pPr marL="0" lvl="0" indent="0">
               <a:spcBef>
                 <a:spcPts val="0"/>
               </a:spcBef>
@@ -2409,11 +2482,11 @@
 </file>
 
 <file path=ppt/slideLayouts/slideLayout11.xml><?xml version="1.0" encoding="utf-8"?>
-<p:sldLayout xmlns:a="http://schemas.openxmlformats.org/drawingml/2006/main" xmlns:r="http://schemas.openxmlformats.org/officeDocument/2006/relationships" xmlns:mc="http://schemas.openxmlformats.org/markup-compatibility/2006" xmlns:mv="urn:schemas-microsoft-com:mac:vml" xmlns:p="http://schemas.openxmlformats.org/presentationml/2006/main" xmlns:c="http://schemas.openxmlformats.org/drawingml/2006/chart" xmlns:dgm="http://schemas.openxmlformats.org/drawingml/2006/diagram" xmlns:o="urn:schemas-microsoft-com:office:office" xmlns:v="urn:schemas-microsoft-com:vml" xmlns:pvml="urn:schemas-microsoft-com:office:powerpoint" xmlns:com="http://schemas.openxmlformats.org/drawingml/2006/compatibility" xmlns:p14="http://schemas.microsoft.com/office/powerpoint/2010/main" xmlns:p15="http://schemas.microsoft.com/office/powerpoint/2012/main" matchingName="Blank" type="blank">
+<p:sldLayout xmlns:a="http://schemas.openxmlformats.org/drawingml/2006/main" xmlns:r="http://schemas.openxmlformats.org/officeDocument/2006/relationships" xmlns:p="http://schemas.openxmlformats.org/presentationml/2006/main" matchingName="Blank" type="blank">
   <p:cSld name="BLANK">
     <p:spTree>
       <p:nvGrpSpPr>
-        <p:cNvPr id="60" name="Shape 60"/>
+        <p:cNvPr id="1" name="Shape 60"/>
         <p:cNvGrpSpPr/>
         <p:nvPr/>
       </p:nvGrpSpPr>
@@ -2428,9 +2501,11 @@
       <p:sp>
         <p:nvSpPr>
           <p:cNvPr id="61" name="Shape 61"/>
-          <p:cNvSpPr txBox="1"/>
+          <p:cNvSpPr txBox="1">
+            <a:spLocks noGrp="1"/>
+          </p:cNvSpPr>
           <p:nvPr>
-            <p:ph idx="12" type="sldNum"/>
+            <p:ph type="sldNum" idx="12"/>
           </p:nvPr>
         </p:nvSpPr>
         <p:spPr>
@@ -2443,7 +2518,7 @@
           </a:prstGeom>
         </p:spPr>
         <p:txBody>
-          <a:bodyPr anchorCtr="0" anchor="ctr" bIns="91425" lIns="91425" spcFirstLastPara="1" rIns="91425" wrap="square" tIns="91425">
+          <a:bodyPr spcFirstLastPara="1" wrap="square" lIns="91425" tIns="91425" rIns="91425" bIns="91425" anchor="ctr" anchorCtr="0">
             <a:noAutofit/>
           </a:bodyPr>
           <a:lstStyle>
@@ -2485,7 +2560,7 @@
             </a:lvl9pPr>
           </a:lstStyle>
           <a:p>
-            <a:pPr indent="0" lvl="0" marL="0">
+            <a:pPr marL="0" lvl="0" indent="0">
               <a:spcBef>
                 <a:spcPts val="0"/>
               </a:spcBef>
@@ -2511,11 +2586,11 @@
 </file>
 
 <file path=ppt/slideLayouts/slideLayout2.xml><?xml version="1.0" encoding="utf-8"?>
-<p:sldLayout xmlns:a="http://schemas.openxmlformats.org/drawingml/2006/main" xmlns:r="http://schemas.openxmlformats.org/officeDocument/2006/relationships" xmlns:mc="http://schemas.openxmlformats.org/markup-compatibility/2006" xmlns:mv="urn:schemas-microsoft-com:mac:vml" xmlns:p="http://schemas.openxmlformats.org/presentationml/2006/main" xmlns:c="http://schemas.openxmlformats.org/drawingml/2006/chart" xmlns:dgm="http://schemas.openxmlformats.org/drawingml/2006/diagram" xmlns:o="urn:schemas-microsoft-com:office:office" xmlns:v="urn:schemas-microsoft-com:vml" xmlns:pvml="urn:schemas-microsoft-com:office:powerpoint" xmlns:com="http://schemas.openxmlformats.org/drawingml/2006/compatibility" xmlns:p14="http://schemas.microsoft.com/office/powerpoint/2010/main" xmlns:p15="http://schemas.microsoft.com/office/powerpoint/2012/main" matchingName="Section header" type="secHead">
+<p:sldLayout xmlns:a="http://schemas.openxmlformats.org/drawingml/2006/main" xmlns:r="http://schemas.openxmlformats.org/officeDocument/2006/relationships" xmlns:p="http://schemas.openxmlformats.org/presentationml/2006/main" matchingName="Section header" type="secHead">
   <p:cSld name="SECTION_HEADER">
     <p:spTree>
       <p:nvGrpSpPr>
-        <p:cNvPr id="21" name="Shape 21"/>
+        <p:cNvPr id="1" name="Shape 21"/>
         <p:cNvGrpSpPr/>
         <p:nvPr/>
       </p:nvGrpSpPr>
@@ -2549,12 +2624,12 @@
           </a:ln>
         </p:spPr>
         <p:txBody>
-          <a:bodyPr anchorCtr="0" anchor="ctr" bIns="91425" lIns="91425" spcFirstLastPara="1" rIns="91425" wrap="square" tIns="91425">
+          <a:bodyPr spcFirstLastPara="1" wrap="square" lIns="91425" tIns="91425" rIns="91425" bIns="91425" anchor="ctr" anchorCtr="0">
             <a:noAutofit/>
           </a:bodyPr>
           <a:lstStyle/>
           <a:p>
-            <a:pPr indent="0" lvl="0" marL="0">
+            <a:pPr marL="0" lvl="0" indent="0">
               <a:spcBef>
                 <a:spcPts val="0"/>
               </a:spcBef>
@@ -2563,9 +2638,6 @@
               </a:spcAft>
               <a:buNone/>
             </a:pPr>
-            <a:r>
-              <a:t/>
-            </a:r>
             <a:endParaRPr/>
           </a:p>
         </p:txBody>
@@ -2573,7 +2645,9 @@
       <p:sp>
         <p:nvSpPr>
           <p:cNvPr id="23" name="Shape 23"/>
-          <p:cNvSpPr txBox="1"/>
+          <p:cNvSpPr txBox="1">
+            <a:spLocks noGrp="1"/>
+          </p:cNvSpPr>
           <p:nvPr>
             <p:ph type="title"/>
           </p:nvPr>
@@ -2588,7 +2662,7 @@
           </a:prstGeom>
         </p:spPr>
         <p:txBody>
-          <a:bodyPr anchorCtr="0" anchor="ctr" bIns="91425" lIns="91425" spcFirstLastPara="1" rIns="91425" wrap="square" tIns="91425"/>
+          <a:bodyPr spcFirstLastPara="1" wrap="square" lIns="91425" tIns="91425" rIns="91425" bIns="91425" anchor="ctr" anchorCtr="0"/>
           <a:lstStyle>
             <a:lvl1pPr lvl="0" algn="ctr">
               <a:spcBef>
@@ -2690,15 +2764,19 @@
               <a:defRPr/>
             </a:lvl9pPr>
           </a:lstStyle>
-          <a:p/>
+          <a:p>
+            <a:endParaRPr/>
+          </a:p>
         </p:txBody>
       </p:sp>
       <p:sp>
         <p:nvSpPr>
           <p:cNvPr id="24" name="Shape 24"/>
-          <p:cNvSpPr txBox="1"/>
+          <p:cNvSpPr txBox="1">
+            <a:spLocks noGrp="1"/>
+          </p:cNvSpPr>
           <p:nvPr>
-            <p:ph idx="12" type="sldNum"/>
+            <p:ph type="sldNum" idx="12"/>
           </p:nvPr>
         </p:nvSpPr>
         <p:spPr>
@@ -2711,7 +2789,7 @@
           </a:prstGeom>
         </p:spPr>
         <p:txBody>
-          <a:bodyPr anchorCtr="0" anchor="ctr" bIns="91425" lIns="91425" spcFirstLastPara="1" rIns="91425" wrap="square" tIns="91425">
+          <a:bodyPr spcFirstLastPara="1" wrap="square" lIns="91425" tIns="91425" rIns="91425" bIns="91425" anchor="ctr" anchorCtr="0">
             <a:noAutofit/>
           </a:bodyPr>
           <a:lstStyle>
@@ -2789,7 +2867,7 @@
             </a:lvl9pPr>
           </a:lstStyle>
           <a:p>
-            <a:pPr indent="0" lvl="0" marL="0">
+            <a:pPr marL="0" lvl="0" indent="0">
               <a:spcBef>
                 <a:spcPts val="0"/>
               </a:spcBef>
@@ -2815,11 +2893,11 @@
 </file>
 
 <file path=ppt/slideLayouts/slideLayout3.xml><?xml version="1.0" encoding="utf-8"?>
-<p:sldLayout xmlns:a="http://schemas.openxmlformats.org/drawingml/2006/main" xmlns:r="http://schemas.openxmlformats.org/officeDocument/2006/relationships" xmlns:mc="http://schemas.openxmlformats.org/markup-compatibility/2006" xmlns:mv="urn:schemas-microsoft-com:mac:vml" xmlns:p="http://schemas.openxmlformats.org/presentationml/2006/main" xmlns:c="http://schemas.openxmlformats.org/drawingml/2006/chart" xmlns:dgm="http://schemas.openxmlformats.org/drawingml/2006/diagram" xmlns:o="urn:schemas-microsoft-com:office:office" xmlns:v="urn:schemas-microsoft-com:vml" xmlns:pvml="urn:schemas-microsoft-com:office:powerpoint" xmlns:com="http://schemas.openxmlformats.org/drawingml/2006/compatibility" xmlns:p14="http://schemas.microsoft.com/office/powerpoint/2010/main" xmlns:p15="http://schemas.microsoft.com/office/powerpoint/2012/main" matchingName="Title and body" type="tx">
+<p:sldLayout xmlns:a="http://schemas.openxmlformats.org/drawingml/2006/main" xmlns:r="http://schemas.openxmlformats.org/officeDocument/2006/relationships" xmlns:p="http://schemas.openxmlformats.org/presentationml/2006/main" matchingName="Title and body" type="tx">
   <p:cSld name="TITLE_AND_BODY">
     <p:spTree>
       <p:nvGrpSpPr>
-        <p:cNvPr id="25" name="Shape 25"/>
+        <p:cNvPr id="1" name="Shape 25"/>
         <p:cNvGrpSpPr/>
         <p:nvPr/>
       </p:nvGrpSpPr>
@@ -2853,12 +2931,12 @@
           </a:ln>
         </p:spPr>
         <p:txBody>
-          <a:bodyPr anchorCtr="0" anchor="ctr" bIns="91425" lIns="91425" spcFirstLastPara="1" rIns="91425" wrap="square" tIns="91425">
+          <a:bodyPr spcFirstLastPara="1" wrap="square" lIns="91425" tIns="91425" rIns="91425" bIns="91425" anchor="ctr" anchorCtr="0">
             <a:noAutofit/>
           </a:bodyPr>
           <a:lstStyle/>
           <a:p>
-            <a:pPr indent="0" lvl="0" marL="0">
+            <a:pPr marL="0" lvl="0" indent="0">
               <a:spcBef>
                 <a:spcPts val="0"/>
               </a:spcBef>
@@ -2867,9 +2945,6 @@
               </a:spcAft>
               <a:buNone/>
             </a:pPr>
-            <a:r>
-              <a:t/>
-            </a:r>
             <a:endParaRPr/>
           </a:p>
         </p:txBody>
@@ -2877,7 +2952,9 @@
       <p:sp>
         <p:nvSpPr>
           <p:cNvPr id="27" name="Shape 27"/>
-          <p:cNvSpPr txBox="1"/>
+          <p:cNvSpPr txBox="1">
+            <a:spLocks noGrp="1"/>
+          </p:cNvSpPr>
           <p:nvPr>
             <p:ph type="title"/>
           </p:nvPr>
@@ -2892,7 +2969,7 @@
           </a:prstGeom>
         </p:spPr>
         <p:txBody>
-          <a:bodyPr anchorCtr="0" anchor="t" bIns="91425" lIns="91425" spcFirstLastPara="1" rIns="91425" wrap="square" tIns="91425"/>
+          <a:bodyPr spcFirstLastPara="1" wrap="square" lIns="91425" tIns="91425" rIns="91425" bIns="91425" anchor="t" anchorCtr="0"/>
           <a:lstStyle>
             <a:lvl1pPr lvl="0">
               <a:spcBef>
@@ -2994,15 +3071,19 @@
               <a:defRPr/>
             </a:lvl9pPr>
           </a:lstStyle>
-          <a:p/>
+          <a:p>
+            <a:endParaRPr/>
+          </a:p>
         </p:txBody>
       </p:sp>
       <p:sp>
         <p:nvSpPr>
           <p:cNvPr id="28" name="Shape 28"/>
-          <p:cNvSpPr txBox="1"/>
+          <p:cNvSpPr txBox="1">
+            <a:spLocks noGrp="1"/>
+          </p:cNvSpPr>
           <p:nvPr>
-            <p:ph idx="1" type="body"/>
+            <p:ph type="body" idx="1"/>
           </p:nvPr>
         </p:nvSpPr>
         <p:spPr>
@@ -3015,9 +3096,9 @@
           </a:prstGeom>
         </p:spPr>
         <p:txBody>
-          <a:bodyPr anchorCtr="0" anchor="t" bIns="91425" lIns="91425" spcFirstLastPara="1" rIns="91425" wrap="square" tIns="91425"/>
+          <a:bodyPr spcFirstLastPara="1" wrap="square" lIns="91425" tIns="91425" rIns="91425" bIns="91425" anchor="t" anchorCtr="0"/>
           <a:lstStyle>
-            <a:lvl1pPr indent="-342900" lvl="0" marL="457200">
+            <a:lvl1pPr marL="457200" lvl="0" indent="-342900">
               <a:spcBef>
                 <a:spcPts val="0"/>
               </a:spcBef>
@@ -3028,7 +3109,7 @@
               <a:buChar char="●"/>
               <a:defRPr/>
             </a:lvl1pPr>
-            <a:lvl2pPr indent="-317500" lvl="1" marL="914400">
+            <a:lvl2pPr marL="914400" lvl="1" indent="-317500">
               <a:spcBef>
                 <a:spcPts val="1600"/>
               </a:spcBef>
@@ -3039,7 +3120,7 @@
               <a:buChar char="○"/>
               <a:defRPr/>
             </a:lvl2pPr>
-            <a:lvl3pPr indent="-317500" lvl="2" marL="1371600">
+            <a:lvl3pPr marL="1371600" lvl="2" indent="-317500">
               <a:spcBef>
                 <a:spcPts val="1600"/>
               </a:spcBef>
@@ -3050,7 +3131,7 @@
               <a:buChar char="■"/>
               <a:defRPr/>
             </a:lvl3pPr>
-            <a:lvl4pPr indent="-317500" lvl="3" marL="1828800">
+            <a:lvl4pPr marL="1828800" lvl="3" indent="-317500">
               <a:spcBef>
                 <a:spcPts val="1600"/>
               </a:spcBef>
@@ -3061,7 +3142,7 @@
               <a:buChar char="●"/>
               <a:defRPr/>
             </a:lvl4pPr>
-            <a:lvl5pPr indent="-317500" lvl="4" marL="2286000">
+            <a:lvl5pPr marL="2286000" lvl="4" indent="-317500">
               <a:spcBef>
                 <a:spcPts val="1600"/>
               </a:spcBef>
@@ -3072,7 +3153,7 @@
               <a:buChar char="○"/>
               <a:defRPr/>
             </a:lvl5pPr>
-            <a:lvl6pPr indent="-317500" lvl="5" marL="2743200">
+            <a:lvl6pPr marL="2743200" lvl="5" indent="-317500">
               <a:spcBef>
                 <a:spcPts val="1600"/>
               </a:spcBef>
@@ -3083,7 +3164,7 @@
               <a:buChar char="■"/>
               <a:defRPr/>
             </a:lvl6pPr>
-            <a:lvl7pPr indent="-317500" lvl="6" marL="3200400">
+            <a:lvl7pPr marL="3200400" lvl="6" indent="-317500">
               <a:spcBef>
                 <a:spcPts val="1600"/>
               </a:spcBef>
@@ -3094,7 +3175,7 @@
               <a:buChar char="●"/>
               <a:defRPr/>
             </a:lvl7pPr>
-            <a:lvl8pPr indent="-317500" lvl="7" marL="3657600">
+            <a:lvl8pPr marL="3657600" lvl="7" indent="-317500">
               <a:spcBef>
                 <a:spcPts val="1600"/>
               </a:spcBef>
@@ -3105,7 +3186,7 @@
               <a:buChar char="○"/>
               <a:defRPr/>
             </a:lvl8pPr>
-            <a:lvl9pPr indent="-317500" lvl="8" marL="4114800">
+            <a:lvl9pPr marL="4114800" lvl="8" indent="-317500">
               <a:spcBef>
                 <a:spcPts val="1600"/>
               </a:spcBef>
@@ -3117,15 +3198,19 @@
               <a:defRPr/>
             </a:lvl9pPr>
           </a:lstStyle>
-          <a:p/>
+          <a:p>
+            <a:endParaRPr/>
+          </a:p>
         </p:txBody>
       </p:sp>
       <p:sp>
         <p:nvSpPr>
           <p:cNvPr id="29" name="Shape 29"/>
-          <p:cNvSpPr txBox="1"/>
+          <p:cNvSpPr txBox="1">
+            <a:spLocks noGrp="1"/>
+          </p:cNvSpPr>
           <p:nvPr>
-            <p:ph idx="12" type="sldNum"/>
+            <p:ph type="sldNum" idx="12"/>
           </p:nvPr>
         </p:nvSpPr>
         <p:spPr>
@@ -3138,7 +3223,7 @@
           </a:prstGeom>
         </p:spPr>
         <p:txBody>
-          <a:bodyPr anchorCtr="0" anchor="ctr" bIns="91425" lIns="91425" spcFirstLastPara="1" rIns="91425" wrap="square" tIns="91425">
+          <a:bodyPr spcFirstLastPara="1" wrap="square" lIns="91425" tIns="91425" rIns="91425" bIns="91425" anchor="ctr" anchorCtr="0">
             <a:noAutofit/>
           </a:bodyPr>
           <a:lstStyle>
@@ -3180,7 +3265,7 @@
             </a:lvl9pPr>
           </a:lstStyle>
           <a:p>
-            <a:pPr indent="0" lvl="0" marL="0">
+            <a:pPr marL="0" lvl="0" indent="0">
               <a:spcBef>
                 <a:spcPts val="0"/>
               </a:spcBef>
@@ -3206,11 +3291,11 @@
 </file>
 
 <file path=ppt/slideLayouts/slideLayout4.xml><?xml version="1.0" encoding="utf-8"?>
-<p:sldLayout xmlns:a="http://schemas.openxmlformats.org/drawingml/2006/main" xmlns:r="http://schemas.openxmlformats.org/officeDocument/2006/relationships" xmlns:mc="http://schemas.openxmlformats.org/markup-compatibility/2006" xmlns:mv="urn:schemas-microsoft-com:mac:vml" xmlns:p="http://schemas.openxmlformats.org/presentationml/2006/main" xmlns:c="http://schemas.openxmlformats.org/drawingml/2006/chart" xmlns:dgm="http://schemas.openxmlformats.org/drawingml/2006/diagram" xmlns:o="urn:schemas-microsoft-com:office:office" xmlns:v="urn:schemas-microsoft-com:vml" xmlns:pvml="urn:schemas-microsoft-com:office:powerpoint" xmlns:com="http://schemas.openxmlformats.org/drawingml/2006/compatibility" xmlns:p14="http://schemas.microsoft.com/office/powerpoint/2010/main" xmlns:p15="http://schemas.microsoft.com/office/powerpoint/2012/main" matchingName="Title and two columns" type="twoColTx">
+<p:sldLayout xmlns:a="http://schemas.openxmlformats.org/drawingml/2006/main" xmlns:r="http://schemas.openxmlformats.org/officeDocument/2006/relationships" xmlns:p="http://schemas.openxmlformats.org/presentationml/2006/main" matchingName="Title and two columns" type="twoColTx">
   <p:cSld name="TITLE_AND_TWO_COLUMNS">
     <p:spTree>
       <p:nvGrpSpPr>
-        <p:cNvPr id="30" name="Shape 30"/>
+        <p:cNvPr id="1" name="Shape 30"/>
         <p:cNvGrpSpPr/>
         <p:nvPr/>
       </p:nvGrpSpPr>
@@ -3225,7 +3310,9 @@
       <p:sp>
         <p:nvSpPr>
           <p:cNvPr id="31" name="Shape 31"/>
-          <p:cNvSpPr txBox="1"/>
+          <p:cNvSpPr txBox="1">
+            <a:spLocks noGrp="1"/>
+          </p:cNvSpPr>
           <p:nvPr>
             <p:ph type="title"/>
           </p:nvPr>
@@ -3240,7 +3327,7 @@
           </a:prstGeom>
         </p:spPr>
         <p:txBody>
-          <a:bodyPr anchorCtr="0" anchor="t" bIns="91425" lIns="91425" spcFirstLastPara="1" rIns="91425" wrap="square" tIns="91425"/>
+          <a:bodyPr spcFirstLastPara="1" wrap="square" lIns="91425" tIns="91425" rIns="91425" bIns="91425" anchor="t" anchorCtr="0"/>
           <a:lstStyle>
             <a:lvl1pPr lvl="0">
               <a:spcBef>
@@ -3342,15 +3429,19 @@
               <a:defRPr/>
             </a:lvl9pPr>
           </a:lstStyle>
-          <a:p/>
+          <a:p>
+            <a:endParaRPr/>
+          </a:p>
         </p:txBody>
       </p:sp>
       <p:sp>
         <p:nvSpPr>
           <p:cNvPr id="32" name="Shape 32"/>
-          <p:cNvSpPr txBox="1"/>
+          <p:cNvSpPr txBox="1">
+            <a:spLocks noGrp="1"/>
+          </p:cNvSpPr>
           <p:nvPr>
-            <p:ph idx="1" type="body"/>
+            <p:ph type="body" idx="1"/>
           </p:nvPr>
         </p:nvSpPr>
         <p:spPr>
@@ -3363,9 +3454,9 @@
           </a:prstGeom>
         </p:spPr>
         <p:txBody>
-          <a:bodyPr anchorCtr="0" anchor="t" bIns="91425" lIns="91425" spcFirstLastPara="1" rIns="91425" wrap="square" tIns="91425"/>
+          <a:bodyPr spcFirstLastPara="1" wrap="square" lIns="91425" tIns="91425" rIns="91425" bIns="91425" anchor="t" anchorCtr="0"/>
           <a:lstStyle>
-            <a:lvl1pPr indent="-317500" lvl="0" marL="457200">
+            <a:lvl1pPr marL="457200" lvl="0" indent="-317500">
               <a:spcBef>
                 <a:spcPts val="0"/>
               </a:spcBef>
@@ -3376,7 +3467,7 @@
               <a:buChar char="●"/>
               <a:defRPr sz="1400"/>
             </a:lvl1pPr>
-            <a:lvl2pPr indent="-304800" lvl="1" marL="914400">
+            <a:lvl2pPr marL="914400" lvl="1" indent="-304800">
               <a:spcBef>
                 <a:spcPts val="1600"/>
               </a:spcBef>
@@ -3387,7 +3478,7 @@
               <a:buChar char="○"/>
               <a:defRPr sz="1200"/>
             </a:lvl2pPr>
-            <a:lvl3pPr indent="-304800" lvl="2" marL="1371600">
+            <a:lvl3pPr marL="1371600" lvl="2" indent="-304800">
               <a:spcBef>
                 <a:spcPts val="1600"/>
               </a:spcBef>
@@ -3398,7 +3489,7 @@
               <a:buChar char="■"/>
               <a:defRPr sz="1200"/>
             </a:lvl3pPr>
-            <a:lvl4pPr indent="-304800" lvl="3" marL="1828800">
+            <a:lvl4pPr marL="1828800" lvl="3" indent="-304800">
               <a:spcBef>
                 <a:spcPts val="1600"/>
               </a:spcBef>
@@ -3409,7 +3500,7 @@
               <a:buChar char="●"/>
               <a:defRPr sz="1200"/>
             </a:lvl4pPr>
-            <a:lvl5pPr indent="-304800" lvl="4" marL="2286000">
+            <a:lvl5pPr marL="2286000" lvl="4" indent="-304800">
               <a:spcBef>
                 <a:spcPts val="1600"/>
               </a:spcBef>
@@ -3420,7 +3511,7 @@
               <a:buChar char="○"/>
               <a:defRPr sz="1200"/>
             </a:lvl5pPr>
-            <a:lvl6pPr indent="-304800" lvl="5" marL="2743200">
+            <a:lvl6pPr marL="2743200" lvl="5" indent="-304800">
               <a:spcBef>
                 <a:spcPts val="1600"/>
               </a:spcBef>
@@ -3431,7 +3522,7 @@
               <a:buChar char="■"/>
               <a:defRPr sz="1200"/>
             </a:lvl6pPr>
-            <a:lvl7pPr indent="-304800" lvl="6" marL="3200400">
+            <a:lvl7pPr marL="3200400" lvl="6" indent="-304800">
               <a:spcBef>
                 <a:spcPts val="1600"/>
               </a:spcBef>
@@ -3442,7 +3533,7 @@
               <a:buChar char="●"/>
               <a:defRPr sz="1200"/>
             </a:lvl7pPr>
-            <a:lvl8pPr indent="-304800" lvl="7" marL="3657600">
+            <a:lvl8pPr marL="3657600" lvl="7" indent="-304800">
               <a:spcBef>
                 <a:spcPts val="1600"/>
               </a:spcBef>
@@ -3453,7 +3544,7 @@
               <a:buChar char="○"/>
               <a:defRPr sz="1200"/>
             </a:lvl8pPr>
-            <a:lvl9pPr indent="-304800" lvl="8" marL="4114800">
+            <a:lvl9pPr marL="4114800" lvl="8" indent="-304800">
               <a:spcBef>
                 <a:spcPts val="1600"/>
               </a:spcBef>
@@ -3465,15 +3556,19 @@
               <a:defRPr sz="1200"/>
             </a:lvl9pPr>
           </a:lstStyle>
-          <a:p/>
+          <a:p>
+            <a:endParaRPr/>
+          </a:p>
         </p:txBody>
       </p:sp>
       <p:sp>
         <p:nvSpPr>
           <p:cNvPr id="33" name="Shape 33"/>
-          <p:cNvSpPr txBox="1"/>
+          <p:cNvSpPr txBox="1">
+            <a:spLocks noGrp="1"/>
+          </p:cNvSpPr>
           <p:nvPr>
-            <p:ph idx="2" type="body"/>
+            <p:ph type="body" idx="2"/>
           </p:nvPr>
         </p:nvSpPr>
         <p:spPr>
@@ -3486,9 +3581,9 @@
           </a:prstGeom>
         </p:spPr>
         <p:txBody>
-          <a:bodyPr anchorCtr="0" anchor="t" bIns="91425" lIns="91425" spcFirstLastPara="1" rIns="91425" wrap="square" tIns="91425"/>
+          <a:bodyPr spcFirstLastPara="1" wrap="square" lIns="91425" tIns="91425" rIns="91425" bIns="91425" anchor="t" anchorCtr="0"/>
           <a:lstStyle>
-            <a:lvl1pPr indent="-317500" lvl="0" marL="457200">
+            <a:lvl1pPr marL="457200" lvl="0" indent="-317500">
               <a:spcBef>
                 <a:spcPts val="0"/>
               </a:spcBef>
@@ -3499,7 +3594,7 @@
               <a:buChar char="●"/>
               <a:defRPr sz="1400"/>
             </a:lvl1pPr>
-            <a:lvl2pPr indent="-304800" lvl="1" marL="914400">
+            <a:lvl2pPr marL="914400" lvl="1" indent="-304800">
               <a:spcBef>
                 <a:spcPts val="1600"/>
               </a:spcBef>
@@ -3510,7 +3605,7 @@
               <a:buChar char="○"/>
               <a:defRPr sz="1200"/>
             </a:lvl2pPr>
-            <a:lvl3pPr indent="-304800" lvl="2" marL="1371600">
+            <a:lvl3pPr marL="1371600" lvl="2" indent="-304800">
               <a:spcBef>
                 <a:spcPts val="1600"/>
               </a:spcBef>
@@ -3521,7 +3616,7 @@
               <a:buChar char="■"/>
               <a:defRPr sz="1200"/>
             </a:lvl3pPr>
-            <a:lvl4pPr indent="-304800" lvl="3" marL="1828800">
+            <a:lvl4pPr marL="1828800" lvl="3" indent="-304800">
               <a:spcBef>
                 <a:spcPts val="1600"/>
               </a:spcBef>
@@ -3532,7 +3627,7 @@
               <a:buChar char="●"/>
               <a:defRPr sz="1200"/>
             </a:lvl4pPr>
-            <a:lvl5pPr indent="-304800" lvl="4" marL="2286000">
+            <a:lvl5pPr marL="2286000" lvl="4" indent="-304800">
               <a:spcBef>
                 <a:spcPts val="1600"/>
               </a:spcBef>
@@ -3543,7 +3638,7 @@
               <a:buChar char="○"/>
               <a:defRPr sz="1200"/>
             </a:lvl5pPr>
-            <a:lvl6pPr indent="-304800" lvl="5" marL="2743200">
+            <a:lvl6pPr marL="2743200" lvl="5" indent="-304800">
               <a:spcBef>
                 <a:spcPts val="1600"/>
               </a:spcBef>
@@ -3554,7 +3649,7 @@
               <a:buChar char="■"/>
               <a:defRPr sz="1200"/>
             </a:lvl6pPr>
-            <a:lvl7pPr indent="-304800" lvl="6" marL="3200400">
+            <a:lvl7pPr marL="3200400" lvl="6" indent="-304800">
               <a:spcBef>
                 <a:spcPts val="1600"/>
               </a:spcBef>
@@ -3565,7 +3660,7 @@
               <a:buChar char="●"/>
               <a:defRPr sz="1200"/>
             </a:lvl7pPr>
-            <a:lvl8pPr indent="-304800" lvl="7" marL="3657600">
+            <a:lvl8pPr marL="3657600" lvl="7" indent="-304800">
               <a:spcBef>
                 <a:spcPts val="1600"/>
               </a:spcBef>
@@ -3576,7 +3671,7 @@
               <a:buChar char="○"/>
               <a:defRPr sz="1200"/>
             </a:lvl8pPr>
-            <a:lvl9pPr indent="-304800" lvl="8" marL="4114800">
+            <a:lvl9pPr marL="4114800" lvl="8" indent="-304800">
               <a:spcBef>
                 <a:spcPts val="1600"/>
               </a:spcBef>
@@ -3588,15 +3683,19 @@
               <a:defRPr sz="1200"/>
             </a:lvl9pPr>
           </a:lstStyle>
-          <a:p/>
+          <a:p>
+            <a:endParaRPr/>
+          </a:p>
         </p:txBody>
       </p:sp>
       <p:sp>
         <p:nvSpPr>
           <p:cNvPr id="34" name="Shape 34"/>
-          <p:cNvSpPr txBox="1"/>
+          <p:cNvSpPr txBox="1">
+            <a:spLocks noGrp="1"/>
+          </p:cNvSpPr>
           <p:nvPr>
-            <p:ph idx="12" type="sldNum"/>
+            <p:ph type="sldNum" idx="12"/>
           </p:nvPr>
         </p:nvSpPr>
         <p:spPr>
@@ -3609,7 +3708,7 @@
           </a:prstGeom>
         </p:spPr>
         <p:txBody>
-          <a:bodyPr anchorCtr="0" anchor="ctr" bIns="91425" lIns="91425" spcFirstLastPara="1" rIns="91425" wrap="square" tIns="91425">
+          <a:bodyPr spcFirstLastPara="1" wrap="square" lIns="91425" tIns="91425" rIns="91425" bIns="91425" anchor="ctr" anchorCtr="0">
             <a:noAutofit/>
           </a:bodyPr>
           <a:lstStyle>
@@ -3651,7 +3750,7 @@
             </a:lvl9pPr>
           </a:lstStyle>
           <a:p>
-            <a:pPr indent="0" lvl="0" marL="0">
+            <a:pPr marL="0" lvl="0" indent="0">
               <a:spcBef>
                 <a:spcPts val="0"/>
               </a:spcBef>
@@ -3677,11 +3776,11 @@
 </file>
 
 <file path=ppt/slideLayouts/slideLayout5.xml><?xml version="1.0" encoding="utf-8"?>
-<p:sldLayout xmlns:a="http://schemas.openxmlformats.org/drawingml/2006/main" xmlns:r="http://schemas.openxmlformats.org/officeDocument/2006/relationships" xmlns:mc="http://schemas.openxmlformats.org/markup-compatibility/2006" xmlns:mv="urn:schemas-microsoft-com:mac:vml" xmlns:p="http://schemas.openxmlformats.org/presentationml/2006/main" xmlns:c="http://schemas.openxmlformats.org/drawingml/2006/chart" xmlns:dgm="http://schemas.openxmlformats.org/drawingml/2006/diagram" xmlns:o="urn:schemas-microsoft-com:office:office" xmlns:v="urn:schemas-microsoft-com:vml" xmlns:pvml="urn:schemas-microsoft-com:office:powerpoint" xmlns:com="http://schemas.openxmlformats.org/drawingml/2006/compatibility" xmlns:p14="http://schemas.microsoft.com/office/powerpoint/2010/main" xmlns:p15="http://schemas.microsoft.com/office/powerpoint/2012/main" matchingName="Title only" type="titleOnly">
+<p:sldLayout xmlns:a="http://schemas.openxmlformats.org/drawingml/2006/main" xmlns:r="http://schemas.openxmlformats.org/officeDocument/2006/relationships" xmlns:p="http://schemas.openxmlformats.org/presentationml/2006/main" matchingName="Title only" type="titleOnly">
   <p:cSld name="TITLE_ONLY">
     <p:spTree>
       <p:nvGrpSpPr>
-        <p:cNvPr id="35" name="Shape 35"/>
+        <p:cNvPr id="1" name="Shape 35"/>
         <p:cNvGrpSpPr/>
         <p:nvPr/>
       </p:nvGrpSpPr>
@@ -3696,7 +3795,9 @@
       <p:sp>
         <p:nvSpPr>
           <p:cNvPr id="36" name="Shape 36"/>
-          <p:cNvSpPr txBox="1"/>
+          <p:cNvSpPr txBox="1">
+            <a:spLocks noGrp="1"/>
+          </p:cNvSpPr>
           <p:nvPr>
             <p:ph type="title"/>
           </p:nvPr>
@@ -3711,7 +3812,7 @@
           </a:prstGeom>
         </p:spPr>
         <p:txBody>
-          <a:bodyPr anchorCtr="0" anchor="t" bIns="91425" lIns="91425" spcFirstLastPara="1" rIns="91425" wrap="square" tIns="91425"/>
+          <a:bodyPr spcFirstLastPara="1" wrap="square" lIns="91425" tIns="91425" rIns="91425" bIns="91425" anchor="t" anchorCtr="0"/>
           <a:lstStyle>
             <a:lvl1pPr lvl="0">
               <a:spcBef>
@@ -3813,15 +3914,19 @@
               <a:defRPr/>
             </a:lvl9pPr>
           </a:lstStyle>
-          <a:p/>
+          <a:p>
+            <a:endParaRPr/>
+          </a:p>
         </p:txBody>
       </p:sp>
       <p:sp>
         <p:nvSpPr>
           <p:cNvPr id="37" name="Shape 37"/>
-          <p:cNvSpPr txBox="1"/>
+          <p:cNvSpPr txBox="1">
+            <a:spLocks noGrp="1"/>
+          </p:cNvSpPr>
           <p:nvPr>
-            <p:ph idx="12" type="sldNum"/>
+            <p:ph type="sldNum" idx="12"/>
           </p:nvPr>
         </p:nvSpPr>
         <p:spPr>
@@ -3834,7 +3939,7 @@
           </a:prstGeom>
         </p:spPr>
         <p:txBody>
-          <a:bodyPr anchorCtr="0" anchor="ctr" bIns="91425" lIns="91425" spcFirstLastPara="1" rIns="91425" wrap="square" tIns="91425">
+          <a:bodyPr spcFirstLastPara="1" wrap="square" lIns="91425" tIns="91425" rIns="91425" bIns="91425" anchor="ctr" anchorCtr="0">
             <a:noAutofit/>
           </a:bodyPr>
           <a:lstStyle>
@@ -3876,7 +3981,7 @@
             </a:lvl9pPr>
           </a:lstStyle>
           <a:p>
-            <a:pPr indent="0" lvl="0" marL="0">
+            <a:pPr marL="0" lvl="0" indent="0">
               <a:spcBef>
                 <a:spcPts val="0"/>
               </a:spcBef>
@@ -3902,11 +4007,11 @@
 </file>
 
 <file path=ppt/slideLayouts/slideLayout6.xml><?xml version="1.0" encoding="utf-8"?>
-<p:sldLayout xmlns:a="http://schemas.openxmlformats.org/drawingml/2006/main" xmlns:r="http://schemas.openxmlformats.org/officeDocument/2006/relationships" xmlns:mc="http://schemas.openxmlformats.org/markup-compatibility/2006" xmlns:mv="urn:schemas-microsoft-com:mac:vml" xmlns:p="http://schemas.openxmlformats.org/presentationml/2006/main" xmlns:c="http://schemas.openxmlformats.org/drawingml/2006/chart" xmlns:dgm="http://schemas.openxmlformats.org/drawingml/2006/diagram" xmlns:o="urn:schemas-microsoft-com:office:office" xmlns:v="urn:schemas-microsoft-com:vml" xmlns:pvml="urn:schemas-microsoft-com:office:powerpoint" xmlns:com="http://schemas.openxmlformats.org/drawingml/2006/compatibility" xmlns:p14="http://schemas.microsoft.com/office/powerpoint/2010/main" xmlns:p15="http://schemas.microsoft.com/office/powerpoint/2012/main" matchingName="One column text">
+<p:sldLayout xmlns:a="http://schemas.openxmlformats.org/drawingml/2006/main" xmlns:r="http://schemas.openxmlformats.org/officeDocument/2006/relationships" xmlns:p="http://schemas.openxmlformats.org/presentationml/2006/main" matchingName="One column text">
   <p:cSld name="ONE_COLUMN_TEXT">
     <p:spTree>
       <p:nvGrpSpPr>
-        <p:cNvPr id="38" name="Shape 38"/>
+        <p:cNvPr id="1" name="Shape 38"/>
         <p:cNvGrpSpPr/>
         <p:nvPr/>
       </p:nvGrpSpPr>
@@ -3921,7 +4026,9 @@
       <p:sp>
         <p:nvSpPr>
           <p:cNvPr id="39" name="Shape 39"/>
-          <p:cNvSpPr txBox="1"/>
+          <p:cNvSpPr txBox="1">
+            <a:spLocks noGrp="1"/>
+          </p:cNvSpPr>
           <p:nvPr>
             <p:ph type="title"/>
           </p:nvPr>
@@ -3936,7 +4043,7 @@
           </a:prstGeom>
         </p:spPr>
         <p:txBody>
-          <a:bodyPr anchorCtr="0" anchor="b" bIns="91425" lIns="91425" spcFirstLastPara="1" rIns="91425" wrap="square" tIns="91425"/>
+          <a:bodyPr spcFirstLastPara="1" wrap="square" lIns="91425" tIns="91425" rIns="91425" bIns="91425" anchor="b" anchorCtr="0"/>
           <a:lstStyle>
             <a:lvl1pPr lvl="0">
               <a:spcBef>
@@ -4038,15 +4145,19 @@
               <a:defRPr sz="2400"/>
             </a:lvl9pPr>
           </a:lstStyle>
-          <a:p/>
+          <a:p>
+            <a:endParaRPr/>
+          </a:p>
         </p:txBody>
       </p:sp>
       <p:sp>
         <p:nvSpPr>
           <p:cNvPr id="40" name="Shape 40"/>
-          <p:cNvSpPr txBox="1"/>
+          <p:cNvSpPr txBox="1">
+            <a:spLocks noGrp="1"/>
+          </p:cNvSpPr>
           <p:nvPr>
-            <p:ph idx="1" type="body"/>
+            <p:ph type="body" idx="1"/>
           </p:nvPr>
         </p:nvSpPr>
         <p:spPr>
@@ -4059,9 +4170,9 @@
           </a:prstGeom>
         </p:spPr>
         <p:txBody>
-          <a:bodyPr anchorCtr="0" anchor="t" bIns="91425" lIns="91425" spcFirstLastPara="1" rIns="91425" wrap="square" tIns="91425"/>
+          <a:bodyPr spcFirstLastPara="1" wrap="square" lIns="91425" tIns="91425" rIns="91425" bIns="91425" anchor="t" anchorCtr="0"/>
           <a:lstStyle>
-            <a:lvl1pPr indent="-304800" lvl="0" marL="457200">
+            <a:lvl1pPr marL="457200" lvl="0" indent="-304800">
               <a:spcBef>
                 <a:spcPts val="0"/>
               </a:spcBef>
@@ -4072,7 +4183,7 @@
               <a:buChar char="●"/>
               <a:defRPr sz="1200"/>
             </a:lvl1pPr>
-            <a:lvl2pPr indent="-304800" lvl="1" marL="914400">
+            <a:lvl2pPr marL="914400" lvl="1" indent="-304800">
               <a:spcBef>
                 <a:spcPts val="1600"/>
               </a:spcBef>
@@ -4083,7 +4194,7 @@
               <a:buChar char="○"/>
               <a:defRPr sz="1200"/>
             </a:lvl2pPr>
-            <a:lvl3pPr indent="-304800" lvl="2" marL="1371600">
+            <a:lvl3pPr marL="1371600" lvl="2" indent="-304800">
               <a:spcBef>
                 <a:spcPts val="1600"/>
               </a:spcBef>
@@ -4094,7 +4205,7 @@
               <a:buChar char="■"/>
               <a:defRPr sz="1200"/>
             </a:lvl3pPr>
-            <a:lvl4pPr indent="-304800" lvl="3" marL="1828800">
+            <a:lvl4pPr marL="1828800" lvl="3" indent="-304800">
               <a:spcBef>
                 <a:spcPts val="1600"/>
               </a:spcBef>
@@ -4105,7 +4216,7 @@
               <a:buChar char="●"/>
               <a:defRPr sz="1200"/>
             </a:lvl4pPr>
-            <a:lvl5pPr indent="-304800" lvl="4" marL="2286000">
+            <a:lvl5pPr marL="2286000" lvl="4" indent="-304800">
               <a:spcBef>
                 <a:spcPts val="1600"/>
               </a:spcBef>
@@ -4116,7 +4227,7 @@
               <a:buChar char="○"/>
               <a:defRPr sz="1200"/>
             </a:lvl5pPr>
-            <a:lvl6pPr indent="-304800" lvl="5" marL="2743200">
+            <a:lvl6pPr marL="2743200" lvl="5" indent="-304800">
               <a:spcBef>
                 <a:spcPts val="1600"/>
               </a:spcBef>
@@ -4127,7 +4238,7 @@
               <a:buChar char="■"/>
               <a:defRPr sz="1200"/>
             </a:lvl6pPr>
-            <a:lvl7pPr indent="-304800" lvl="6" marL="3200400">
+            <a:lvl7pPr marL="3200400" lvl="6" indent="-304800">
               <a:spcBef>
                 <a:spcPts val="1600"/>
               </a:spcBef>
@@ -4138,7 +4249,7 @@
               <a:buChar char="●"/>
               <a:defRPr sz="1200"/>
             </a:lvl7pPr>
-            <a:lvl8pPr indent="-304800" lvl="7" marL="3657600">
+            <a:lvl8pPr marL="3657600" lvl="7" indent="-304800">
               <a:spcBef>
                 <a:spcPts val="1600"/>
               </a:spcBef>
@@ -4149,7 +4260,7 @@
               <a:buChar char="○"/>
               <a:defRPr sz="1200"/>
             </a:lvl8pPr>
-            <a:lvl9pPr indent="-304800" lvl="8" marL="4114800">
+            <a:lvl9pPr marL="4114800" lvl="8" indent="-304800">
               <a:spcBef>
                 <a:spcPts val="1600"/>
               </a:spcBef>
@@ -4161,15 +4272,19 @@
               <a:defRPr sz="1200"/>
             </a:lvl9pPr>
           </a:lstStyle>
-          <a:p/>
+          <a:p>
+            <a:endParaRPr/>
+          </a:p>
         </p:txBody>
       </p:sp>
       <p:sp>
         <p:nvSpPr>
           <p:cNvPr id="41" name="Shape 41"/>
-          <p:cNvSpPr txBox="1"/>
+          <p:cNvSpPr txBox="1">
+            <a:spLocks noGrp="1"/>
+          </p:cNvSpPr>
           <p:nvPr>
-            <p:ph idx="12" type="sldNum"/>
+            <p:ph type="sldNum" idx="12"/>
           </p:nvPr>
         </p:nvSpPr>
         <p:spPr>
@@ -4182,7 +4297,7 @@
           </a:prstGeom>
         </p:spPr>
         <p:txBody>
-          <a:bodyPr anchorCtr="0" anchor="ctr" bIns="91425" lIns="91425" spcFirstLastPara="1" rIns="91425" wrap="square" tIns="91425">
+          <a:bodyPr spcFirstLastPara="1" wrap="square" lIns="91425" tIns="91425" rIns="91425" bIns="91425" anchor="ctr" anchorCtr="0">
             <a:noAutofit/>
           </a:bodyPr>
           <a:lstStyle>
@@ -4224,7 +4339,7 @@
             </a:lvl9pPr>
           </a:lstStyle>
           <a:p>
-            <a:pPr indent="0" lvl="0" marL="0">
+            <a:pPr marL="0" lvl="0" indent="0">
               <a:spcBef>
                 <a:spcPts val="0"/>
               </a:spcBef>
@@ -4250,18 +4365,19 @@
 </file>
 
 <file path=ppt/slideLayouts/slideLayout7.xml><?xml version="1.0" encoding="utf-8"?>
-<p:sldLayout xmlns:a="http://schemas.openxmlformats.org/drawingml/2006/main" xmlns:r="http://schemas.openxmlformats.org/officeDocument/2006/relationships" xmlns:mc="http://schemas.openxmlformats.org/markup-compatibility/2006" xmlns:mv="urn:schemas-microsoft-com:mac:vml" xmlns:p="http://schemas.openxmlformats.org/presentationml/2006/main" xmlns:c="http://schemas.openxmlformats.org/drawingml/2006/chart" xmlns:dgm="http://schemas.openxmlformats.org/drawingml/2006/diagram" xmlns:o="urn:schemas-microsoft-com:office:office" xmlns:v="urn:schemas-microsoft-com:vml" xmlns:pvml="urn:schemas-microsoft-com:office:powerpoint" xmlns:com="http://schemas.openxmlformats.org/drawingml/2006/compatibility" xmlns:p14="http://schemas.microsoft.com/office/powerpoint/2010/main" xmlns:p15="http://schemas.microsoft.com/office/powerpoint/2012/main" matchingName="Main point">
+<p:sldLayout xmlns:a="http://schemas.openxmlformats.org/drawingml/2006/main" xmlns:r="http://schemas.openxmlformats.org/officeDocument/2006/relationships" xmlns:p="http://schemas.openxmlformats.org/presentationml/2006/main" matchingName="Main point">
   <p:cSld name="MAIN_POINT">
     <p:bg>
       <p:bgPr>
         <a:solidFill>
           <a:schemeClr val="accent6"/>
         </a:solidFill>
+        <a:effectLst/>
       </p:bgPr>
     </p:bg>
     <p:spTree>
       <p:nvGrpSpPr>
-        <p:cNvPr id="42" name="Shape 42"/>
+        <p:cNvPr id="1" name="Shape 42"/>
         <p:cNvGrpSpPr/>
         <p:nvPr/>
       </p:nvGrpSpPr>
@@ -4276,7 +4392,9 @@
       <p:sp>
         <p:nvSpPr>
           <p:cNvPr id="43" name="Shape 43"/>
-          <p:cNvSpPr txBox="1"/>
+          <p:cNvSpPr txBox="1">
+            <a:spLocks noGrp="1"/>
+          </p:cNvSpPr>
           <p:nvPr>
             <p:ph type="title"/>
           </p:nvPr>
@@ -4291,7 +4409,7 @@
           </a:prstGeom>
         </p:spPr>
         <p:txBody>
-          <a:bodyPr anchorCtr="0" anchor="ctr" bIns="91425" lIns="91425" spcFirstLastPara="1" rIns="91425" wrap="square" tIns="91425"/>
+          <a:bodyPr spcFirstLastPara="1" wrap="square" lIns="91425" tIns="91425" rIns="91425" bIns="91425" anchor="ctr" anchorCtr="0"/>
           <a:lstStyle>
             <a:lvl1pPr lvl="0">
               <a:spcBef>
@@ -4305,7 +4423,7 @@
               </a:buClr>
               <a:buSzPts val="5400"/>
               <a:buNone/>
-              <a:defRPr b="0" sz="5400">
+              <a:defRPr sz="5400" b="0">
                 <a:solidFill>
                   <a:schemeClr val="dk2"/>
                 </a:solidFill>
@@ -4323,7 +4441,7 @@
               </a:buClr>
               <a:buSzPts val="5400"/>
               <a:buNone/>
-              <a:defRPr b="0" sz="5400">
+              <a:defRPr sz="5400" b="0">
                 <a:solidFill>
                   <a:schemeClr val="dk2"/>
                 </a:solidFill>
@@ -4341,7 +4459,7 @@
               </a:buClr>
               <a:buSzPts val="5400"/>
               <a:buNone/>
-              <a:defRPr b="0" sz="5400">
+              <a:defRPr sz="5400" b="0">
                 <a:solidFill>
                   <a:schemeClr val="dk2"/>
                 </a:solidFill>
@@ -4359,7 +4477,7 @@
               </a:buClr>
               <a:buSzPts val="5400"/>
               <a:buNone/>
-              <a:defRPr b="0" sz="5400">
+              <a:defRPr sz="5400" b="0">
                 <a:solidFill>
                   <a:schemeClr val="dk2"/>
                 </a:solidFill>
@@ -4377,7 +4495,7 @@
               </a:buClr>
               <a:buSzPts val="5400"/>
               <a:buNone/>
-              <a:defRPr b="0" sz="5400">
+              <a:defRPr sz="5400" b="0">
                 <a:solidFill>
                   <a:schemeClr val="dk2"/>
                 </a:solidFill>
@@ -4395,7 +4513,7 @@
               </a:buClr>
               <a:buSzPts val="5400"/>
               <a:buNone/>
-              <a:defRPr b="0" sz="5400">
+              <a:defRPr sz="5400" b="0">
                 <a:solidFill>
                   <a:schemeClr val="dk2"/>
                 </a:solidFill>
@@ -4413,7 +4531,7 @@
               </a:buClr>
               <a:buSzPts val="5400"/>
               <a:buNone/>
-              <a:defRPr b="0" sz="5400">
+              <a:defRPr sz="5400" b="0">
                 <a:solidFill>
                   <a:schemeClr val="dk2"/>
                 </a:solidFill>
@@ -4431,7 +4549,7 @@
               </a:buClr>
               <a:buSzPts val="5400"/>
               <a:buNone/>
-              <a:defRPr b="0" sz="5400">
+              <a:defRPr sz="5400" b="0">
                 <a:solidFill>
                   <a:schemeClr val="dk2"/>
                 </a:solidFill>
@@ -4449,22 +4567,26 @@
               </a:buClr>
               <a:buSzPts val="5400"/>
               <a:buNone/>
-              <a:defRPr b="0" sz="5400">
+              <a:defRPr sz="5400" b="0">
                 <a:solidFill>
                   <a:schemeClr val="dk2"/>
                 </a:solidFill>
               </a:defRPr>
             </a:lvl9pPr>
           </a:lstStyle>
-          <a:p/>
+          <a:p>
+            <a:endParaRPr/>
+          </a:p>
         </p:txBody>
       </p:sp>
       <p:sp>
         <p:nvSpPr>
           <p:cNvPr id="44" name="Shape 44"/>
-          <p:cNvSpPr txBox="1"/>
+          <p:cNvSpPr txBox="1">
+            <a:spLocks noGrp="1"/>
+          </p:cNvSpPr>
           <p:nvPr>
-            <p:ph idx="12" type="sldNum"/>
+            <p:ph type="sldNum" idx="12"/>
           </p:nvPr>
         </p:nvSpPr>
         <p:spPr>
@@ -4477,7 +4599,7 @@
           </a:prstGeom>
         </p:spPr>
         <p:txBody>
-          <a:bodyPr anchorCtr="0" anchor="ctr" bIns="91425" lIns="91425" spcFirstLastPara="1" rIns="91425" wrap="square" tIns="91425">
+          <a:bodyPr spcFirstLastPara="1" wrap="square" lIns="91425" tIns="91425" rIns="91425" bIns="91425" anchor="ctr" anchorCtr="0">
             <a:noAutofit/>
           </a:bodyPr>
           <a:lstStyle>
@@ -4519,7 +4641,7 @@
             </a:lvl9pPr>
           </a:lstStyle>
           <a:p>
-            <a:pPr indent="0" lvl="0" marL="0">
+            <a:pPr marL="0" lvl="0" indent="0">
               <a:spcBef>
                 <a:spcPts val="0"/>
               </a:spcBef>
@@ -4545,11 +4667,11 @@
 </file>
 
 <file path=ppt/slideLayouts/slideLayout8.xml><?xml version="1.0" encoding="utf-8"?>
-<p:sldLayout xmlns:a="http://schemas.openxmlformats.org/drawingml/2006/main" xmlns:r="http://schemas.openxmlformats.org/officeDocument/2006/relationships" xmlns:mc="http://schemas.openxmlformats.org/markup-compatibility/2006" xmlns:mv="urn:schemas-microsoft-com:mac:vml" xmlns:p="http://schemas.openxmlformats.org/presentationml/2006/main" xmlns:c="http://schemas.openxmlformats.org/drawingml/2006/chart" xmlns:dgm="http://schemas.openxmlformats.org/drawingml/2006/diagram" xmlns:o="urn:schemas-microsoft-com:office:office" xmlns:v="urn:schemas-microsoft-com:vml" xmlns:pvml="urn:schemas-microsoft-com:office:powerpoint" xmlns:com="http://schemas.openxmlformats.org/drawingml/2006/compatibility" xmlns:p14="http://schemas.microsoft.com/office/powerpoint/2010/main" xmlns:p15="http://schemas.microsoft.com/office/powerpoint/2012/main" matchingName="Section title and description">
+<p:sldLayout xmlns:a="http://schemas.openxmlformats.org/drawingml/2006/main" xmlns:r="http://schemas.openxmlformats.org/officeDocument/2006/relationships" xmlns:p="http://schemas.openxmlformats.org/presentationml/2006/main" matchingName="Section title and description">
   <p:cSld name="SECTION_TITLE_AND_DESCRIPTION">
     <p:spTree>
       <p:nvGrpSpPr>
-        <p:cNvPr id="45" name="Shape 45"/>
+        <p:cNvPr id="1" name="Shape 45"/>
         <p:cNvGrpSpPr/>
         <p:nvPr/>
       </p:nvGrpSpPr>
@@ -4583,12 +4705,12 @@
           </a:ln>
         </p:spPr>
         <p:txBody>
-          <a:bodyPr anchorCtr="0" anchor="ctr" bIns="91425" lIns="91425" spcFirstLastPara="1" rIns="91425" wrap="square" tIns="91425">
+          <a:bodyPr spcFirstLastPara="1" wrap="square" lIns="91425" tIns="91425" rIns="91425" bIns="91425" anchor="ctr" anchorCtr="0">
             <a:noAutofit/>
           </a:bodyPr>
           <a:lstStyle/>
           <a:p>
-            <a:pPr indent="0" lvl="0" marL="0">
+            <a:pPr marL="0" lvl="0" indent="0">
               <a:spcBef>
                 <a:spcPts val="0"/>
               </a:spcBef>
@@ -4597,9 +4719,6 @@
               </a:spcAft>
               <a:buNone/>
             </a:pPr>
-            <a:r>
-              <a:t/>
-            </a:r>
             <a:endParaRPr/>
           </a:p>
         </p:txBody>
@@ -4619,21 +4738,23 @@
             <a:avLst/>
           </a:prstGeom>
           <a:noFill/>
-          <a:ln cap="flat" cmpd="sng" w="19050">
+          <a:ln w="19050" cap="flat" cmpd="sng">
             <a:solidFill>
               <a:schemeClr val="lt1"/>
             </a:solidFill>
             <a:prstDash val="solid"/>
             <a:round/>
-            <a:headEnd len="sm" w="sm" type="none"/>
-            <a:tailEnd len="sm" w="sm" type="none"/>
+            <a:headEnd type="none" w="sm" len="sm"/>
+            <a:tailEnd type="none" w="sm" len="sm"/>
           </a:ln>
         </p:spPr>
       </p:cxnSp>
       <p:sp>
         <p:nvSpPr>
           <p:cNvPr id="48" name="Shape 48"/>
-          <p:cNvSpPr txBox="1"/>
+          <p:cNvSpPr txBox="1">
+            <a:spLocks noGrp="1"/>
+          </p:cNvSpPr>
           <p:nvPr>
             <p:ph type="title"/>
           </p:nvPr>
@@ -4648,7 +4769,7 @@
           </a:prstGeom>
         </p:spPr>
         <p:txBody>
-          <a:bodyPr anchorCtr="0" anchor="b" bIns="91425" lIns="91425" spcFirstLastPara="1" rIns="91425" wrap="square" tIns="91425"/>
+          <a:bodyPr spcFirstLastPara="1" wrap="square" lIns="91425" tIns="91425" rIns="91425" bIns="91425" anchor="b" anchorCtr="0"/>
           <a:lstStyle>
             <a:lvl1pPr lvl="0" algn="ctr">
               <a:spcBef>
@@ -4750,15 +4871,19 @@
               <a:defRPr sz="4200"/>
             </a:lvl9pPr>
           </a:lstStyle>
-          <a:p/>
+          <a:p>
+            <a:endParaRPr/>
+          </a:p>
         </p:txBody>
       </p:sp>
       <p:sp>
         <p:nvSpPr>
           <p:cNvPr id="49" name="Shape 49"/>
-          <p:cNvSpPr txBox="1"/>
+          <p:cNvSpPr txBox="1">
+            <a:spLocks noGrp="1"/>
+          </p:cNvSpPr>
           <p:nvPr>
-            <p:ph idx="1" type="subTitle"/>
+            <p:ph type="subTitle" idx="1"/>
           </p:nvPr>
         </p:nvSpPr>
         <p:spPr>
@@ -4771,7 +4896,7 @@
           </a:prstGeom>
         </p:spPr>
         <p:txBody>
-          <a:bodyPr anchorCtr="0" anchor="t" bIns="91425" lIns="91425" spcFirstLastPara="1" rIns="91425" wrap="square" tIns="91425"/>
+          <a:bodyPr spcFirstLastPara="1" wrap="square" lIns="91425" tIns="91425" rIns="91425" bIns="91425" anchor="t" anchorCtr="0"/>
           <a:lstStyle>
             <a:lvl1pPr lvl="0" algn="ctr">
               <a:lnSpc>
@@ -4900,15 +5025,19 @@
               <a:defRPr sz="2100"/>
             </a:lvl9pPr>
           </a:lstStyle>
-          <a:p/>
+          <a:p>
+            <a:endParaRPr/>
+          </a:p>
         </p:txBody>
       </p:sp>
       <p:sp>
         <p:nvSpPr>
           <p:cNvPr id="50" name="Shape 50"/>
-          <p:cNvSpPr txBox="1"/>
+          <p:cNvSpPr txBox="1">
+            <a:spLocks noGrp="1"/>
+          </p:cNvSpPr>
           <p:nvPr>
-            <p:ph idx="2" type="body"/>
+            <p:ph type="body" idx="2"/>
           </p:nvPr>
         </p:nvSpPr>
         <p:spPr>
@@ -4921,9 +5050,9 @@
           </a:prstGeom>
         </p:spPr>
         <p:txBody>
-          <a:bodyPr anchorCtr="0" anchor="ctr" bIns="91425" lIns="91425" spcFirstLastPara="1" rIns="91425" wrap="square" tIns="91425"/>
+          <a:bodyPr spcFirstLastPara="1" wrap="square" lIns="91425" tIns="91425" rIns="91425" bIns="91425" anchor="ctr" anchorCtr="0"/>
           <a:lstStyle>
-            <a:lvl1pPr indent="-342900" lvl="0" marL="457200">
+            <a:lvl1pPr marL="457200" lvl="0" indent="-342900">
               <a:spcBef>
                 <a:spcPts val="0"/>
               </a:spcBef>
@@ -4941,7 +5070,7 @@
                 </a:solidFill>
               </a:defRPr>
             </a:lvl1pPr>
-            <a:lvl2pPr indent="-317500" lvl="1" marL="914400">
+            <a:lvl2pPr marL="914400" lvl="1" indent="-317500">
               <a:spcBef>
                 <a:spcPts val="1600"/>
               </a:spcBef>
@@ -4959,7 +5088,7 @@
                 </a:solidFill>
               </a:defRPr>
             </a:lvl2pPr>
-            <a:lvl3pPr indent="-317500" lvl="2" marL="1371600">
+            <a:lvl3pPr marL="1371600" lvl="2" indent="-317500">
               <a:spcBef>
                 <a:spcPts val="1600"/>
               </a:spcBef>
@@ -4977,7 +5106,7 @@
                 </a:solidFill>
               </a:defRPr>
             </a:lvl3pPr>
-            <a:lvl4pPr indent="-317500" lvl="3" marL="1828800">
+            <a:lvl4pPr marL="1828800" lvl="3" indent="-317500">
               <a:spcBef>
                 <a:spcPts val="1600"/>
               </a:spcBef>
@@ -4995,7 +5124,7 @@
                 </a:solidFill>
               </a:defRPr>
             </a:lvl4pPr>
-            <a:lvl5pPr indent="-317500" lvl="4" marL="2286000">
+            <a:lvl5pPr marL="2286000" lvl="4" indent="-317500">
               <a:spcBef>
                 <a:spcPts val="1600"/>
               </a:spcBef>
@@ -5013,7 +5142,7 @@
                 </a:solidFill>
               </a:defRPr>
             </a:lvl5pPr>
-            <a:lvl6pPr indent="-317500" lvl="5" marL="2743200">
+            <a:lvl6pPr marL="2743200" lvl="5" indent="-317500">
               <a:spcBef>
                 <a:spcPts val="1600"/>
               </a:spcBef>
@@ -5031,7 +5160,7 @@
                 </a:solidFill>
               </a:defRPr>
             </a:lvl6pPr>
-            <a:lvl7pPr indent="-317500" lvl="6" marL="3200400">
+            <a:lvl7pPr marL="3200400" lvl="6" indent="-317500">
               <a:spcBef>
                 <a:spcPts val="1600"/>
               </a:spcBef>
@@ -5049,7 +5178,7 @@
                 </a:solidFill>
               </a:defRPr>
             </a:lvl7pPr>
-            <a:lvl8pPr indent="-317500" lvl="7" marL="3657600">
+            <a:lvl8pPr marL="3657600" lvl="7" indent="-317500">
               <a:spcBef>
                 <a:spcPts val="1600"/>
               </a:spcBef>
@@ -5067,7 +5196,7 @@
                 </a:solidFill>
               </a:defRPr>
             </a:lvl8pPr>
-            <a:lvl9pPr indent="-317500" lvl="8" marL="4114800">
+            <a:lvl9pPr marL="4114800" lvl="8" indent="-317500">
               <a:spcBef>
                 <a:spcPts val="1600"/>
               </a:spcBef>
@@ -5086,15 +5215,19 @@
               </a:defRPr>
             </a:lvl9pPr>
           </a:lstStyle>
-          <a:p/>
+          <a:p>
+            <a:endParaRPr/>
+          </a:p>
         </p:txBody>
       </p:sp>
       <p:sp>
         <p:nvSpPr>
           <p:cNvPr id="51" name="Shape 51"/>
-          <p:cNvSpPr txBox="1"/>
+          <p:cNvSpPr txBox="1">
+            <a:spLocks noGrp="1"/>
+          </p:cNvSpPr>
           <p:nvPr>
-            <p:ph idx="12" type="sldNum"/>
+            <p:ph type="sldNum" idx="12"/>
           </p:nvPr>
         </p:nvSpPr>
         <p:spPr>
@@ -5107,7 +5240,7 @@
           </a:prstGeom>
         </p:spPr>
         <p:txBody>
-          <a:bodyPr anchorCtr="0" anchor="ctr" bIns="91425" lIns="91425" spcFirstLastPara="1" rIns="91425" wrap="square" tIns="91425">
+          <a:bodyPr spcFirstLastPara="1" wrap="square" lIns="91425" tIns="91425" rIns="91425" bIns="91425" anchor="ctr" anchorCtr="0">
             <a:noAutofit/>
           </a:bodyPr>
           <a:lstStyle>
@@ -5185,7 +5318,7 @@
             </a:lvl9pPr>
           </a:lstStyle>
           <a:p>
-            <a:pPr indent="0" lvl="0" marL="0">
+            <a:pPr marL="0" lvl="0" indent="0">
               <a:spcBef>
                 <a:spcPts val="0"/>
               </a:spcBef>
@@ -5211,11 +5344,11 @@
 </file>
 
 <file path=ppt/slideLayouts/slideLayout9.xml><?xml version="1.0" encoding="utf-8"?>
-<p:sldLayout xmlns:a="http://schemas.openxmlformats.org/drawingml/2006/main" xmlns:r="http://schemas.openxmlformats.org/officeDocument/2006/relationships" xmlns:mc="http://schemas.openxmlformats.org/markup-compatibility/2006" xmlns:mv="urn:schemas-microsoft-com:mac:vml" xmlns:p="http://schemas.openxmlformats.org/presentationml/2006/main" xmlns:c="http://schemas.openxmlformats.org/drawingml/2006/chart" xmlns:dgm="http://schemas.openxmlformats.org/drawingml/2006/diagram" xmlns:o="urn:schemas-microsoft-com:office:office" xmlns:v="urn:schemas-microsoft-com:vml" xmlns:pvml="urn:schemas-microsoft-com:office:powerpoint" xmlns:com="http://schemas.openxmlformats.org/drawingml/2006/compatibility" xmlns:p14="http://schemas.microsoft.com/office/powerpoint/2010/main" xmlns:p15="http://schemas.microsoft.com/office/powerpoint/2012/main" matchingName="Caption">
+<p:sldLayout xmlns:a="http://schemas.openxmlformats.org/drawingml/2006/main" xmlns:r="http://schemas.openxmlformats.org/officeDocument/2006/relationships" xmlns:p="http://schemas.openxmlformats.org/presentationml/2006/main" matchingName="Caption">
   <p:cSld name="CAPTION_ONLY">
     <p:spTree>
       <p:nvGrpSpPr>
-        <p:cNvPr id="52" name="Shape 52"/>
+        <p:cNvPr id="1" name="Shape 52"/>
         <p:cNvGrpSpPr/>
         <p:nvPr/>
       </p:nvGrpSpPr>
@@ -5230,9 +5363,11 @@
       <p:sp>
         <p:nvSpPr>
           <p:cNvPr id="53" name="Shape 53"/>
-          <p:cNvSpPr txBox="1"/>
+          <p:cNvSpPr txBox="1">
+            <a:spLocks noGrp="1"/>
+          </p:cNvSpPr>
           <p:nvPr>
-            <p:ph idx="1" type="body"/>
+            <p:ph type="body" idx="1"/>
           </p:nvPr>
         </p:nvSpPr>
         <p:spPr>
@@ -5245,9 +5380,9 @@
           </a:prstGeom>
         </p:spPr>
         <p:txBody>
-          <a:bodyPr anchorCtr="0" anchor="ctr" bIns="91425" lIns="91425" spcFirstLastPara="1" rIns="91425" wrap="square" tIns="91425"/>
+          <a:bodyPr spcFirstLastPara="1" wrap="square" lIns="91425" tIns="91425" rIns="91425" bIns="91425" anchor="ctr" anchorCtr="0"/>
           <a:lstStyle>
-            <a:lvl1pPr indent="-228600" lvl="0" marL="457200">
+            <a:lvl1pPr marL="457200" lvl="0" indent="-228600">
               <a:lnSpc>
                 <a:spcPct val="100000"/>
               </a:lnSpc>
@@ -5268,15 +5403,19 @@
               </a:defRPr>
             </a:lvl1pPr>
           </a:lstStyle>
-          <a:p/>
+          <a:p>
+            <a:endParaRPr/>
+          </a:p>
         </p:txBody>
       </p:sp>
       <p:sp>
         <p:nvSpPr>
           <p:cNvPr id="54" name="Shape 54"/>
-          <p:cNvSpPr txBox="1"/>
+          <p:cNvSpPr txBox="1">
+            <a:spLocks noGrp="1"/>
+          </p:cNvSpPr>
           <p:nvPr>
-            <p:ph idx="12" type="sldNum"/>
+            <p:ph type="sldNum" idx="12"/>
           </p:nvPr>
         </p:nvSpPr>
         <p:spPr>
@@ -5289,7 +5428,7 @@
           </a:prstGeom>
         </p:spPr>
         <p:txBody>
-          <a:bodyPr anchorCtr="0" anchor="ctr" bIns="91425" lIns="91425" spcFirstLastPara="1" rIns="91425" wrap="square" tIns="91425">
+          <a:bodyPr spcFirstLastPara="1" wrap="square" lIns="91425" tIns="91425" rIns="91425" bIns="91425" anchor="ctr" anchorCtr="0">
             <a:noAutofit/>
           </a:bodyPr>
           <a:lstStyle>
@@ -5331,7 +5470,7 @@
             </a:lvl9pPr>
           </a:lstStyle>
           <a:p>
-            <a:pPr indent="0" lvl="0" marL="0">
+            <a:pPr marL="0" lvl="0" indent="0">
               <a:spcBef>
                 <a:spcPts val="0"/>
               </a:spcBef>
@@ -5357,18 +5496,19 @@
 </file>
 
 <file path=ppt/slideMasters/slideMaster1.xml><?xml version="1.0" encoding="utf-8"?>
-<p:sldMaster xmlns:a="http://schemas.openxmlformats.org/drawingml/2006/main" xmlns:r="http://schemas.openxmlformats.org/officeDocument/2006/relationships" xmlns:mc="http://schemas.openxmlformats.org/markup-compatibility/2006" xmlns:mv="urn:schemas-microsoft-com:mac:vml" xmlns:p="http://schemas.openxmlformats.org/presentationml/2006/main" xmlns:c="http://schemas.openxmlformats.org/drawingml/2006/chart" xmlns:dgm="http://schemas.openxmlformats.org/drawingml/2006/diagram" xmlns:o="urn:schemas-microsoft-com:office:office" xmlns:v="urn:schemas-microsoft-com:vml" xmlns:pvml="urn:schemas-microsoft-com:office:powerpoint" xmlns:com="http://schemas.openxmlformats.org/drawingml/2006/compatibility" xmlns:p14="http://schemas.microsoft.com/office/powerpoint/2010/main" xmlns:p15="http://schemas.microsoft.com/office/powerpoint/2012/main">
+<p:sldMaster xmlns:a="http://schemas.openxmlformats.org/drawingml/2006/main" xmlns:r="http://schemas.openxmlformats.org/officeDocument/2006/relationships" xmlns:p="http://schemas.openxmlformats.org/presentationml/2006/main">
   <p:cSld name="tropic">
     <p:bg>
       <p:bgPr>
         <a:solidFill>
           <a:schemeClr val="lt1"/>
         </a:solidFill>
+        <a:effectLst/>
       </p:bgPr>
     </p:bg>
     <p:spTree>
       <p:nvGrpSpPr>
-        <p:cNvPr id="5" name="Shape 5"/>
+        <p:cNvPr id="1" name="Shape 5"/>
         <p:cNvGrpSpPr/>
         <p:nvPr/>
       </p:nvGrpSpPr>
@@ -5383,7 +5523,9 @@
       <p:sp>
         <p:nvSpPr>
           <p:cNvPr id="6" name="Shape 6"/>
-          <p:cNvSpPr txBox="1"/>
+          <p:cNvSpPr txBox="1">
+            <a:spLocks noGrp="1"/>
+          </p:cNvSpPr>
           <p:nvPr>
             <p:ph type="title"/>
           </p:nvPr>
@@ -5402,7 +5544,7 @@
           </a:ln>
         </p:spPr>
         <p:txBody>
-          <a:bodyPr anchorCtr="0" anchor="t" bIns="91425" lIns="91425" spcFirstLastPara="1" rIns="91425" wrap="square" tIns="91425"/>
+          <a:bodyPr spcFirstLastPara="1" wrap="square" lIns="91425" tIns="91425" rIns="91425" bIns="91425" anchor="t" anchorCtr="0"/>
           <a:lstStyle>
             <a:lvl1pPr lvl="0">
               <a:spcBef>
@@ -5417,7 +5559,7 @@
               <a:buSzPts val="3600"/>
               <a:buFont typeface="PT Sans Narrow"/>
               <a:buNone/>
-              <a:defRPr b="1" sz="3600">
+              <a:defRPr sz="3600" b="1">
                 <a:solidFill>
                   <a:schemeClr val="accent1"/>
                 </a:solidFill>
@@ -5440,7 +5582,7 @@
               <a:buSzPts val="3600"/>
               <a:buFont typeface="PT Sans Narrow"/>
               <a:buNone/>
-              <a:defRPr b="1" sz="3600">
+              <a:defRPr sz="3600" b="1">
                 <a:solidFill>
                   <a:schemeClr val="accent1"/>
                 </a:solidFill>
@@ -5463,7 +5605,7 @@
               <a:buSzPts val="3600"/>
               <a:buFont typeface="PT Sans Narrow"/>
               <a:buNone/>
-              <a:defRPr b="1" sz="3600">
+              <a:defRPr sz="3600" b="1">
                 <a:solidFill>
                   <a:schemeClr val="accent1"/>
                 </a:solidFill>
@@ -5486,7 +5628,7 @@
               <a:buSzPts val="3600"/>
               <a:buFont typeface="PT Sans Narrow"/>
               <a:buNone/>
-              <a:defRPr b="1" sz="3600">
+              <a:defRPr sz="3600" b="1">
                 <a:solidFill>
                   <a:schemeClr val="accent1"/>
                 </a:solidFill>
@@ -5509,7 +5651,7 @@
               <a:buSzPts val="3600"/>
               <a:buFont typeface="PT Sans Narrow"/>
               <a:buNone/>
-              <a:defRPr b="1" sz="3600">
+              <a:defRPr sz="3600" b="1">
                 <a:solidFill>
                   <a:schemeClr val="accent1"/>
                 </a:solidFill>
@@ -5532,7 +5674,7 @@
               <a:buSzPts val="3600"/>
               <a:buFont typeface="PT Sans Narrow"/>
               <a:buNone/>
-              <a:defRPr b="1" sz="3600">
+              <a:defRPr sz="3600" b="1">
                 <a:solidFill>
                   <a:schemeClr val="accent1"/>
                 </a:solidFill>
@@ -5555,7 +5697,7 @@
               <a:buSzPts val="3600"/>
               <a:buFont typeface="PT Sans Narrow"/>
               <a:buNone/>
-              <a:defRPr b="1" sz="3600">
+              <a:defRPr sz="3600" b="1">
                 <a:solidFill>
                   <a:schemeClr val="accent1"/>
                 </a:solidFill>
@@ -5578,7 +5720,7 @@
               <a:buSzPts val="3600"/>
               <a:buFont typeface="PT Sans Narrow"/>
               <a:buNone/>
-              <a:defRPr b="1" sz="3600">
+              <a:defRPr sz="3600" b="1">
                 <a:solidFill>
                   <a:schemeClr val="accent1"/>
                 </a:solidFill>
@@ -5601,7 +5743,7 @@
               <a:buSzPts val="3600"/>
               <a:buFont typeface="PT Sans Narrow"/>
               <a:buNone/>
-              <a:defRPr b="1" sz="3600">
+              <a:defRPr sz="3600" b="1">
                 <a:solidFill>
                   <a:schemeClr val="accent1"/>
                 </a:solidFill>
@@ -5612,15 +5754,19 @@
               </a:defRPr>
             </a:lvl9pPr>
           </a:lstStyle>
-          <a:p/>
+          <a:p>
+            <a:endParaRPr/>
+          </a:p>
         </p:txBody>
       </p:sp>
       <p:sp>
         <p:nvSpPr>
           <p:cNvPr id="7" name="Shape 7"/>
-          <p:cNvSpPr txBox="1"/>
+          <p:cNvSpPr txBox="1">
+            <a:spLocks noGrp="1"/>
+          </p:cNvSpPr>
           <p:nvPr>
-            <p:ph idx="1" type="body"/>
+            <p:ph type="body" idx="1"/>
           </p:nvPr>
         </p:nvSpPr>
         <p:spPr>
@@ -5637,9 +5783,9 @@
           </a:ln>
         </p:spPr>
         <p:txBody>
-          <a:bodyPr anchorCtr="0" anchor="t" bIns="91425" lIns="91425" spcFirstLastPara="1" rIns="91425" wrap="square" tIns="91425"/>
+          <a:bodyPr spcFirstLastPara="1" wrap="square" lIns="91425" tIns="91425" rIns="91425" bIns="91425" anchor="t" anchorCtr="0"/>
           <a:lstStyle>
-            <a:lvl1pPr indent="-342900" lvl="0" marL="457200">
+            <a:lvl1pPr marL="457200" lvl="0" indent="-342900">
               <a:lnSpc>
                 <a:spcPct val="115000"/>
               </a:lnSpc>
@@ -5665,7 +5811,7 @@
                 <a:sym typeface="Open Sans"/>
               </a:defRPr>
             </a:lvl1pPr>
-            <a:lvl2pPr indent="-317500" lvl="1" marL="914400">
+            <a:lvl2pPr marL="914400" lvl="1" indent="-317500">
               <a:lnSpc>
                 <a:spcPct val="115000"/>
               </a:lnSpc>
@@ -5691,7 +5837,7 @@
                 <a:sym typeface="Open Sans"/>
               </a:defRPr>
             </a:lvl2pPr>
-            <a:lvl3pPr indent="-317500" lvl="2" marL="1371600">
+            <a:lvl3pPr marL="1371600" lvl="2" indent="-317500">
               <a:lnSpc>
                 <a:spcPct val="115000"/>
               </a:lnSpc>
@@ -5717,7 +5863,7 @@
                 <a:sym typeface="Open Sans"/>
               </a:defRPr>
             </a:lvl3pPr>
-            <a:lvl4pPr indent="-317500" lvl="3" marL="1828800">
+            <a:lvl4pPr marL="1828800" lvl="3" indent="-317500">
               <a:lnSpc>
                 <a:spcPct val="115000"/>
               </a:lnSpc>
@@ -5743,7 +5889,7 @@
                 <a:sym typeface="Open Sans"/>
               </a:defRPr>
             </a:lvl4pPr>
-            <a:lvl5pPr indent="-317500" lvl="4" marL="2286000">
+            <a:lvl5pPr marL="2286000" lvl="4" indent="-317500">
               <a:lnSpc>
                 <a:spcPct val="115000"/>
               </a:lnSpc>
@@ -5769,7 +5915,7 @@
                 <a:sym typeface="Open Sans"/>
               </a:defRPr>
             </a:lvl5pPr>
-            <a:lvl6pPr indent="-317500" lvl="5" marL="2743200">
+            <a:lvl6pPr marL="2743200" lvl="5" indent="-317500">
               <a:lnSpc>
                 <a:spcPct val="115000"/>
               </a:lnSpc>
@@ -5795,7 +5941,7 @@
                 <a:sym typeface="Open Sans"/>
               </a:defRPr>
             </a:lvl6pPr>
-            <a:lvl7pPr indent="-317500" lvl="6" marL="3200400">
+            <a:lvl7pPr marL="3200400" lvl="6" indent="-317500">
               <a:lnSpc>
                 <a:spcPct val="115000"/>
               </a:lnSpc>
@@ -5821,7 +5967,7 @@
                 <a:sym typeface="Open Sans"/>
               </a:defRPr>
             </a:lvl7pPr>
-            <a:lvl8pPr indent="-317500" lvl="7" marL="3657600">
+            <a:lvl8pPr marL="3657600" lvl="7" indent="-317500">
               <a:lnSpc>
                 <a:spcPct val="115000"/>
               </a:lnSpc>
@@ -5847,7 +5993,7 @@
                 <a:sym typeface="Open Sans"/>
               </a:defRPr>
             </a:lvl8pPr>
-            <a:lvl9pPr indent="-317500" lvl="8" marL="4114800">
+            <a:lvl9pPr marL="4114800" lvl="8" indent="-317500">
               <a:lnSpc>
                 <a:spcPct val="115000"/>
               </a:lnSpc>
@@ -5874,15 +6020,19 @@
               </a:defRPr>
             </a:lvl9pPr>
           </a:lstStyle>
-          <a:p/>
+          <a:p>
+            <a:endParaRPr/>
+          </a:p>
         </p:txBody>
       </p:sp>
       <p:sp>
         <p:nvSpPr>
           <p:cNvPr id="8" name="Shape 8"/>
-          <p:cNvSpPr txBox="1"/>
+          <p:cNvSpPr txBox="1">
+            <a:spLocks noGrp="1"/>
+          </p:cNvSpPr>
           <p:nvPr>
-            <p:ph idx="12" type="sldNum"/>
+            <p:ph type="sldNum" idx="12"/>
           </p:nvPr>
         </p:nvSpPr>
         <p:spPr>
@@ -5899,7 +6049,7 @@
           </a:ln>
         </p:spPr>
         <p:txBody>
-          <a:bodyPr anchorCtr="0" anchor="ctr" bIns="91425" lIns="91425" spcFirstLastPara="1" rIns="91425" wrap="square" tIns="91425">
+          <a:bodyPr spcFirstLastPara="1" wrap="square" lIns="91425" tIns="91425" rIns="91425" bIns="91425" anchor="ctr" anchorCtr="0">
             <a:noAutofit/>
           </a:bodyPr>
           <a:lstStyle>
@@ -6013,7 +6163,7 @@
             </a:lvl9pPr>
           </a:lstStyle>
           <a:p>
-            <a:pPr indent="0" lvl="0" marL="0">
+            <a:pPr marL="0" lvl="0" indent="0">
               <a:spcBef>
                 <a:spcPts val="0"/>
               </a:spcBef>
@@ -6032,7 +6182,7 @@
       </p:sp>
     </p:spTree>
   </p:cSld>
-  <p:clrMap accent1="accent1" accent2="accent2" accent3="accent3" accent4="accent4" accent5="accent5" accent6="accent6" bg1="lt1" bg2="dk2" tx1="dk1" tx2="lt2" folHlink="folHlink" hlink="hlink"/>
+  <p:clrMap bg1="lt1" tx1="dk1" bg2="dk2" tx2="lt2" accent1="accent1" accent2="accent2" accent3="accent3" accent4="accent4" accent5="accent5" accent6="accent6" hlink="hlink" folHlink="folHlink"/>
   <p:sldLayoutIdLst>
     <p:sldLayoutId id="2147483648" r:id="rId1"/>
     <p:sldLayoutId id="2147483649" r:id="rId2"/>
@@ -6046,10 +6196,10 @@
     <p:sldLayoutId id="2147483657" r:id="rId10"/>
     <p:sldLayoutId id="2147483658" r:id="rId11"/>
   </p:sldLayoutIdLst>
-  <p:hf dt="0" ftr="0" hdr="0" sldNum="0"/>
+  <p:hf sldNum="0" hdr="0" ftr="0" dt="0"/>
   <p:txStyles>
     <p:titleStyle>
-      <a:defPPr lvl="0" marR="0" rtl="0" algn="l">
+      <a:defPPr marR="0" lvl="0" algn="l" rtl="0">
         <a:lnSpc>
           <a:spcPct val="100000"/>
         </a:lnSpc>
@@ -6060,7 +6210,7 @@
           <a:spcPts val="0"/>
         </a:spcAft>
       </a:defPPr>
-      <a:lvl1pPr lvl="0" marR="0" rtl="0" algn="l">
+      <a:lvl1pPr marR="0" lvl="0" algn="l" rtl="0">
         <a:lnSpc>
           <a:spcPct val="100000"/>
         </a:lnSpc>
@@ -6074,7 +6224,7 @@
           <a:srgbClr val="000000"/>
         </a:buClr>
         <a:buFont typeface="Arial"/>
-        <a:defRPr b="0" i="0" sz="1400" u="none" cap="none" strike="noStrike">
+        <a:defRPr sz="1400" b="0" i="0" u="none" strike="noStrike" cap="none">
           <a:solidFill>
             <a:srgbClr val="000000"/>
           </a:solidFill>
@@ -6084,7 +6234,7 @@
           <a:sym typeface="Arial"/>
         </a:defRPr>
       </a:lvl1pPr>
-      <a:lvl2pPr lvl="1" marR="0" rtl="0" algn="l">
+      <a:lvl2pPr marR="0" lvl="1" algn="l" rtl="0">
         <a:lnSpc>
           <a:spcPct val="100000"/>
         </a:lnSpc>
@@ -6098,7 +6248,7 @@
           <a:srgbClr val="000000"/>
         </a:buClr>
         <a:buFont typeface="Arial"/>
-        <a:defRPr b="0" i="0" sz="1400" u="none" cap="none" strike="noStrike">
+        <a:defRPr sz="1400" b="0" i="0" u="none" strike="noStrike" cap="none">
           <a:solidFill>
             <a:srgbClr val="000000"/>
           </a:solidFill>
@@ -6108,7 +6258,7 @@
           <a:sym typeface="Arial"/>
         </a:defRPr>
       </a:lvl2pPr>
-      <a:lvl3pPr lvl="2" marR="0" rtl="0" algn="l">
+      <a:lvl3pPr marR="0" lvl="2" algn="l" rtl="0">
         <a:lnSpc>
           <a:spcPct val="100000"/>
         </a:lnSpc>
@@ -6122,7 +6272,7 @@
           <a:srgbClr val="000000"/>
         </a:buClr>
         <a:buFont typeface="Arial"/>
-        <a:defRPr b="0" i="0" sz="1400" u="none" cap="none" strike="noStrike">
+        <a:defRPr sz="1400" b="0" i="0" u="none" strike="noStrike" cap="none">
           <a:solidFill>
             <a:srgbClr val="000000"/>
           </a:solidFill>
@@ -6132,7 +6282,7 @@
           <a:sym typeface="Arial"/>
         </a:defRPr>
       </a:lvl3pPr>
-      <a:lvl4pPr lvl="3" marR="0" rtl="0" algn="l">
+      <a:lvl4pPr marR="0" lvl="3" algn="l" rtl="0">
         <a:lnSpc>
           <a:spcPct val="100000"/>
         </a:lnSpc>
@@ -6146,7 +6296,7 @@
           <a:srgbClr val="000000"/>
         </a:buClr>
         <a:buFont typeface="Arial"/>
-        <a:defRPr b="0" i="0" sz="1400" u="none" cap="none" strike="noStrike">
+        <a:defRPr sz="1400" b="0" i="0" u="none" strike="noStrike" cap="none">
           <a:solidFill>
             <a:srgbClr val="000000"/>
           </a:solidFill>
@@ -6156,7 +6306,7 @@
           <a:sym typeface="Arial"/>
         </a:defRPr>
       </a:lvl4pPr>
-      <a:lvl5pPr lvl="4" marR="0" rtl="0" algn="l">
+      <a:lvl5pPr marR="0" lvl="4" algn="l" rtl="0">
         <a:lnSpc>
           <a:spcPct val="100000"/>
         </a:lnSpc>
@@ -6170,7 +6320,7 @@
           <a:srgbClr val="000000"/>
         </a:buClr>
         <a:buFont typeface="Arial"/>
-        <a:defRPr b="0" i="0" sz="1400" u="none" cap="none" strike="noStrike">
+        <a:defRPr sz="1400" b="0" i="0" u="none" strike="noStrike" cap="none">
           <a:solidFill>
             <a:srgbClr val="000000"/>
           </a:solidFill>
@@ -6180,7 +6330,7 @@
           <a:sym typeface="Arial"/>
         </a:defRPr>
       </a:lvl5pPr>
-      <a:lvl6pPr lvl="5" marR="0" rtl="0" algn="l">
+      <a:lvl6pPr marR="0" lvl="5" algn="l" rtl="0">
         <a:lnSpc>
           <a:spcPct val="100000"/>
         </a:lnSpc>
@@ -6194,7 +6344,7 @@
           <a:srgbClr val="000000"/>
         </a:buClr>
         <a:buFont typeface="Arial"/>
-        <a:defRPr b="0" i="0" sz="1400" u="none" cap="none" strike="noStrike">
+        <a:defRPr sz="1400" b="0" i="0" u="none" strike="noStrike" cap="none">
           <a:solidFill>
             <a:srgbClr val="000000"/>
           </a:solidFill>
@@ -6204,7 +6354,7 @@
           <a:sym typeface="Arial"/>
         </a:defRPr>
       </a:lvl6pPr>
-      <a:lvl7pPr lvl="6" marR="0" rtl="0" algn="l">
+      <a:lvl7pPr marR="0" lvl="6" algn="l" rtl="0">
         <a:lnSpc>
           <a:spcPct val="100000"/>
         </a:lnSpc>
@@ -6218,7 +6368,7 @@
           <a:srgbClr val="000000"/>
         </a:buClr>
         <a:buFont typeface="Arial"/>
-        <a:defRPr b="0" i="0" sz="1400" u="none" cap="none" strike="noStrike">
+        <a:defRPr sz="1400" b="0" i="0" u="none" strike="noStrike" cap="none">
           <a:solidFill>
             <a:srgbClr val="000000"/>
           </a:solidFill>
@@ -6228,7 +6378,7 @@
           <a:sym typeface="Arial"/>
         </a:defRPr>
       </a:lvl7pPr>
-      <a:lvl8pPr lvl="7" marR="0" rtl="0" algn="l">
+      <a:lvl8pPr marR="0" lvl="7" algn="l" rtl="0">
         <a:lnSpc>
           <a:spcPct val="100000"/>
         </a:lnSpc>
@@ -6242,7 +6392,7 @@
           <a:srgbClr val="000000"/>
         </a:buClr>
         <a:buFont typeface="Arial"/>
-        <a:defRPr b="0" i="0" sz="1400" u="none" cap="none" strike="noStrike">
+        <a:defRPr sz="1400" b="0" i="0" u="none" strike="noStrike" cap="none">
           <a:solidFill>
             <a:srgbClr val="000000"/>
           </a:solidFill>
@@ -6252,7 +6402,7 @@
           <a:sym typeface="Arial"/>
         </a:defRPr>
       </a:lvl8pPr>
-      <a:lvl9pPr lvl="8" marR="0" rtl="0" algn="l">
+      <a:lvl9pPr marR="0" lvl="8" algn="l" rtl="0">
         <a:lnSpc>
           <a:spcPct val="100000"/>
         </a:lnSpc>
@@ -6266,7 +6416,7 @@
           <a:srgbClr val="000000"/>
         </a:buClr>
         <a:buFont typeface="Arial"/>
-        <a:defRPr b="0" i="0" sz="1400" u="none" cap="none" strike="noStrike">
+        <a:defRPr sz="1400" b="0" i="0" u="none" strike="noStrike" cap="none">
           <a:solidFill>
             <a:srgbClr val="000000"/>
           </a:solidFill>
@@ -6278,7 +6428,7 @@
       </a:lvl9pPr>
     </p:titleStyle>
     <p:bodyStyle>
-      <a:defPPr lvl="0" marR="0" rtl="0" algn="l">
+      <a:defPPr marR="0" lvl="0" algn="l" rtl="0">
         <a:lnSpc>
           <a:spcPct val="100000"/>
         </a:lnSpc>
@@ -6289,7 +6439,7 @@
           <a:spcPts val="0"/>
         </a:spcAft>
       </a:defPPr>
-      <a:lvl1pPr lvl="0" marR="0" rtl="0" algn="l">
+      <a:lvl1pPr marR="0" lvl="0" algn="l" rtl="0">
         <a:lnSpc>
           <a:spcPct val="100000"/>
         </a:lnSpc>
@@ -6303,7 +6453,7 @@
           <a:srgbClr val="000000"/>
         </a:buClr>
         <a:buFont typeface="Arial"/>
-        <a:defRPr b="0" i="0" sz="1400" u="none" cap="none" strike="noStrike">
+        <a:defRPr sz="1400" b="0" i="0" u="none" strike="noStrike" cap="none">
           <a:solidFill>
             <a:srgbClr val="000000"/>
           </a:solidFill>
@@ -6313,7 +6463,7 @@
           <a:sym typeface="Arial"/>
         </a:defRPr>
       </a:lvl1pPr>
-      <a:lvl2pPr lvl="1" marR="0" rtl="0" algn="l">
+      <a:lvl2pPr marR="0" lvl="1" algn="l" rtl="0">
         <a:lnSpc>
           <a:spcPct val="100000"/>
         </a:lnSpc>
@@ -6327,7 +6477,7 @@
           <a:srgbClr val="000000"/>
         </a:buClr>
         <a:buFont typeface="Arial"/>
-        <a:defRPr b="0" i="0" sz="1400" u="none" cap="none" strike="noStrike">
+        <a:defRPr sz="1400" b="0" i="0" u="none" strike="noStrike" cap="none">
           <a:solidFill>
             <a:srgbClr val="000000"/>
           </a:solidFill>
@@ -6337,7 +6487,7 @@
           <a:sym typeface="Arial"/>
         </a:defRPr>
       </a:lvl2pPr>
-      <a:lvl3pPr lvl="2" marR="0" rtl="0" algn="l">
+      <a:lvl3pPr marR="0" lvl="2" algn="l" rtl="0">
         <a:lnSpc>
           <a:spcPct val="100000"/>
         </a:lnSpc>
@@ -6351,7 +6501,7 @@
           <a:srgbClr val="000000"/>
         </a:buClr>
         <a:buFont typeface="Arial"/>
-        <a:defRPr b="0" i="0" sz="1400" u="none" cap="none" strike="noStrike">
+        <a:defRPr sz="1400" b="0" i="0" u="none" strike="noStrike" cap="none">
           <a:solidFill>
             <a:srgbClr val="000000"/>
           </a:solidFill>
@@ -6361,7 +6511,7 @@
           <a:sym typeface="Arial"/>
         </a:defRPr>
       </a:lvl3pPr>
-      <a:lvl4pPr lvl="3" marR="0" rtl="0" algn="l">
+      <a:lvl4pPr marR="0" lvl="3" algn="l" rtl="0">
         <a:lnSpc>
           <a:spcPct val="100000"/>
         </a:lnSpc>
@@ -6375,7 +6525,7 @@
           <a:srgbClr val="000000"/>
         </a:buClr>
         <a:buFont typeface="Arial"/>
-        <a:defRPr b="0" i="0" sz="1400" u="none" cap="none" strike="noStrike">
+        <a:defRPr sz="1400" b="0" i="0" u="none" strike="noStrike" cap="none">
           <a:solidFill>
             <a:srgbClr val="000000"/>
           </a:solidFill>
@@ -6385,7 +6535,7 @@
           <a:sym typeface="Arial"/>
         </a:defRPr>
       </a:lvl4pPr>
-      <a:lvl5pPr lvl="4" marR="0" rtl="0" algn="l">
+      <a:lvl5pPr marR="0" lvl="4" algn="l" rtl="0">
         <a:lnSpc>
           <a:spcPct val="100000"/>
         </a:lnSpc>
@@ -6399,7 +6549,7 @@
           <a:srgbClr val="000000"/>
         </a:buClr>
         <a:buFont typeface="Arial"/>
-        <a:defRPr b="0" i="0" sz="1400" u="none" cap="none" strike="noStrike">
+        <a:defRPr sz="1400" b="0" i="0" u="none" strike="noStrike" cap="none">
           <a:solidFill>
             <a:srgbClr val="000000"/>
           </a:solidFill>
@@ -6409,7 +6559,7 @@
           <a:sym typeface="Arial"/>
         </a:defRPr>
       </a:lvl5pPr>
-      <a:lvl6pPr lvl="5" marR="0" rtl="0" algn="l">
+      <a:lvl6pPr marR="0" lvl="5" algn="l" rtl="0">
         <a:lnSpc>
           <a:spcPct val="100000"/>
         </a:lnSpc>
@@ -6423,7 +6573,7 @@
           <a:srgbClr val="000000"/>
         </a:buClr>
         <a:buFont typeface="Arial"/>
-        <a:defRPr b="0" i="0" sz="1400" u="none" cap="none" strike="noStrike">
+        <a:defRPr sz="1400" b="0" i="0" u="none" strike="noStrike" cap="none">
           <a:solidFill>
             <a:srgbClr val="000000"/>
           </a:solidFill>
@@ -6433,7 +6583,7 @@
           <a:sym typeface="Arial"/>
         </a:defRPr>
       </a:lvl6pPr>
-      <a:lvl7pPr lvl="6" marR="0" rtl="0" algn="l">
+      <a:lvl7pPr marR="0" lvl="6" algn="l" rtl="0">
         <a:lnSpc>
           <a:spcPct val="100000"/>
         </a:lnSpc>
@@ -6447,7 +6597,7 @@
           <a:srgbClr val="000000"/>
         </a:buClr>
         <a:buFont typeface="Arial"/>
-        <a:defRPr b="0" i="0" sz="1400" u="none" cap="none" strike="noStrike">
+        <a:defRPr sz="1400" b="0" i="0" u="none" strike="noStrike" cap="none">
           <a:solidFill>
             <a:srgbClr val="000000"/>
           </a:solidFill>
@@ -6457,7 +6607,7 @@
           <a:sym typeface="Arial"/>
         </a:defRPr>
       </a:lvl7pPr>
-      <a:lvl8pPr lvl="7" marR="0" rtl="0" algn="l">
+      <a:lvl8pPr marR="0" lvl="7" algn="l" rtl="0">
         <a:lnSpc>
           <a:spcPct val="100000"/>
         </a:lnSpc>
@@ -6471,7 +6621,7 @@
           <a:srgbClr val="000000"/>
         </a:buClr>
         <a:buFont typeface="Arial"/>
-        <a:defRPr b="0" i="0" sz="1400" u="none" cap="none" strike="noStrike">
+        <a:defRPr sz="1400" b="0" i="0" u="none" strike="noStrike" cap="none">
           <a:solidFill>
             <a:srgbClr val="000000"/>
           </a:solidFill>
@@ -6481,7 +6631,7 @@
           <a:sym typeface="Arial"/>
         </a:defRPr>
       </a:lvl8pPr>
-      <a:lvl9pPr lvl="8" marR="0" rtl="0" algn="l">
+      <a:lvl9pPr marR="0" lvl="8" algn="l" rtl="0">
         <a:lnSpc>
           <a:spcPct val="100000"/>
         </a:lnSpc>
@@ -6495,7 +6645,7 @@
           <a:srgbClr val="000000"/>
         </a:buClr>
         <a:buFont typeface="Arial"/>
-        <a:defRPr b="0" i="0" sz="1400" u="none" cap="none" strike="noStrike">
+        <a:defRPr sz="1400" b="0" i="0" u="none" strike="noStrike" cap="none">
           <a:solidFill>
             <a:srgbClr val="000000"/>
           </a:solidFill>
@@ -6507,7 +6657,7 @@
       </a:lvl9pPr>
     </p:bodyStyle>
     <p:otherStyle>
-      <a:defPPr lvl="0" marR="0" rtl="0" algn="l">
+      <a:defPPr marR="0" lvl="0" algn="l" rtl="0">
         <a:lnSpc>
           <a:spcPct val="100000"/>
         </a:lnSpc>
@@ -6518,7 +6668,7 @@
           <a:spcPts val="0"/>
         </a:spcAft>
       </a:defPPr>
-      <a:lvl1pPr lvl="0" marR="0" rtl="0" algn="l">
+      <a:lvl1pPr marR="0" lvl="0" algn="l" rtl="0">
         <a:lnSpc>
           <a:spcPct val="100000"/>
         </a:lnSpc>
@@ -6532,7 +6682,7 @@
           <a:srgbClr val="000000"/>
         </a:buClr>
         <a:buFont typeface="Arial"/>
-        <a:defRPr b="0" i="0" sz="1400" u="none" cap="none" strike="noStrike">
+        <a:defRPr sz="1400" b="0" i="0" u="none" strike="noStrike" cap="none">
           <a:solidFill>
             <a:srgbClr val="000000"/>
           </a:solidFill>
@@ -6542,7 +6692,7 @@
           <a:sym typeface="Arial"/>
         </a:defRPr>
       </a:lvl1pPr>
-      <a:lvl2pPr lvl="1" marR="0" rtl="0" algn="l">
+      <a:lvl2pPr marR="0" lvl="1" algn="l" rtl="0">
         <a:lnSpc>
           <a:spcPct val="100000"/>
         </a:lnSpc>
@@ -6556,7 +6706,7 @@
           <a:srgbClr val="000000"/>
         </a:buClr>
         <a:buFont typeface="Arial"/>
-        <a:defRPr b="0" i="0" sz="1400" u="none" cap="none" strike="noStrike">
+        <a:defRPr sz="1400" b="0" i="0" u="none" strike="noStrike" cap="none">
           <a:solidFill>
             <a:srgbClr val="000000"/>
           </a:solidFill>
@@ -6566,7 +6716,7 @@
           <a:sym typeface="Arial"/>
         </a:defRPr>
       </a:lvl2pPr>
-      <a:lvl3pPr lvl="2" marR="0" rtl="0" algn="l">
+      <a:lvl3pPr marR="0" lvl="2" algn="l" rtl="0">
         <a:lnSpc>
           <a:spcPct val="100000"/>
         </a:lnSpc>
@@ -6580,7 +6730,7 @@
           <a:srgbClr val="000000"/>
         </a:buClr>
         <a:buFont typeface="Arial"/>
-        <a:defRPr b="0" i="0" sz="1400" u="none" cap="none" strike="noStrike">
+        <a:defRPr sz="1400" b="0" i="0" u="none" strike="noStrike" cap="none">
           <a:solidFill>
             <a:srgbClr val="000000"/>
           </a:solidFill>
@@ -6590,7 +6740,7 @@
           <a:sym typeface="Arial"/>
         </a:defRPr>
       </a:lvl3pPr>
-      <a:lvl4pPr lvl="3" marR="0" rtl="0" algn="l">
+      <a:lvl4pPr marR="0" lvl="3" algn="l" rtl="0">
         <a:lnSpc>
           <a:spcPct val="100000"/>
         </a:lnSpc>
@@ -6604,7 +6754,7 @@
           <a:srgbClr val="000000"/>
         </a:buClr>
         <a:buFont typeface="Arial"/>
-        <a:defRPr b="0" i="0" sz="1400" u="none" cap="none" strike="noStrike">
+        <a:defRPr sz="1400" b="0" i="0" u="none" strike="noStrike" cap="none">
           <a:solidFill>
             <a:srgbClr val="000000"/>
           </a:solidFill>
@@ -6614,7 +6764,7 @@
           <a:sym typeface="Arial"/>
         </a:defRPr>
       </a:lvl4pPr>
-      <a:lvl5pPr lvl="4" marR="0" rtl="0" algn="l">
+      <a:lvl5pPr marR="0" lvl="4" algn="l" rtl="0">
         <a:lnSpc>
           <a:spcPct val="100000"/>
         </a:lnSpc>
@@ -6628,7 +6778,7 @@
           <a:srgbClr val="000000"/>
         </a:buClr>
         <a:buFont typeface="Arial"/>
-        <a:defRPr b="0" i="0" sz="1400" u="none" cap="none" strike="noStrike">
+        <a:defRPr sz="1400" b="0" i="0" u="none" strike="noStrike" cap="none">
           <a:solidFill>
             <a:srgbClr val="000000"/>
           </a:solidFill>
@@ -6638,7 +6788,7 @@
           <a:sym typeface="Arial"/>
         </a:defRPr>
       </a:lvl5pPr>
-      <a:lvl6pPr lvl="5" marR="0" rtl="0" algn="l">
+      <a:lvl6pPr marR="0" lvl="5" algn="l" rtl="0">
         <a:lnSpc>
           <a:spcPct val="100000"/>
         </a:lnSpc>
@@ -6652,7 +6802,7 @@
           <a:srgbClr val="000000"/>
         </a:buClr>
         <a:buFont typeface="Arial"/>
-        <a:defRPr b="0" i="0" sz="1400" u="none" cap="none" strike="noStrike">
+        <a:defRPr sz="1400" b="0" i="0" u="none" strike="noStrike" cap="none">
           <a:solidFill>
             <a:srgbClr val="000000"/>
           </a:solidFill>
@@ -6662,7 +6812,7 @@
           <a:sym typeface="Arial"/>
         </a:defRPr>
       </a:lvl6pPr>
-      <a:lvl7pPr lvl="6" marR="0" rtl="0" algn="l">
+      <a:lvl7pPr marR="0" lvl="6" algn="l" rtl="0">
         <a:lnSpc>
           <a:spcPct val="100000"/>
         </a:lnSpc>
@@ -6676,7 +6826,7 @@
           <a:srgbClr val="000000"/>
         </a:buClr>
         <a:buFont typeface="Arial"/>
-        <a:defRPr b="0" i="0" sz="1400" u="none" cap="none" strike="noStrike">
+        <a:defRPr sz="1400" b="0" i="0" u="none" strike="noStrike" cap="none">
           <a:solidFill>
             <a:srgbClr val="000000"/>
           </a:solidFill>
@@ -6686,7 +6836,7 @@
           <a:sym typeface="Arial"/>
         </a:defRPr>
       </a:lvl7pPr>
-      <a:lvl8pPr lvl="7" marR="0" rtl="0" algn="l">
+      <a:lvl8pPr marR="0" lvl="7" algn="l" rtl="0">
         <a:lnSpc>
           <a:spcPct val="100000"/>
         </a:lnSpc>
@@ -6700,7 +6850,7 @@
           <a:srgbClr val="000000"/>
         </a:buClr>
         <a:buFont typeface="Arial"/>
-        <a:defRPr b="0" i="0" sz="1400" u="none" cap="none" strike="noStrike">
+        <a:defRPr sz="1400" b="0" i="0" u="none" strike="noStrike" cap="none">
           <a:solidFill>
             <a:srgbClr val="000000"/>
           </a:solidFill>
@@ -6710,7 +6860,7 @@
           <a:sym typeface="Arial"/>
         </a:defRPr>
       </a:lvl8pPr>
-      <a:lvl9pPr lvl="8" marR="0" rtl="0" algn="l">
+      <a:lvl9pPr marR="0" lvl="8" algn="l" rtl="0">
         <a:lnSpc>
           <a:spcPct val="100000"/>
         </a:lnSpc>
@@ -6724,7 +6874,7 @@
           <a:srgbClr val="000000"/>
         </a:buClr>
         <a:buFont typeface="Arial"/>
-        <a:defRPr b="0" i="0" sz="1400" u="none" cap="none" strike="noStrike">
+        <a:defRPr sz="1400" b="0" i="0" u="none" strike="noStrike" cap="none">
           <a:solidFill>
             <a:srgbClr val="000000"/>
           </a:solidFill>
@@ -6740,11 +6890,11 @@
 </file>
 
 <file path=ppt/slides/slide1.xml><?xml version="1.0" encoding="utf-8"?>
-<p:sld xmlns:a="http://schemas.openxmlformats.org/drawingml/2006/main" xmlns:r="http://schemas.openxmlformats.org/officeDocument/2006/relationships" xmlns:mc="http://schemas.openxmlformats.org/markup-compatibility/2006" xmlns:mv="urn:schemas-microsoft-com:mac:vml" xmlns:p="http://schemas.openxmlformats.org/presentationml/2006/main" xmlns:c="http://schemas.openxmlformats.org/drawingml/2006/chart" xmlns:dgm="http://schemas.openxmlformats.org/drawingml/2006/diagram" xmlns:o="urn:schemas-microsoft-com:office:office" xmlns:v="urn:schemas-microsoft-com:vml" xmlns:pvml="urn:schemas-microsoft-com:office:powerpoint" xmlns:com="http://schemas.openxmlformats.org/drawingml/2006/compatibility" xmlns:p14="http://schemas.microsoft.com/office/powerpoint/2010/main" xmlns:p15="http://schemas.microsoft.com/office/powerpoint/2012/main">
+<p:sld xmlns:a="http://schemas.openxmlformats.org/drawingml/2006/main" xmlns:r="http://schemas.openxmlformats.org/officeDocument/2006/relationships" xmlns:p="http://schemas.openxmlformats.org/presentationml/2006/main">
   <p:cSld>
     <p:spTree>
       <p:nvGrpSpPr>
-        <p:cNvPr id="65" name="Shape 65"/>
+        <p:cNvPr id="1" name="Shape 65"/>
         <p:cNvGrpSpPr/>
         <p:nvPr/>
       </p:nvGrpSpPr>
@@ -6759,7 +6909,9 @@
       <p:sp>
         <p:nvSpPr>
           <p:cNvPr id="66" name="Shape 66"/>
-          <p:cNvSpPr txBox="1"/>
+          <p:cNvSpPr txBox="1">
+            <a:spLocks noGrp="1"/>
+          </p:cNvSpPr>
           <p:nvPr>
             <p:ph type="ctrTitle"/>
           </p:nvPr>
@@ -6774,12 +6926,12 @@
           </a:prstGeom>
         </p:spPr>
         <p:txBody>
-          <a:bodyPr anchorCtr="0" anchor="b" bIns="91425" lIns="91425" spcFirstLastPara="1" rIns="91425" wrap="square" tIns="91425">
+          <a:bodyPr spcFirstLastPara="1" wrap="square" lIns="91425" tIns="91425" rIns="91425" bIns="91425" anchor="b" anchorCtr="0">
             <a:noAutofit/>
           </a:bodyPr>
           <a:lstStyle/>
           <a:p>
-            <a:pPr indent="0" lvl="0" marL="0">
+            <a:pPr marL="0" lvl="0" indent="0">
               <a:spcBef>
                 <a:spcPts val="0"/>
               </a:spcBef>
@@ -6799,9 +6951,11 @@
       <p:sp>
         <p:nvSpPr>
           <p:cNvPr id="67" name="Shape 67"/>
-          <p:cNvSpPr txBox="1"/>
+          <p:cNvSpPr txBox="1">
+            <a:spLocks noGrp="1"/>
+          </p:cNvSpPr>
           <p:nvPr>
-            <p:ph idx="1" type="subTitle"/>
+            <p:ph type="subTitle" idx="1"/>
           </p:nvPr>
         </p:nvSpPr>
         <p:spPr>
@@ -6814,12 +6968,12 @@
           </a:prstGeom>
         </p:spPr>
         <p:txBody>
-          <a:bodyPr anchorCtr="0" anchor="t" bIns="91425" lIns="91425" spcFirstLastPara="1" rIns="91425" wrap="square" tIns="91425">
+          <a:bodyPr spcFirstLastPara="1" wrap="square" lIns="91425" tIns="91425" rIns="91425" bIns="91425" anchor="t" anchorCtr="0">
             <a:noAutofit/>
           </a:bodyPr>
           <a:lstStyle/>
           <a:p>
-            <a:pPr indent="0" lvl="0" marL="0">
+            <a:pPr marL="0" lvl="0" indent="0">
               <a:spcBef>
                 <a:spcPts val="0"/>
               </a:spcBef>
@@ -6829,10 +6983,18 @@
               <a:buNone/>
             </a:pPr>
             <a:r>
+              <a:rPr lang="en" dirty="0"/>
+              <a:t>Akhil Thuthika, Liam </a:t>
+            </a:r>
+            <a:r>
+              <a:rPr lang="en-US"/>
+              <a:t>Edelman</a:t>
+            </a:r>
+            <a:r>
               <a:rPr lang="en"/>
-              <a:t>Akhil Thuthika, Liam, Corey Habel, Duong Le</a:t>
+              <a:t>, Corey Habel, Duong Le</a:t>
             </a:r>
-            <a:endParaRPr/>
+            <a:endParaRPr dirty="0"/>
           </a:p>
         </p:txBody>
       </p:sp>
@@ -6845,11 +7007,11 @@
 </file>
 
 <file path=ppt/slides/slide2.xml><?xml version="1.0" encoding="utf-8"?>
-<p:sld xmlns:a="http://schemas.openxmlformats.org/drawingml/2006/main" xmlns:r="http://schemas.openxmlformats.org/officeDocument/2006/relationships" xmlns:mc="http://schemas.openxmlformats.org/markup-compatibility/2006" xmlns:mv="urn:schemas-microsoft-com:mac:vml" xmlns:p="http://schemas.openxmlformats.org/presentationml/2006/main" xmlns:c="http://schemas.openxmlformats.org/drawingml/2006/chart" xmlns:dgm="http://schemas.openxmlformats.org/drawingml/2006/diagram" xmlns:o="urn:schemas-microsoft-com:office:office" xmlns:v="urn:schemas-microsoft-com:vml" xmlns:pvml="urn:schemas-microsoft-com:office:powerpoint" xmlns:com="http://schemas.openxmlformats.org/drawingml/2006/compatibility" xmlns:p14="http://schemas.microsoft.com/office/powerpoint/2010/main" xmlns:p15="http://schemas.microsoft.com/office/powerpoint/2012/main">
+<p:sld xmlns:a="http://schemas.openxmlformats.org/drawingml/2006/main" xmlns:r="http://schemas.openxmlformats.org/officeDocument/2006/relationships" xmlns:p="http://schemas.openxmlformats.org/presentationml/2006/main">
   <p:cSld>
     <p:spTree>
       <p:nvGrpSpPr>
-        <p:cNvPr id="71" name="Shape 71"/>
+        <p:cNvPr id="1" name="Shape 71"/>
         <p:cNvGrpSpPr/>
         <p:nvPr/>
       </p:nvGrpSpPr>
@@ -6864,7 +7026,9 @@
       <p:sp>
         <p:nvSpPr>
           <p:cNvPr id="72" name="Shape 72"/>
-          <p:cNvSpPr txBox="1"/>
+          <p:cNvSpPr txBox="1">
+            <a:spLocks noGrp="1"/>
+          </p:cNvSpPr>
           <p:nvPr>
             <p:ph type="title"/>
           </p:nvPr>
@@ -6879,12 +7043,12 @@
           </a:prstGeom>
         </p:spPr>
         <p:txBody>
-          <a:bodyPr anchorCtr="0" anchor="t" bIns="91425" lIns="91425" spcFirstLastPara="1" rIns="91425" wrap="square" tIns="91425">
+          <a:bodyPr spcFirstLastPara="1" wrap="square" lIns="91425" tIns="91425" rIns="91425" bIns="91425" anchor="t" anchorCtr="0">
             <a:noAutofit/>
           </a:bodyPr>
           <a:lstStyle/>
           <a:p>
-            <a:pPr indent="0" lvl="0" marL="0">
+            <a:pPr marL="0" lvl="0" indent="0">
               <a:spcBef>
                 <a:spcPts val="0"/>
               </a:spcBef>
@@ -6904,9 +7068,11 @@
       <p:sp>
         <p:nvSpPr>
           <p:cNvPr id="73" name="Shape 73"/>
-          <p:cNvSpPr txBox="1"/>
+          <p:cNvSpPr txBox="1">
+            <a:spLocks noGrp="1"/>
+          </p:cNvSpPr>
           <p:nvPr>
-            <p:ph idx="1" type="body"/>
+            <p:ph type="body" idx="1"/>
           </p:nvPr>
         </p:nvSpPr>
         <p:spPr>
@@ -6919,12 +7085,12 @@
           </a:prstGeom>
         </p:spPr>
         <p:txBody>
-          <a:bodyPr anchorCtr="0" anchor="t" bIns="91425" lIns="91425" spcFirstLastPara="1" rIns="91425" wrap="square" tIns="91425">
+          <a:bodyPr spcFirstLastPara="1" wrap="square" lIns="91425" tIns="91425" rIns="91425" bIns="91425" anchor="t" anchorCtr="0">
             <a:noAutofit/>
           </a:bodyPr>
           <a:lstStyle/>
           <a:p>
-            <a:pPr indent="-342900" lvl="0" marL="457200" rtl="0">
+            <a:pPr marL="457200" lvl="0" indent="-342900" rtl="0">
               <a:spcBef>
                 <a:spcPts val="0"/>
               </a:spcBef>
@@ -6941,7 +7107,7 @@
             <a:endParaRPr/>
           </a:p>
           <a:p>
-            <a:pPr indent="-342900" lvl="0" marL="457200" rtl="0">
+            <a:pPr marL="457200" lvl="0" indent="-342900" rtl="0">
               <a:spcBef>
                 <a:spcPts val="0"/>
               </a:spcBef>
@@ -6953,16 +7119,12 @@
             </a:pPr>
             <a:r>
               <a:rPr lang="en"/>
-              <a:t>Data sets included the food inspections from City of Chicago and the yelp reviews and </a:t>
-            </a:r>
-            <a:r>
-              <a:rPr lang="en"/>
-              <a:t>restaurants</a:t>
+              <a:t>Data sets included the food inspections from City of Chicago and the yelp reviews and restaurants</a:t>
             </a:r>
             <a:endParaRPr/>
           </a:p>
           <a:p>
-            <a:pPr indent="-342900" lvl="0" marL="457200" rtl="0">
+            <a:pPr marL="457200" lvl="0" indent="-342900" rtl="0">
               <a:spcBef>
                 <a:spcPts val="0"/>
               </a:spcBef>
@@ -6979,7 +7141,7 @@
             <a:endParaRPr/>
           </a:p>
           <a:p>
-            <a:pPr indent="0" lvl="0" marL="0" rtl="0">
+            <a:pPr marL="0" lvl="0" indent="0" rtl="0">
               <a:spcBef>
                 <a:spcPts val="1600"/>
               </a:spcBef>
@@ -6988,9 +7150,6 @@
               </a:spcAft>
               <a:buNone/>
             </a:pPr>
-            <a:r>
-              <a:t/>
-            </a:r>
             <a:endParaRPr/>
           </a:p>
         </p:txBody>
@@ -7004,11 +7163,11 @@
 </file>
 
 <file path=ppt/slides/slide3.xml><?xml version="1.0" encoding="utf-8"?>
-<p:sld xmlns:a="http://schemas.openxmlformats.org/drawingml/2006/main" xmlns:r="http://schemas.openxmlformats.org/officeDocument/2006/relationships" xmlns:mc="http://schemas.openxmlformats.org/markup-compatibility/2006" xmlns:mv="urn:schemas-microsoft-com:mac:vml" xmlns:p="http://schemas.openxmlformats.org/presentationml/2006/main" xmlns:c="http://schemas.openxmlformats.org/drawingml/2006/chart" xmlns:dgm="http://schemas.openxmlformats.org/drawingml/2006/diagram" xmlns:o="urn:schemas-microsoft-com:office:office" xmlns:v="urn:schemas-microsoft-com:vml" xmlns:pvml="urn:schemas-microsoft-com:office:powerpoint" xmlns:com="http://schemas.openxmlformats.org/drawingml/2006/compatibility" xmlns:p14="http://schemas.microsoft.com/office/powerpoint/2010/main" xmlns:p15="http://schemas.microsoft.com/office/powerpoint/2012/main">
+<p:sld xmlns:a="http://schemas.openxmlformats.org/drawingml/2006/main" xmlns:r="http://schemas.openxmlformats.org/officeDocument/2006/relationships" xmlns:p="http://schemas.openxmlformats.org/presentationml/2006/main">
   <p:cSld>
     <p:spTree>
       <p:nvGrpSpPr>
-        <p:cNvPr id="77" name="Shape 77"/>
+        <p:cNvPr id="1" name="Shape 77"/>
         <p:cNvGrpSpPr/>
         <p:nvPr/>
       </p:nvGrpSpPr>
@@ -7023,7 +7182,9 @@
       <p:sp>
         <p:nvSpPr>
           <p:cNvPr id="78" name="Shape 78"/>
-          <p:cNvSpPr txBox="1"/>
+          <p:cNvSpPr txBox="1">
+            <a:spLocks noGrp="1"/>
+          </p:cNvSpPr>
           <p:nvPr>
             <p:ph type="title"/>
           </p:nvPr>
@@ -7038,12 +7199,12 @@
           </a:prstGeom>
         </p:spPr>
         <p:txBody>
-          <a:bodyPr anchorCtr="0" anchor="b" bIns="91425" lIns="91425" spcFirstLastPara="1" rIns="91425" wrap="square" tIns="91425">
+          <a:bodyPr spcFirstLastPara="1" wrap="square" lIns="91425" tIns="91425" rIns="91425" bIns="91425" anchor="b" anchorCtr="0">
             <a:noAutofit/>
           </a:bodyPr>
           <a:lstStyle/>
           <a:p>
-            <a:pPr indent="0" lvl="0" marL="0">
+            <a:pPr marL="0" lvl="0" indent="0">
               <a:spcBef>
                 <a:spcPts val="0"/>
               </a:spcBef>
@@ -7063,9 +7224,11 @@
       <p:sp>
         <p:nvSpPr>
           <p:cNvPr id="79" name="Shape 79"/>
-          <p:cNvSpPr txBox="1"/>
+          <p:cNvSpPr txBox="1">
+            <a:spLocks noGrp="1"/>
+          </p:cNvSpPr>
           <p:nvPr>
-            <p:ph idx="2" type="body"/>
+            <p:ph type="body" idx="2"/>
           </p:nvPr>
         </p:nvSpPr>
         <p:spPr>
@@ -7078,12 +7241,12 @@
           </a:prstGeom>
         </p:spPr>
         <p:txBody>
-          <a:bodyPr anchorCtr="0" anchor="ctr" bIns="91425" lIns="91425" spcFirstLastPara="1" rIns="91425" wrap="square" tIns="91425">
+          <a:bodyPr spcFirstLastPara="1" wrap="square" lIns="91425" tIns="91425" rIns="91425" bIns="91425" anchor="ctr" anchorCtr="0">
             <a:noAutofit/>
           </a:bodyPr>
           <a:lstStyle/>
           <a:p>
-            <a:pPr indent="-342900" lvl="0" marL="457200" rtl="0">
+            <a:pPr marL="457200" lvl="0" indent="-342900" rtl="0">
               <a:spcBef>
                 <a:spcPts val="0"/>
               </a:spcBef>
@@ -7100,7 +7263,7 @@
             <a:endParaRPr/>
           </a:p>
           <a:p>
-            <a:pPr indent="-342900" lvl="0" marL="457200" rtl="0">
+            <a:pPr marL="457200" lvl="0" indent="-342900" rtl="0">
               <a:spcBef>
                 <a:spcPts val="1600"/>
               </a:spcBef>
@@ -7117,7 +7280,7 @@
             <a:endParaRPr/>
           </a:p>
           <a:p>
-            <a:pPr indent="-342900" lvl="0" marL="457200" rtl="0">
+            <a:pPr marL="457200" lvl="0" indent="-342900" rtl="0">
               <a:spcBef>
                 <a:spcPts val="1600"/>
               </a:spcBef>
@@ -7134,7 +7297,7 @@
             <a:endParaRPr/>
           </a:p>
           <a:p>
-            <a:pPr indent="0" lvl="0" marL="0" rtl="0">
+            <a:pPr marL="0" lvl="0" indent="0" rtl="0">
               <a:spcBef>
                 <a:spcPts val="1600"/>
               </a:spcBef>
@@ -7143,9 +7306,6 @@
               </a:spcAft>
               <a:buNone/>
             </a:pPr>
-            <a:r>
-              <a:t/>
-            </a:r>
             <a:endParaRPr/>
           </a:p>
         </p:txBody>
@@ -7159,11 +7319,11 @@
 </file>
 
 <file path=ppt/slides/slide4.xml><?xml version="1.0" encoding="utf-8"?>
-<p:sld xmlns:a="http://schemas.openxmlformats.org/drawingml/2006/main" xmlns:r="http://schemas.openxmlformats.org/officeDocument/2006/relationships" xmlns:mc="http://schemas.openxmlformats.org/markup-compatibility/2006" xmlns:mv="urn:schemas-microsoft-com:mac:vml" xmlns:p="http://schemas.openxmlformats.org/presentationml/2006/main" xmlns:c="http://schemas.openxmlformats.org/drawingml/2006/chart" xmlns:dgm="http://schemas.openxmlformats.org/drawingml/2006/diagram" xmlns:o="urn:schemas-microsoft-com:office:office" xmlns:v="urn:schemas-microsoft-com:vml" xmlns:pvml="urn:schemas-microsoft-com:office:powerpoint" xmlns:com="http://schemas.openxmlformats.org/drawingml/2006/compatibility" xmlns:p14="http://schemas.microsoft.com/office/powerpoint/2010/main" xmlns:p15="http://schemas.microsoft.com/office/powerpoint/2012/main">
+<p:sld xmlns:a="http://schemas.openxmlformats.org/drawingml/2006/main" xmlns:r="http://schemas.openxmlformats.org/officeDocument/2006/relationships" xmlns:p="http://schemas.openxmlformats.org/presentationml/2006/main">
   <p:cSld>
     <p:spTree>
       <p:nvGrpSpPr>
-        <p:cNvPr id="83" name="Shape 83"/>
+        <p:cNvPr id="1" name="Shape 83"/>
         <p:cNvGrpSpPr/>
         <p:nvPr/>
       </p:nvGrpSpPr>
@@ -7178,7 +7338,9 @@
       <p:sp>
         <p:nvSpPr>
           <p:cNvPr id="84" name="Shape 84"/>
-          <p:cNvSpPr txBox="1"/>
+          <p:cNvSpPr txBox="1">
+            <a:spLocks noGrp="1"/>
+          </p:cNvSpPr>
           <p:nvPr>
             <p:ph type="title"/>
           </p:nvPr>
@@ -7193,12 +7355,12 @@
           </a:prstGeom>
         </p:spPr>
         <p:txBody>
-          <a:bodyPr anchorCtr="0" anchor="t" bIns="91425" lIns="91425" spcFirstLastPara="1" rIns="91425" wrap="square" tIns="91425">
+          <a:bodyPr spcFirstLastPara="1" wrap="square" lIns="91425" tIns="91425" rIns="91425" bIns="91425" anchor="t" anchorCtr="0">
             <a:noAutofit/>
           </a:bodyPr>
           <a:lstStyle/>
           <a:p>
-            <a:pPr indent="0" lvl="0" marL="0">
+            <a:pPr marL="0" lvl="0" indent="0">
               <a:spcBef>
                 <a:spcPts val="0"/>
               </a:spcBef>
@@ -7218,9 +7380,11 @@
       <p:sp>
         <p:nvSpPr>
           <p:cNvPr id="85" name="Shape 85"/>
-          <p:cNvSpPr txBox="1"/>
+          <p:cNvSpPr txBox="1">
+            <a:spLocks noGrp="1"/>
+          </p:cNvSpPr>
           <p:nvPr>
-            <p:ph idx="1" type="body"/>
+            <p:ph type="body" idx="1"/>
           </p:nvPr>
         </p:nvSpPr>
         <p:spPr>
@@ -7233,12 +7397,12 @@
           </a:prstGeom>
         </p:spPr>
         <p:txBody>
-          <a:bodyPr anchorCtr="0" anchor="t" bIns="91425" lIns="91425" spcFirstLastPara="1" rIns="91425" wrap="square" tIns="91425">
+          <a:bodyPr spcFirstLastPara="1" wrap="square" lIns="91425" tIns="91425" rIns="91425" bIns="91425" anchor="t" anchorCtr="0">
             <a:noAutofit/>
           </a:bodyPr>
           <a:lstStyle/>
           <a:p>
-            <a:pPr indent="-342900" lvl="0" marL="457200" rtl="0">
+            <a:pPr marL="457200" lvl="0" indent="-342900" rtl="0">
               <a:spcBef>
                 <a:spcPts val="0"/>
               </a:spcBef>
@@ -7255,7 +7419,7 @@
             <a:endParaRPr/>
           </a:p>
           <a:p>
-            <a:pPr indent="-342900" lvl="0" marL="457200" rtl="0">
+            <a:pPr marL="457200" lvl="0" indent="-342900" rtl="0">
               <a:spcBef>
                 <a:spcPts val="0"/>
               </a:spcBef>
@@ -7272,7 +7436,7 @@
             <a:endParaRPr/>
           </a:p>
           <a:p>
-            <a:pPr indent="-317500" lvl="1" marL="914400" rtl="0">
+            <a:pPr marL="914400" lvl="1" indent="-317500" rtl="0">
               <a:spcBef>
                 <a:spcPts val="0"/>
               </a:spcBef>
@@ -7289,7 +7453,7 @@
             <a:endParaRPr/>
           </a:p>
           <a:p>
-            <a:pPr indent="-342900" lvl="0" marL="457200" rtl="0">
+            <a:pPr marL="457200" lvl="0" indent="-342900" rtl="0">
               <a:spcBef>
                 <a:spcPts val="0"/>
               </a:spcBef>
@@ -7306,7 +7470,7 @@
             <a:endParaRPr/>
           </a:p>
           <a:p>
-            <a:pPr indent="-342900" lvl="0" marL="457200" rtl="0">
+            <a:pPr marL="457200" lvl="0" indent="-342900" rtl="0">
               <a:spcBef>
                 <a:spcPts val="0"/>
               </a:spcBef>
@@ -7323,7 +7487,7 @@
             <a:endParaRPr/>
           </a:p>
           <a:p>
-            <a:pPr indent="-317500" lvl="1" marL="914400">
+            <a:pPr marL="914400" lvl="1" indent="-317500">
               <a:spcBef>
                 <a:spcPts val="0"/>
               </a:spcBef>
@@ -7350,11 +7514,11 @@
 </file>
 
 <file path=ppt/slides/slide5.xml><?xml version="1.0" encoding="utf-8"?>
-<p:sld xmlns:a="http://schemas.openxmlformats.org/drawingml/2006/main" xmlns:r="http://schemas.openxmlformats.org/officeDocument/2006/relationships" xmlns:mc="http://schemas.openxmlformats.org/markup-compatibility/2006" xmlns:mv="urn:schemas-microsoft-com:mac:vml" xmlns:p="http://schemas.openxmlformats.org/presentationml/2006/main" xmlns:c="http://schemas.openxmlformats.org/drawingml/2006/chart" xmlns:dgm="http://schemas.openxmlformats.org/drawingml/2006/diagram" xmlns:o="urn:schemas-microsoft-com:office:office" xmlns:v="urn:schemas-microsoft-com:vml" xmlns:pvml="urn:schemas-microsoft-com:office:powerpoint" xmlns:com="http://schemas.openxmlformats.org/drawingml/2006/compatibility" xmlns:p14="http://schemas.microsoft.com/office/powerpoint/2010/main" xmlns:p15="http://schemas.microsoft.com/office/powerpoint/2012/main">
+<p:sld xmlns:a="http://schemas.openxmlformats.org/drawingml/2006/main" xmlns:r="http://schemas.openxmlformats.org/officeDocument/2006/relationships" xmlns:p="http://schemas.openxmlformats.org/presentationml/2006/main">
   <p:cSld>
     <p:spTree>
       <p:nvGrpSpPr>
-        <p:cNvPr id="89" name="Shape 89"/>
+        <p:cNvPr id="1" name="Shape 89"/>
         <p:cNvGrpSpPr/>
         <p:nvPr/>
       </p:nvGrpSpPr>
@@ -7369,7 +7533,9 @@
       <p:sp>
         <p:nvSpPr>
           <p:cNvPr id="90" name="Shape 90"/>
-          <p:cNvSpPr txBox="1"/>
+          <p:cNvSpPr txBox="1">
+            <a:spLocks noGrp="1"/>
+          </p:cNvSpPr>
           <p:nvPr>
             <p:ph type="title"/>
           </p:nvPr>
@@ -7384,12 +7550,12 @@
           </a:prstGeom>
         </p:spPr>
         <p:txBody>
-          <a:bodyPr anchorCtr="0" anchor="t" bIns="91425" lIns="91425" spcFirstLastPara="1" rIns="91425" wrap="square" tIns="91425">
+          <a:bodyPr spcFirstLastPara="1" wrap="square" lIns="91425" tIns="91425" rIns="91425" bIns="91425" anchor="t" anchorCtr="0">
             <a:noAutofit/>
           </a:bodyPr>
           <a:lstStyle/>
           <a:p>
-            <a:pPr indent="0" lvl="0" marL="0">
+            <a:pPr marL="0" lvl="0" indent="0">
               <a:spcBef>
                 <a:spcPts val="0"/>
               </a:spcBef>
@@ -7409,9 +7575,11 @@
       <p:sp>
         <p:nvSpPr>
           <p:cNvPr id="91" name="Shape 91"/>
-          <p:cNvSpPr txBox="1"/>
+          <p:cNvSpPr txBox="1">
+            <a:spLocks noGrp="1"/>
+          </p:cNvSpPr>
           <p:nvPr>
-            <p:ph idx="1" type="body"/>
+            <p:ph type="body" idx="1"/>
           </p:nvPr>
         </p:nvSpPr>
         <p:spPr>
@@ -7424,12 +7592,12 @@
           </a:prstGeom>
         </p:spPr>
         <p:txBody>
-          <a:bodyPr anchorCtr="0" anchor="t" bIns="91425" lIns="91425" spcFirstLastPara="1" rIns="91425" wrap="square" tIns="91425">
+          <a:bodyPr spcFirstLastPara="1" wrap="square" lIns="91425" tIns="91425" rIns="91425" bIns="91425" anchor="t" anchorCtr="0">
             <a:noAutofit/>
           </a:bodyPr>
           <a:lstStyle/>
           <a:p>
-            <a:pPr indent="-342900" lvl="0" marL="457200" rtl="0">
+            <a:pPr marL="457200" lvl="0" indent="-342900" rtl="0">
               <a:spcBef>
                 <a:spcPts val="0"/>
               </a:spcBef>
@@ -7446,7 +7614,7 @@
             <a:endParaRPr/>
           </a:p>
           <a:p>
-            <a:pPr indent="-342900" lvl="0" marL="457200" rtl="0">
+            <a:pPr marL="457200" lvl="0" indent="-342900" rtl="0">
               <a:spcBef>
                 <a:spcPts val="0"/>
               </a:spcBef>
@@ -7463,7 +7631,7 @@
             <a:endParaRPr/>
           </a:p>
           <a:p>
-            <a:pPr indent="-317500" lvl="1" marL="914400" rtl="0">
+            <a:pPr marL="914400" lvl="1" indent="-317500" rtl="0">
               <a:spcBef>
                 <a:spcPts val="0"/>
               </a:spcBef>
@@ -7480,7 +7648,7 @@
             <a:endParaRPr/>
           </a:p>
           <a:p>
-            <a:pPr indent="-317500" lvl="1" marL="914400" rtl="0">
+            <a:pPr marL="914400" lvl="1" indent="-317500" rtl="0">
               <a:spcBef>
                 <a:spcPts val="0"/>
               </a:spcBef>
@@ -7497,7 +7665,7 @@
             <a:endParaRPr/>
           </a:p>
           <a:p>
-            <a:pPr indent="-342900" lvl="0" marL="457200" rtl="0">
+            <a:pPr marL="457200" lvl="0" indent="-342900" rtl="0">
               <a:spcBef>
                 <a:spcPts val="0"/>
               </a:spcBef>
@@ -7514,7 +7682,7 @@
             <a:endParaRPr/>
           </a:p>
           <a:p>
-            <a:pPr indent="-317500" lvl="1" marL="914400" rtl="0">
+            <a:pPr marL="914400" lvl="1" indent="-317500" rtl="0">
               <a:spcBef>
                 <a:spcPts val="0"/>
               </a:spcBef>
@@ -7531,7 +7699,7 @@
             <a:endParaRPr/>
           </a:p>
           <a:p>
-            <a:pPr indent="0" lvl="0" marL="0" rtl="0">
+            <a:pPr marL="0" lvl="0" indent="0" rtl="0">
               <a:spcBef>
                 <a:spcPts val="1600"/>
               </a:spcBef>
@@ -7540,9 +7708,6 @@
               </a:spcAft>
               <a:buNone/>
             </a:pPr>
-            <a:r>
-              <a:t/>
-            </a:r>
             <a:endParaRPr/>
           </a:p>
         </p:txBody>
@@ -7556,11 +7721,11 @@
 </file>
 
 <file path=ppt/slides/slide6.xml><?xml version="1.0" encoding="utf-8"?>
-<p:sld xmlns:a="http://schemas.openxmlformats.org/drawingml/2006/main" xmlns:r="http://schemas.openxmlformats.org/officeDocument/2006/relationships" xmlns:mc="http://schemas.openxmlformats.org/markup-compatibility/2006" xmlns:mv="urn:schemas-microsoft-com:mac:vml" xmlns:p="http://schemas.openxmlformats.org/presentationml/2006/main" xmlns:c="http://schemas.openxmlformats.org/drawingml/2006/chart" xmlns:dgm="http://schemas.openxmlformats.org/drawingml/2006/diagram" xmlns:o="urn:schemas-microsoft-com:office:office" xmlns:v="urn:schemas-microsoft-com:vml" xmlns:pvml="urn:schemas-microsoft-com:office:powerpoint" xmlns:com="http://schemas.openxmlformats.org/drawingml/2006/compatibility" xmlns:p14="http://schemas.microsoft.com/office/powerpoint/2010/main" xmlns:p15="http://schemas.microsoft.com/office/powerpoint/2012/main">
+<p:sld xmlns:a="http://schemas.openxmlformats.org/drawingml/2006/main" xmlns:r="http://schemas.openxmlformats.org/officeDocument/2006/relationships" xmlns:p="http://schemas.openxmlformats.org/presentationml/2006/main">
   <p:cSld>
     <p:spTree>
       <p:nvGrpSpPr>
-        <p:cNvPr id="95" name="Shape 95"/>
+        <p:cNvPr id="1" name="Shape 95"/>
         <p:cNvGrpSpPr/>
         <p:nvPr/>
       </p:nvGrpSpPr>
@@ -7575,7 +7740,9 @@
       <p:sp>
         <p:nvSpPr>
           <p:cNvPr id="96" name="Shape 96"/>
-          <p:cNvSpPr txBox="1"/>
+          <p:cNvSpPr txBox="1">
+            <a:spLocks noGrp="1"/>
+          </p:cNvSpPr>
           <p:nvPr>
             <p:ph type="title"/>
           </p:nvPr>
@@ -7590,12 +7757,12 @@
           </a:prstGeom>
         </p:spPr>
         <p:txBody>
-          <a:bodyPr anchorCtr="0" anchor="t" bIns="91425" lIns="91425" spcFirstLastPara="1" rIns="91425" wrap="square" tIns="91425">
+          <a:bodyPr spcFirstLastPara="1" wrap="square" lIns="91425" tIns="91425" rIns="91425" bIns="91425" anchor="t" anchorCtr="0">
             <a:noAutofit/>
           </a:bodyPr>
           <a:lstStyle/>
           <a:p>
-            <a:pPr indent="0" lvl="0" marL="0">
+            <a:pPr marL="0" lvl="0" indent="0">
               <a:spcBef>
                 <a:spcPts val="0"/>
               </a:spcBef>
@@ -7611,7 +7778,7 @@
             <a:endParaRPr/>
           </a:p>
           <a:p>
-            <a:pPr indent="0" lvl="0" marL="0">
+            <a:pPr marL="0" lvl="0" indent="0">
               <a:spcBef>
                 <a:spcPts val="0"/>
               </a:spcBef>
@@ -7620,9 +7787,6 @@
               </a:spcAft>
               <a:buNone/>
             </a:pPr>
-            <a:r>
-              <a:t/>
-            </a:r>
             <a:endParaRPr/>
           </a:p>
         </p:txBody>
@@ -7630,9 +7794,11 @@
       <p:sp>
         <p:nvSpPr>
           <p:cNvPr id="97" name="Shape 97"/>
-          <p:cNvSpPr txBox="1"/>
+          <p:cNvSpPr txBox="1">
+            <a:spLocks noGrp="1"/>
+          </p:cNvSpPr>
           <p:nvPr>
-            <p:ph idx="1" type="body"/>
+            <p:ph type="body" idx="1"/>
           </p:nvPr>
         </p:nvSpPr>
         <p:spPr>
@@ -7645,12 +7811,12 @@
           </a:prstGeom>
         </p:spPr>
         <p:txBody>
-          <a:bodyPr anchorCtr="0" anchor="t" bIns="91425" lIns="91425" spcFirstLastPara="1" rIns="91425" wrap="square" tIns="91425">
+          <a:bodyPr spcFirstLastPara="1" wrap="square" lIns="91425" tIns="91425" rIns="91425" bIns="91425" anchor="t" anchorCtr="0">
             <a:noAutofit/>
           </a:bodyPr>
           <a:lstStyle/>
           <a:p>
-            <a:pPr indent="-342900" lvl="0" marL="457200" rtl="0">
+            <a:pPr marL="457200" lvl="0" indent="-342900" rtl="0">
               <a:spcBef>
                 <a:spcPts val="0"/>
               </a:spcBef>
@@ -7667,7 +7833,7 @@
             <a:endParaRPr/>
           </a:p>
           <a:p>
-            <a:pPr indent="-342900" lvl="0" marL="457200" rtl="0">
+            <a:pPr marL="457200" lvl="0" indent="-342900" rtl="0">
               <a:spcBef>
                 <a:spcPts val="0"/>
               </a:spcBef>
@@ -7684,7 +7850,7 @@
             <a:endParaRPr/>
           </a:p>
           <a:p>
-            <a:pPr indent="-342900" lvl="0" marL="457200" rtl="0">
+            <a:pPr marL="457200" lvl="0" indent="-342900" rtl="0">
               <a:spcBef>
                 <a:spcPts val="0"/>
               </a:spcBef>
@@ -7701,7 +7867,7 @@
             <a:endParaRPr/>
           </a:p>
           <a:p>
-            <a:pPr indent="-317500" lvl="1" marL="914400" rtl="0">
+            <a:pPr marL="914400" lvl="1" indent="-317500" rtl="0">
               <a:spcBef>
                 <a:spcPts val="0"/>
               </a:spcBef>
@@ -7713,16 +7879,12 @@
             </a:pPr>
             <a:r>
               <a:rPr lang="en"/>
-              <a:t>Endless </a:t>
-            </a:r>
-            <a:r>
-              <a:rPr lang="en"/>
-              <a:t>possibilities</a:t>
+              <a:t>Endless possibilities</a:t>
             </a:r>
             <a:endParaRPr/>
           </a:p>
           <a:p>
-            <a:pPr indent="-342900" lvl="0" marL="457200" rtl="0">
+            <a:pPr marL="457200" lvl="0" indent="-342900" rtl="0">
               <a:spcBef>
                 <a:spcPts val="0"/>
               </a:spcBef>
@@ -7739,7 +7901,7 @@
             <a:endParaRPr/>
           </a:p>
           <a:p>
-            <a:pPr indent="-342900" lvl="0" marL="457200" rtl="0">
+            <a:pPr marL="457200" lvl="0" indent="-342900" rtl="0">
               <a:spcBef>
                 <a:spcPts val="0"/>
               </a:spcBef>
@@ -7756,7 +7918,7 @@
             <a:endParaRPr/>
           </a:p>
           <a:p>
-            <a:pPr indent="-342900" lvl="0" marL="457200" rtl="0">
+            <a:pPr marL="457200" lvl="0" indent="-342900" rtl="0">
               <a:spcBef>
                 <a:spcPts val="0"/>
               </a:spcBef>
@@ -7773,7 +7935,7 @@
             <a:endParaRPr/>
           </a:p>
           <a:p>
-            <a:pPr indent="-342900" lvl="0" marL="457200" rtl="0">
+            <a:pPr marL="457200" lvl="0" indent="-342900" rtl="0">
               <a:spcBef>
                 <a:spcPts val="0"/>
               </a:spcBef>
@@ -7800,11 +7962,11 @@
 </file>
 
 <file path=ppt/slides/slide7.xml><?xml version="1.0" encoding="utf-8"?>
-<p:sld xmlns:a="http://schemas.openxmlformats.org/drawingml/2006/main" xmlns:r="http://schemas.openxmlformats.org/officeDocument/2006/relationships" xmlns:mc="http://schemas.openxmlformats.org/markup-compatibility/2006" xmlns:mv="urn:schemas-microsoft-com:mac:vml" xmlns:p="http://schemas.openxmlformats.org/presentationml/2006/main" xmlns:c="http://schemas.openxmlformats.org/drawingml/2006/chart" xmlns:dgm="http://schemas.openxmlformats.org/drawingml/2006/diagram" xmlns:o="urn:schemas-microsoft-com:office:office" xmlns:v="urn:schemas-microsoft-com:vml" xmlns:pvml="urn:schemas-microsoft-com:office:powerpoint" xmlns:com="http://schemas.openxmlformats.org/drawingml/2006/compatibility" xmlns:p14="http://schemas.microsoft.com/office/powerpoint/2010/main" xmlns:p15="http://schemas.microsoft.com/office/powerpoint/2012/main">
+<p:sld xmlns:a="http://schemas.openxmlformats.org/drawingml/2006/main" xmlns:r="http://schemas.openxmlformats.org/officeDocument/2006/relationships" xmlns:p="http://schemas.openxmlformats.org/presentationml/2006/main">
   <p:cSld>
     <p:spTree>
       <p:nvGrpSpPr>
-        <p:cNvPr id="101" name="Shape 101"/>
+        <p:cNvPr id="1" name="Shape 101"/>
         <p:cNvGrpSpPr/>
         <p:nvPr/>
       </p:nvGrpSpPr>
@@ -7819,7 +7981,9 @@
       <p:sp>
         <p:nvSpPr>
           <p:cNvPr id="102" name="Shape 102"/>
-          <p:cNvSpPr txBox="1"/>
+          <p:cNvSpPr txBox="1">
+            <a:spLocks noGrp="1"/>
+          </p:cNvSpPr>
           <p:nvPr>
             <p:ph type="title"/>
           </p:nvPr>
@@ -7834,12 +7998,12 @@
           </a:prstGeom>
         </p:spPr>
         <p:txBody>
-          <a:bodyPr anchorCtr="0" anchor="t" bIns="91425" lIns="91425" spcFirstLastPara="1" rIns="91425" wrap="square" tIns="91425">
+          <a:bodyPr spcFirstLastPara="1" wrap="square" lIns="91425" tIns="91425" rIns="91425" bIns="91425" anchor="t" anchorCtr="0">
             <a:noAutofit/>
           </a:bodyPr>
           <a:lstStyle/>
           <a:p>
-            <a:pPr indent="0" lvl="0" marL="0">
+            <a:pPr marL="0" lvl="0" indent="0">
               <a:spcBef>
                 <a:spcPts val="0"/>
               </a:spcBef>
@@ -7859,9 +8023,11 @@
       <p:sp>
         <p:nvSpPr>
           <p:cNvPr id="103" name="Shape 103"/>
-          <p:cNvSpPr txBox="1"/>
+          <p:cNvSpPr txBox="1">
+            <a:spLocks noGrp="1"/>
+          </p:cNvSpPr>
           <p:nvPr>
-            <p:ph idx="1" type="body"/>
+            <p:ph type="body" idx="1"/>
           </p:nvPr>
         </p:nvSpPr>
         <p:spPr>
@@ -7874,12 +8040,12 @@
           </a:prstGeom>
         </p:spPr>
         <p:txBody>
-          <a:bodyPr anchorCtr="0" anchor="t" bIns="91425" lIns="91425" spcFirstLastPara="1" rIns="91425" wrap="square" tIns="91425">
+          <a:bodyPr spcFirstLastPara="1" wrap="square" lIns="91425" tIns="91425" rIns="91425" bIns="91425" anchor="t" anchorCtr="0">
             <a:noAutofit/>
           </a:bodyPr>
           <a:lstStyle/>
           <a:p>
-            <a:pPr indent="-342900" lvl="0" marL="457200" rtl="0">
+            <a:pPr marL="457200" lvl="0" indent="-342900" rtl="0">
               <a:spcBef>
                 <a:spcPts val="0"/>
               </a:spcBef>
@@ -7896,7 +8062,7 @@
             <a:endParaRPr/>
           </a:p>
           <a:p>
-            <a:pPr indent="-342900" lvl="0" marL="457200" rtl="0">
+            <a:pPr marL="457200" lvl="0" indent="-342900" rtl="0">
               <a:spcBef>
                 <a:spcPts val="0"/>
               </a:spcBef>
@@ -7913,7 +8079,7 @@
             <a:endParaRPr/>
           </a:p>
           <a:p>
-            <a:pPr indent="-317500" lvl="1" marL="914400" rtl="0">
+            <a:pPr marL="914400" lvl="1" indent="-317500" rtl="0">
               <a:spcBef>
                 <a:spcPts val="0"/>
               </a:spcBef>
@@ -7930,7 +8096,7 @@
             <a:endParaRPr/>
           </a:p>
           <a:p>
-            <a:pPr indent="-342900" lvl="0" marL="457200">
+            <a:pPr marL="457200" lvl="0" indent="-342900">
               <a:spcBef>
                 <a:spcPts val="0"/>
               </a:spcBef>
@@ -7957,7 +8123,7 @@
 </file>
 
 <file path=ppt/theme/theme1.xml><?xml version="1.0" encoding="utf-8"?>
-<a:theme xmlns:a="http://schemas.openxmlformats.org/drawingml/2006/main" xmlns:r="http://schemas.openxmlformats.org/officeDocument/2006/relationships" name="Tropic">
+<a:theme xmlns:a="http://schemas.openxmlformats.org/drawingml/2006/main" name="Tropic">
   <a:themeElements>
     <a:clrScheme name="Tropic">
       <a:dk1>
@@ -8232,11 +8398,13 @@
       </a:bgFillStyleLst>
     </a:fmtScheme>
   </a:themeElements>
+  <a:objectDefaults/>
+  <a:extraClrSchemeLst/>
 </a:theme>
 </file>
 
 <file path=ppt/theme/theme2.xml><?xml version="1.0" encoding="utf-8"?>
-<a:theme xmlns:a="http://schemas.openxmlformats.org/drawingml/2006/main" xmlns:r="http://schemas.openxmlformats.org/officeDocument/2006/relationships">
+<a:theme xmlns:a="http://schemas.openxmlformats.org/drawingml/2006/main">
   <a:themeElements>
     <a:clrScheme name="Default">
       <a:dk1>
@@ -8511,5 +8679,7 @@
       </a:bgFillStyleLst>
     </a:fmtScheme>
   </a:themeElements>
+  <a:objectDefaults/>
+  <a:extraClrSchemeLst/>
 </a:theme>
 </file>